--- a/docs/SPA_Architecture.pptx
+++ b/docs/SPA_Architecture.pptx
@@ -2,18 +2,18 @@
 <file path=ppt/presentation.xml><?xml version="1.0" encoding="utf-8"?>
 <p:presentation xmlns:a="http://schemas.openxmlformats.org/drawingml/2006/main" xmlns:r="http://schemas.openxmlformats.org/officeDocument/2006/relationships" xmlns:p="http://schemas.openxmlformats.org/presentationml/2006/main" saveSubsetFonts="1" autoCompressPictures="0">
   <p:sldMasterIdLst>
-    <p:sldMasterId id="2147483648" r:id="rId1"/>
+    <p:sldMasterId id="2147483672" r:id="rId1"/>
   </p:sldMasterIdLst>
   <p:sldIdLst>
     <p:sldId id="256" r:id="rId2"/>
   </p:sldIdLst>
-  <p:sldSz cx="12192000" cy="6858000"/>
+  <p:sldSz cx="16559213" cy="14400213"/>
   <p:notesSz cx="6858000" cy="9144000"/>
   <p:defaultTextStyle>
     <a:defPPr>
-      <a:defRPr lang="ko-Kore-KR"/>
+      <a:defRPr lang="en-US"/>
     </a:defPPr>
-    <a:lvl1pPr marL="0" algn="l" defTabSz="914400" rtl="0" eaLnBrk="1" latinLnBrk="0" hangingPunct="1">
+    <a:lvl1pPr marL="0" algn="l" defTabSz="457200" rtl="0" eaLnBrk="1" latinLnBrk="0" hangingPunct="1">
       <a:defRPr sz="1800" kern="1200">
         <a:solidFill>
           <a:schemeClr val="tx1"/>
@@ -23,7 +23,7 @@
         <a:cs typeface="+mn-cs"/>
       </a:defRPr>
     </a:lvl1pPr>
-    <a:lvl2pPr marL="457200" algn="l" defTabSz="914400" rtl="0" eaLnBrk="1" latinLnBrk="0" hangingPunct="1">
+    <a:lvl2pPr marL="457200" algn="l" defTabSz="457200" rtl="0" eaLnBrk="1" latinLnBrk="0" hangingPunct="1">
       <a:defRPr sz="1800" kern="1200">
         <a:solidFill>
           <a:schemeClr val="tx1"/>
@@ -33,7 +33,7 @@
         <a:cs typeface="+mn-cs"/>
       </a:defRPr>
     </a:lvl2pPr>
-    <a:lvl3pPr marL="914400" algn="l" defTabSz="914400" rtl="0" eaLnBrk="1" latinLnBrk="0" hangingPunct="1">
+    <a:lvl3pPr marL="914400" algn="l" defTabSz="457200" rtl="0" eaLnBrk="1" latinLnBrk="0" hangingPunct="1">
       <a:defRPr sz="1800" kern="1200">
         <a:solidFill>
           <a:schemeClr val="tx1"/>
@@ -43,7 +43,7 @@
         <a:cs typeface="+mn-cs"/>
       </a:defRPr>
     </a:lvl3pPr>
-    <a:lvl4pPr marL="1371600" algn="l" defTabSz="914400" rtl="0" eaLnBrk="1" latinLnBrk="0" hangingPunct="1">
+    <a:lvl4pPr marL="1371600" algn="l" defTabSz="457200" rtl="0" eaLnBrk="1" latinLnBrk="0" hangingPunct="1">
       <a:defRPr sz="1800" kern="1200">
         <a:solidFill>
           <a:schemeClr val="tx1"/>
@@ -53,7 +53,7 @@
         <a:cs typeface="+mn-cs"/>
       </a:defRPr>
     </a:lvl4pPr>
-    <a:lvl5pPr marL="1828800" algn="l" defTabSz="914400" rtl="0" eaLnBrk="1" latinLnBrk="0" hangingPunct="1">
+    <a:lvl5pPr marL="1828800" algn="l" defTabSz="457200" rtl="0" eaLnBrk="1" latinLnBrk="0" hangingPunct="1">
       <a:defRPr sz="1800" kern="1200">
         <a:solidFill>
           <a:schemeClr val="tx1"/>
@@ -63,7 +63,7 @@
         <a:cs typeface="+mn-cs"/>
       </a:defRPr>
     </a:lvl5pPr>
-    <a:lvl6pPr marL="2286000" algn="l" defTabSz="914400" rtl="0" eaLnBrk="1" latinLnBrk="0" hangingPunct="1">
+    <a:lvl6pPr marL="2286000" algn="l" defTabSz="457200" rtl="0" eaLnBrk="1" latinLnBrk="0" hangingPunct="1">
       <a:defRPr sz="1800" kern="1200">
         <a:solidFill>
           <a:schemeClr val="tx1"/>
@@ -73,7 +73,7 @@
         <a:cs typeface="+mn-cs"/>
       </a:defRPr>
     </a:lvl6pPr>
-    <a:lvl7pPr marL="2743200" algn="l" defTabSz="914400" rtl="0" eaLnBrk="1" latinLnBrk="0" hangingPunct="1">
+    <a:lvl7pPr marL="2743200" algn="l" defTabSz="457200" rtl="0" eaLnBrk="1" latinLnBrk="0" hangingPunct="1">
       <a:defRPr sz="1800" kern="1200">
         <a:solidFill>
           <a:schemeClr val="tx1"/>
@@ -83,7 +83,7 @@
         <a:cs typeface="+mn-cs"/>
       </a:defRPr>
     </a:lvl7pPr>
-    <a:lvl8pPr marL="3200400" algn="l" defTabSz="914400" rtl="0" eaLnBrk="1" latinLnBrk="0" hangingPunct="1">
+    <a:lvl8pPr marL="3200400" algn="l" defTabSz="457200" rtl="0" eaLnBrk="1" latinLnBrk="0" hangingPunct="1">
       <a:defRPr sz="1800" kern="1200">
         <a:solidFill>
           <a:schemeClr val="tx1"/>
@@ -93,7 +93,7 @@
         <a:cs typeface="+mn-cs"/>
       </a:defRPr>
     </a:lvl8pPr>
-    <a:lvl9pPr marL="3657600" algn="l" defTabSz="914400" rtl="0" eaLnBrk="1" latinLnBrk="0" hangingPunct="1">
+    <a:lvl9pPr marL="3657600" algn="l" defTabSz="457200" rtl="0" eaLnBrk="1" latinLnBrk="0" hangingPunct="1">
       <a:defRPr sz="1800" kern="1200">
         <a:solidFill>
           <a:schemeClr val="tx1"/>
@@ -105,6 +105,15 @@
     </a:lvl9pPr>
   </p:defaultTextStyle>
   <p:extLst>
+    <p:ext uri="{521415D9-36F7-43E2-AB2F-B90AF26B5E84}">
+      <p14:sectionLst xmlns:p14="http://schemas.microsoft.com/office/powerpoint/2010/main">
+        <p14:section name="제목 없는 구역" id="{0EAA4244-A085-D64D-80A9-987B7229AEB5}">
+          <p14:sldIdLst>
+            <p14:sldId id="256"/>
+          </p14:sldIdLst>
+        </p14:section>
+      </p14:sectionLst>
+    </p:ext>
     <p:ext uri="{EFAFB233-063F-42B5-8137-9DF3F51BA10A}">
       <p15:sldGuideLst xmlns:p15="http://schemas.microsoft.com/office/powerpoint/2012/main"/>
     </p:ext>
@@ -131,13 +140,7 @@
       </p:grpSpPr>
       <p:sp>
         <p:nvSpPr>
-          <p:cNvPr id="2" name="제목 1">
-            <a:extLst>
-              <a:ext uri="{FF2B5EF4-FFF2-40B4-BE49-F238E27FC236}">
-                <a16:creationId xmlns:a16="http://schemas.microsoft.com/office/drawing/2014/main" id="{42863610-906B-434D-9C0E-4B29F6D8E692}"/>
-              </a:ext>
-            </a:extLst>
-          </p:cNvPr>
+          <p:cNvPr id="2" name="Title 1"/>
           <p:cNvSpPr>
             <a:spLocks noGrp="1"/>
           </p:cNvSpPr>
@@ -147,35 +150,29 @@
         </p:nvSpPr>
         <p:spPr>
           <a:xfrm>
-            <a:off x="1524000" y="1122363"/>
-            <a:ext cx="9144000" cy="2387600"/>
+            <a:off x="1241941" y="2356703"/>
+            <a:ext cx="14075331" cy="5013407"/>
           </a:xfrm>
         </p:spPr>
         <p:txBody>
           <a:bodyPr anchor="b"/>
           <a:lstStyle>
             <a:lvl1pPr algn="ctr">
-              <a:defRPr sz="6000"/>
+              <a:defRPr sz="10865"/>
             </a:lvl1pPr>
           </a:lstStyle>
           <a:p>
             <a:r>
-              <a:rPr kumimoji="1" lang="ko-KR" altLang="en-US"/>
+              <a:rPr lang="ko-KR" altLang="en-US"/>
               <a:t>마스터 제목 스타일 편집</a:t>
             </a:r>
-            <a:endParaRPr kumimoji="1" lang="ko-Kore-KR" altLang="en-US"/>
-          </a:p>
-        </p:txBody>
-      </p:sp>
-      <p:sp>
-        <p:nvSpPr>
-          <p:cNvPr id="3" name="부제목 2">
-            <a:extLst>
-              <a:ext uri="{FF2B5EF4-FFF2-40B4-BE49-F238E27FC236}">
-                <a16:creationId xmlns:a16="http://schemas.microsoft.com/office/drawing/2014/main" id="{EE56895F-627B-5242-A27C-5CD01E02F865}"/>
-              </a:ext>
-            </a:extLst>
-          </p:cNvPr>
+            <a:endParaRPr lang="en-US" dirty="0"/>
+          </a:p>
+        </p:txBody>
+      </p:sp>
+      <p:sp>
+        <p:nvSpPr>
+          <p:cNvPr id="3" name="Subtitle 2"/>
           <p:cNvSpPr>
             <a:spLocks noGrp="1"/>
           </p:cNvSpPr>
@@ -185,8 +182,8 @@
         </p:nvSpPr>
         <p:spPr>
           <a:xfrm>
-            <a:off x="1524000" y="3602038"/>
-            <a:ext cx="9144000" cy="1655762"/>
+            <a:off x="2069902" y="7563446"/>
+            <a:ext cx="12419410" cy="3476717"/>
           </a:xfrm>
         </p:spPr>
         <p:txBody>
@@ -194,59 +191,53 @@
           <a:lstStyle>
             <a:lvl1pPr marL="0" indent="0" algn="ctr">
               <a:buNone/>
-              <a:defRPr sz="2400"/>
+              <a:defRPr sz="4346"/>
             </a:lvl1pPr>
-            <a:lvl2pPr marL="457200" indent="0" algn="ctr">
-              <a:buNone/>
-              <a:defRPr sz="2000"/>
+            <a:lvl2pPr marL="827943" indent="0" algn="ctr">
+              <a:buNone/>
+              <a:defRPr sz="3622"/>
             </a:lvl2pPr>
-            <a:lvl3pPr marL="914400" indent="0" algn="ctr">
-              <a:buNone/>
-              <a:defRPr sz="1800"/>
+            <a:lvl3pPr marL="1655887" indent="0" algn="ctr">
+              <a:buNone/>
+              <a:defRPr sz="3260"/>
             </a:lvl3pPr>
-            <a:lvl4pPr marL="1371600" indent="0" algn="ctr">
-              <a:buNone/>
-              <a:defRPr sz="1600"/>
+            <a:lvl4pPr marL="2483830" indent="0" algn="ctr">
+              <a:buNone/>
+              <a:defRPr sz="2897"/>
             </a:lvl4pPr>
-            <a:lvl5pPr marL="1828800" indent="0" algn="ctr">
-              <a:buNone/>
-              <a:defRPr sz="1600"/>
+            <a:lvl5pPr marL="3311774" indent="0" algn="ctr">
+              <a:buNone/>
+              <a:defRPr sz="2897"/>
             </a:lvl5pPr>
-            <a:lvl6pPr marL="2286000" indent="0" algn="ctr">
-              <a:buNone/>
-              <a:defRPr sz="1600"/>
+            <a:lvl6pPr marL="4139717" indent="0" algn="ctr">
+              <a:buNone/>
+              <a:defRPr sz="2897"/>
             </a:lvl6pPr>
-            <a:lvl7pPr marL="2743200" indent="0" algn="ctr">
-              <a:buNone/>
-              <a:defRPr sz="1600"/>
+            <a:lvl7pPr marL="4967661" indent="0" algn="ctr">
+              <a:buNone/>
+              <a:defRPr sz="2897"/>
             </a:lvl7pPr>
-            <a:lvl8pPr marL="3200400" indent="0" algn="ctr">
-              <a:buNone/>
-              <a:defRPr sz="1600"/>
+            <a:lvl8pPr marL="5795604" indent="0" algn="ctr">
+              <a:buNone/>
+              <a:defRPr sz="2897"/>
             </a:lvl8pPr>
-            <a:lvl9pPr marL="3657600" indent="0" algn="ctr">
-              <a:buNone/>
-              <a:defRPr sz="1600"/>
+            <a:lvl9pPr marL="6623548" indent="0" algn="ctr">
+              <a:buNone/>
+              <a:defRPr sz="2897"/>
             </a:lvl9pPr>
           </a:lstStyle>
           <a:p>
             <a:r>
-              <a:rPr kumimoji="1" lang="ko-KR" altLang="en-US"/>
+              <a:rPr lang="ko-KR" altLang="en-US"/>
               <a:t>클릭하여 마스터 부제목 스타일 편집</a:t>
             </a:r>
-            <a:endParaRPr kumimoji="1" lang="ko-Kore-KR" altLang="en-US"/>
-          </a:p>
-        </p:txBody>
-      </p:sp>
-      <p:sp>
-        <p:nvSpPr>
-          <p:cNvPr id="4" name="날짜 개체 틀 3">
-            <a:extLst>
-              <a:ext uri="{FF2B5EF4-FFF2-40B4-BE49-F238E27FC236}">
-                <a16:creationId xmlns:a16="http://schemas.microsoft.com/office/drawing/2014/main" id="{E7B0F773-43A7-A942-A30E-8853166D13FE}"/>
-              </a:ext>
-            </a:extLst>
-          </p:cNvPr>
+            <a:endParaRPr lang="en-US" dirty="0"/>
+          </a:p>
+        </p:txBody>
+      </p:sp>
+      <p:sp>
+        <p:nvSpPr>
+          <p:cNvPr id="4" name="Date Placeholder 3"/>
           <p:cNvSpPr>
             <a:spLocks noGrp="1"/>
           </p:cNvSpPr>
@@ -261,7 +252,7 @@
           <a:p>
             <a:fld id="{EF0B41A4-A1A8-0441-83A3-17BC3F823C86}" type="datetimeFigureOut">
               <a:rPr kumimoji="1" lang="ko-Kore-KR" altLang="en-US" smtClean="0"/>
-              <a:t>2021. 3. 27.</a:t>
+              <a:t>2021. 4. 18.</a:t>
             </a:fld>
             <a:endParaRPr kumimoji="1" lang="ko-Kore-KR" altLang="en-US"/>
           </a:p>
@@ -269,13 +260,7 @@
       </p:sp>
       <p:sp>
         <p:nvSpPr>
-          <p:cNvPr id="5" name="바닥글 개체 틀 4">
-            <a:extLst>
-              <a:ext uri="{FF2B5EF4-FFF2-40B4-BE49-F238E27FC236}">
-                <a16:creationId xmlns:a16="http://schemas.microsoft.com/office/drawing/2014/main" id="{9D8AACC5-EBC5-B14A-9CF6-D5B2CF1E0C61}"/>
-              </a:ext>
-            </a:extLst>
-          </p:cNvPr>
+          <p:cNvPr id="5" name="Footer Placeholder 4"/>
           <p:cNvSpPr>
             <a:spLocks noGrp="1"/>
           </p:cNvSpPr>
@@ -294,13 +279,7 @@
       </p:sp>
       <p:sp>
         <p:nvSpPr>
-          <p:cNvPr id="6" name="슬라이드 번호 개체 틀 5">
-            <a:extLst>
-              <a:ext uri="{FF2B5EF4-FFF2-40B4-BE49-F238E27FC236}">
-                <a16:creationId xmlns:a16="http://schemas.microsoft.com/office/drawing/2014/main" id="{97E27DF5-C71C-9743-ABBF-0162FFEABAA3}"/>
-              </a:ext>
-            </a:extLst>
-          </p:cNvPr>
+          <p:cNvPr id="6" name="Slide Number Placeholder 5"/>
           <p:cNvSpPr>
             <a:spLocks noGrp="1"/>
           </p:cNvSpPr>
@@ -324,7 +303,7 @@
     </p:spTree>
     <p:extLst>
       <p:ext uri="{BB962C8B-B14F-4D97-AF65-F5344CB8AC3E}">
-        <p14:creationId xmlns:p14="http://schemas.microsoft.com/office/powerpoint/2010/main" val="2850321476"/>
+        <p14:creationId xmlns:p14="http://schemas.microsoft.com/office/powerpoint/2010/main" val="2769826806"/>
       </p:ext>
     </p:extLst>
   </p:cSld>
@@ -353,13 +332,7 @@
       </p:grpSpPr>
       <p:sp>
         <p:nvSpPr>
-          <p:cNvPr id="2" name="제목 1">
-            <a:extLst>
-              <a:ext uri="{FF2B5EF4-FFF2-40B4-BE49-F238E27FC236}">
-                <a16:creationId xmlns:a16="http://schemas.microsoft.com/office/drawing/2014/main" id="{C4AB8B88-1950-9C4A-9BE8-6DCC0E0F13D4}"/>
-              </a:ext>
-            </a:extLst>
-          </p:cNvPr>
+          <p:cNvPr id="2" name="Title 1"/>
           <p:cNvSpPr>
             <a:spLocks noGrp="1"/>
           </p:cNvSpPr>
@@ -373,22 +346,16 @@
           <a:lstStyle/>
           <a:p>
             <a:r>
-              <a:rPr kumimoji="1" lang="ko-KR" altLang="en-US"/>
+              <a:rPr lang="ko-KR" altLang="en-US"/>
               <a:t>마스터 제목 스타일 편집</a:t>
             </a:r>
-            <a:endParaRPr kumimoji="1" lang="ko-Kore-KR" altLang="en-US"/>
-          </a:p>
-        </p:txBody>
-      </p:sp>
-      <p:sp>
-        <p:nvSpPr>
-          <p:cNvPr id="3" name="세로 텍스트 개체 틀 2">
-            <a:extLst>
-              <a:ext uri="{FF2B5EF4-FFF2-40B4-BE49-F238E27FC236}">
-                <a16:creationId xmlns:a16="http://schemas.microsoft.com/office/drawing/2014/main" id="{EC286154-7EA7-C14F-8F43-E64AA4E08835}"/>
-              </a:ext>
-            </a:extLst>
-          </p:cNvPr>
+            <a:endParaRPr lang="en-US" dirty="0"/>
+          </a:p>
+        </p:txBody>
+      </p:sp>
+      <p:sp>
+        <p:nvSpPr>
+          <p:cNvPr id="3" name="Vertical Text Placeholder 2"/>
           <p:cNvSpPr>
             <a:spLocks noGrp="1"/>
           </p:cNvSpPr>
@@ -403,50 +370,44 @@
           <a:p>
             <a:pPr lvl="0"/>
             <a:r>
-              <a:rPr kumimoji="1" lang="ko-KR" altLang="en-US"/>
+              <a:rPr lang="ko-KR" altLang="en-US"/>
               <a:t>마스터 텍스트 스타일을 편집하려면 클릭</a:t>
             </a:r>
           </a:p>
           <a:p>
             <a:pPr lvl="1"/>
             <a:r>
-              <a:rPr kumimoji="1" lang="ko-KR" altLang="en-US"/>
+              <a:rPr lang="ko-KR" altLang="en-US"/>
               <a:t>두 번째 수준</a:t>
             </a:r>
           </a:p>
           <a:p>
             <a:pPr lvl="2"/>
             <a:r>
-              <a:rPr kumimoji="1" lang="ko-KR" altLang="en-US"/>
+              <a:rPr lang="ko-KR" altLang="en-US"/>
               <a:t>세 번째 수준</a:t>
             </a:r>
           </a:p>
           <a:p>
             <a:pPr lvl="3"/>
             <a:r>
-              <a:rPr kumimoji="1" lang="ko-KR" altLang="en-US"/>
+              <a:rPr lang="ko-KR" altLang="en-US"/>
               <a:t>네 번째 수준</a:t>
             </a:r>
           </a:p>
           <a:p>
             <a:pPr lvl="4"/>
             <a:r>
-              <a:rPr kumimoji="1" lang="ko-KR" altLang="en-US"/>
+              <a:rPr lang="ko-KR" altLang="en-US"/>
               <a:t>다섯 번째 수준</a:t>
             </a:r>
-            <a:endParaRPr kumimoji="1" lang="ko-Kore-KR" altLang="en-US"/>
-          </a:p>
-        </p:txBody>
-      </p:sp>
-      <p:sp>
-        <p:nvSpPr>
-          <p:cNvPr id="4" name="날짜 개체 틀 3">
-            <a:extLst>
-              <a:ext uri="{FF2B5EF4-FFF2-40B4-BE49-F238E27FC236}">
-                <a16:creationId xmlns:a16="http://schemas.microsoft.com/office/drawing/2014/main" id="{CC9FAEFB-DD51-D346-9F2B-895E10B7EC89}"/>
-              </a:ext>
-            </a:extLst>
-          </p:cNvPr>
+            <a:endParaRPr lang="en-US" dirty="0"/>
+          </a:p>
+        </p:txBody>
+      </p:sp>
+      <p:sp>
+        <p:nvSpPr>
+          <p:cNvPr id="4" name="Date Placeholder 3"/>
           <p:cNvSpPr>
             <a:spLocks noGrp="1"/>
           </p:cNvSpPr>
@@ -461,7 +422,7 @@
           <a:p>
             <a:fld id="{EF0B41A4-A1A8-0441-83A3-17BC3F823C86}" type="datetimeFigureOut">
               <a:rPr kumimoji="1" lang="ko-Kore-KR" altLang="en-US" smtClean="0"/>
-              <a:t>2021. 3. 27.</a:t>
+              <a:t>2021. 4. 18.</a:t>
             </a:fld>
             <a:endParaRPr kumimoji="1" lang="ko-Kore-KR" altLang="en-US"/>
           </a:p>
@@ -469,13 +430,7 @@
       </p:sp>
       <p:sp>
         <p:nvSpPr>
-          <p:cNvPr id="5" name="바닥글 개체 틀 4">
-            <a:extLst>
-              <a:ext uri="{FF2B5EF4-FFF2-40B4-BE49-F238E27FC236}">
-                <a16:creationId xmlns:a16="http://schemas.microsoft.com/office/drawing/2014/main" id="{62F8DA36-ABF5-BA4E-8E7E-B2EFBA48E6BB}"/>
-              </a:ext>
-            </a:extLst>
-          </p:cNvPr>
+          <p:cNvPr id="5" name="Footer Placeholder 4"/>
           <p:cNvSpPr>
             <a:spLocks noGrp="1"/>
           </p:cNvSpPr>
@@ -494,13 +449,7 @@
       </p:sp>
       <p:sp>
         <p:nvSpPr>
-          <p:cNvPr id="6" name="슬라이드 번호 개체 틀 5">
-            <a:extLst>
-              <a:ext uri="{FF2B5EF4-FFF2-40B4-BE49-F238E27FC236}">
-                <a16:creationId xmlns:a16="http://schemas.microsoft.com/office/drawing/2014/main" id="{FF48D3A2-CDBE-8643-A31F-4E92EED868BE}"/>
-              </a:ext>
-            </a:extLst>
-          </p:cNvPr>
+          <p:cNvPr id="6" name="Slide Number Placeholder 5"/>
           <p:cNvSpPr>
             <a:spLocks noGrp="1"/>
           </p:cNvSpPr>
@@ -524,7 +473,7 @@
     </p:spTree>
     <p:extLst>
       <p:ext uri="{BB962C8B-B14F-4D97-AF65-F5344CB8AC3E}">
-        <p14:creationId xmlns:p14="http://schemas.microsoft.com/office/powerpoint/2010/main" val="1577058911"/>
+        <p14:creationId xmlns:p14="http://schemas.microsoft.com/office/powerpoint/2010/main" val="3531217274"/>
       </p:ext>
     </p:extLst>
   </p:cSld>
@@ -553,13 +502,7 @@
       </p:grpSpPr>
       <p:sp>
         <p:nvSpPr>
-          <p:cNvPr id="2" name="세로 제목 1">
-            <a:extLst>
-              <a:ext uri="{FF2B5EF4-FFF2-40B4-BE49-F238E27FC236}">
-                <a16:creationId xmlns:a16="http://schemas.microsoft.com/office/drawing/2014/main" id="{BE1A802E-7AD2-EC41-A4F6-60B6B5BF946B}"/>
-              </a:ext>
-            </a:extLst>
-          </p:cNvPr>
+          <p:cNvPr id="2" name="Vertical Title 1"/>
           <p:cNvSpPr>
             <a:spLocks noGrp="1"/>
           </p:cNvSpPr>
@@ -569,8 +512,8 @@
         </p:nvSpPr>
         <p:spPr>
           <a:xfrm>
-            <a:off x="8724900" y="365125"/>
-            <a:ext cx="2628900" cy="5811838"/>
+            <a:off x="11850188" y="766678"/>
+            <a:ext cx="3570580" cy="12203515"/>
           </a:xfrm>
         </p:spPr>
         <p:txBody>
@@ -578,22 +521,16 @@
           <a:lstStyle/>
           <a:p>
             <a:r>
-              <a:rPr kumimoji="1" lang="ko-KR" altLang="en-US"/>
+              <a:rPr lang="ko-KR" altLang="en-US"/>
               <a:t>마스터 제목 스타일 편집</a:t>
             </a:r>
-            <a:endParaRPr kumimoji="1" lang="ko-Kore-KR" altLang="en-US"/>
-          </a:p>
-        </p:txBody>
-      </p:sp>
-      <p:sp>
-        <p:nvSpPr>
-          <p:cNvPr id="3" name="세로 텍스트 개체 틀 2">
-            <a:extLst>
-              <a:ext uri="{FF2B5EF4-FFF2-40B4-BE49-F238E27FC236}">
-                <a16:creationId xmlns:a16="http://schemas.microsoft.com/office/drawing/2014/main" id="{F48908DE-98E0-F043-AC94-A49F0D681F25}"/>
-              </a:ext>
-            </a:extLst>
-          </p:cNvPr>
+            <a:endParaRPr lang="en-US" dirty="0"/>
+          </a:p>
+        </p:txBody>
+      </p:sp>
+      <p:sp>
+        <p:nvSpPr>
+          <p:cNvPr id="3" name="Vertical Text Placeholder 2"/>
           <p:cNvSpPr>
             <a:spLocks noGrp="1"/>
           </p:cNvSpPr>
@@ -603,8 +540,8 @@
         </p:nvSpPr>
         <p:spPr>
           <a:xfrm>
-            <a:off x="838200" y="365125"/>
-            <a:ext cx="7734300" cy="5811838"/>
+            <a:off x="1138447" y="766678"/>
+            <a:ext cx="10504751" cy="12203515"/>
           </a:xfrm>
         </p:spPr>
         <p:txBody>
@@ -613,50 +550,44 @@
           <a:p>
             <a:pPr lvl="0"/>
             <a:r>
-              <a:rPr kumimoji="1" lang="ko-KR" altLang="en-US"/>
+              <a:rPr lang="ko-KR" altLang="en-US"/>
               <a:t>마스터 텍스트 스타일을 편집하려면 클릭</a:t>
             </a:r>
           </a:p>
           <a:p>
             <a:pPr lvl="1"/>
             <a:r>
-              <a:rPr kumimoji="1" lang="ko-KR" altLang="en-US"/>
+              <a:rPr lang="ko-KR" altLang="en-US"/>
               <a:t>두 번째 수준</a:t>
             </a:r>
           </a:p>
           <a:p>
             <a:pPr lvl="2"/>
             <a:r>
-              <a:rPr kumimoji="1" lang="ko-KR" altLang="en-US"/>
+              <a:rPr lang="ko-KR" altLang="en-US"/>
               <a:t>세 번째 수준</a:t>
             </a:r>
           </a:p>
           <a:p>
             <a:pPr lvl="3"/>
             <a:r>
-              <a:rPr kumimoji="1" lang="ko-KR" altLang="en-US"/>
+              <a:rPr lang="ko-KR" altLang="en-US"/>
               <a:t>네 번째 수준</a:t>
             </a:r>
           </a:p>
           <a:p>
             <a:pPr lvl="4"/>
             <a:r>
-              <a:rPr kumimoji="1" lang="ko-KR" altLang="en-US"/>
+              <a:rPr lang="ko-KR" altLang="en-US"/>
               <a:t>다섯 번째 수준</a:t>
             </a:r>
-            <a:endParaRPr kumimoji="1" lang="ko-Kore-KR" altLang="en-US"/>
-          </a:p>
-        </p:txBody>
-      </p:sp>
-      <p:sp>
-        <p:nvSpPr>
-          <p:cNvPr id="4" name="날짜 개체 틀 3">
-            <a:extLst>
-              <a:ext uri="{FF2B5EF4-FFF2-40B4-BE49-F238E27FC236}">
-                <a16:creationId xmlns:a16="http://schemas.microsoft.com/office/drawing/2014/main" id="{A8E60EC1-EED5-7A40-ABCC-CBC718A4DAD5}"/>
-              </a:ext>
-            </a:extLst>
-          </p:cNvPr>
+            <a:endParaRPr lang="en-US" dirty="0"/>
+          </a:p>
+        </p:txBody>
+      </p:sp>
+      <p:sp>
+        <p:nvSpPr>
+          <p:cNvPr id="4" name="Date Placeholder 3"/>
           <p:cNvSpPr>
             <a:spLocks noGrp="1"/>
           </p:cNvSpPr>
@@ -671,7 +602,7 @@
           <a:p>
             <a:fld id="{EF0B41A4-A1A8-0441-83A3-17BC3F823C86}" type="datetimeFigureOut">
               <a:rPr kumimoji="1" lang="ko-Kore-KR" altLang="en-US" smtClean="0"/>
-              <a:t>2021. 3. 27.</a:t>
+              <a:t>2021. 4. 18.</a:t>
             </a:fld>
             <a:endParaRPr kumimoji="1" lang="ko-Kore-KR" altLang="en-US"/>
           </a:p>
@@ -679,13 +610,7 @@
       </p:sp>
       <p:sp>
         <p:nvSpPr>
-          <p:cNvPr id="5" name="바닥글 개체 틀 4">
-            <a:extLst>
-              <a:ext uri="{FF2B5EF4-FFF2-40B4-BE49-F238E27FC236}">
-                <a16:creationId xmlns:a16="http://schemas.microsoft.com/office/drawing/2014/main" id="{80B589E7-D193-A64A-B8B0-A191BB1D2632}"/>
-              </a:ext>
-            </a:extLst>
-          </p:cNvPr>
+          <p:cNvPr id="5" name="Footer Placeholder 4"/>
           <p:cNvSpPr>
             <a:spLocks noGrp="1"/>
           </p:cNvSpPr>
@@ -704,13 +629,7 @@
       </p:sp>
       <p:sp>
         <p:nvSpPr>
-          <p:cNvPr id="6" name="슬라이드 번호 개체 틀 5">
-            <a:extLst>
-              <a:ext uri="{FF2B5EF4-FFF2-40B4-BE49-F238E27FC236}">
-                <a16:creationId xmlns:a16="http://schemas.microsoft.com/office/drawing/2014/main" id="{8BCE7035-2E4C-DD4D-ACEE-E49828852984}"/>
-              </a:ext>
-            </a:extLst>
-          </p:cNvPr>
+          <p:cNvPr id="6" name="Slide Number Placeholder 5"/>
           <p:cNvSpPr>
             <a:spLocks noGrp="1"/>
           </p:cNvSpPr>
@@ -734,7 +653,7 @@
     </p:spTree>
     <p:extLst>
       <p:ext uri="{BB962C8B-B14F-4D97-AF65-F5344CB8AC3E}">
-        <p14:creationId xmlns:p14="http://schemas.microsoft.com/office/powerpoint/2010/main" val="2742915508"/>
+        <p14:creationId xmlns:p14="http://schemas.microsoft.com/office/powerpoint/2010/main" val="884991115"/>
       </p:ext>
     </p:extLst>
   </p:cSld>
@@ -763,13 +682,7 @@
       </p:grpSpPr>
       <p:sp>
         <p:nvSpPr>
-          <p:cNvPr id="2" name="제목 1">
-            <a:extLst>
-              <a:ext uri="{FF2B5EF4-FFF2-40B4-BE49-F238E27FC236}">
-                <a16:creationId xmlns:a16="http://schemas.microsoft.com/office/drawing/2014/main" id="{8E10609D-B7AF-0745-A6CF-B141E4570BD8}"/>
-              </a:ext>
-            </a:extLst>
-          </p:cNvPr>
+          <p:cNvPr id="2" name="Title 1"/>
           <p:cNvSpPr>
             <a:spLocks noGrp="1"/>
           </p:cNvSpPr>
@@ -783,22 +696,16 @@
           <a:lstStyle/>
           <a:p>
             <a:r>
-              <a:rPr kumimoji="1" lang="ko-KR" altLang="en-US"/>
+              <a:rPr lang="ko-KR" altLang="en-US"/>
               <a:t>마스터 제목 스타일 편집</a:t>
             </a:r>
-            <a:endParaRPr kumimoji="1" lang="ko-Kore-KR" altLang="en-US"/>
-          </a:p>
-        </p:txBody>
-      </p:sp>
-      <p:sp>
-        <p:nvSpPr>
-          <p:cNvPr id="3" name="내용 개체 틀 2">
-            <a:extLst>
-              <a:ext uri="{FF2B5EF4-FFF2-40B4-BE49-F238E27FC236}">
-                <a16:creationId xmlns:a16="http://schemas.microsoft.com/office/drawing/2014/main" id="{B51A7084-D223-1244-96B2-9104B90B17B0}"/>
-              </a:ext>
-            </a:extLst>
-          </p:cNvPr>
+            <a:endParaRPr lang="en-US" dirty="0"/>
+          </a:p>
+        </p:txBody>
+      </p:sp>
+      <p:sp>
+        <p:nvSpPr>
+          <p:cNvPr id="3" name="Content Placeholder 2"/>
           <p:cNvSpPr>
             <a:spLocks noGrp="1"/>
           </p:cNvSpPr>
@@ -813,50 +720,44 @@
           <a:p>
             <a:pPr lvl="0"/>
             <a:r>
-              <a:rPr kumimoji="1" lang="ko-KR" altLang="en-US"/>
+              <a:rPr lang="ko-KR" altLang="en-US"/>
               <a:t>마스터 텍스트 스타일을 편집하려면 클릭</a:t>
             </a:r>
           </a:p>
           <a:p>
             <a:pPr lvl="1"/>
             <a:r>
-              <a:rPr kumimoji="1" lang="ko-KR" altLang="en-US"/>
+              <a:rPr lang="ko-KR" altLang="en-US"/>
               <a:t>두 번째 수준</a:t>
             </a:r>
           </a:p>
           <a:p>
             <a:pPr lvl="2"/>
             <a:r>
-              <a:rPr kumimoji="1" lang="ko-KR" altLang="en-US"/>
+              <a:rPr lang="ko-KR" altLang="en-US"/>
               <a:t>세 번째 수준</a:t>
             </a:r>
           </a:p>
           <a:p>
             <a:pPr lvl="3"/>
             <a:r>
-              <a:rPr kumimoji="1" lang="ko-KR" altLang="en-US"/>
+              <a:rPr lang="ko-KR" altLang="en-US"/>
               <a:t>네 번째 수준</a:t>
             </a:r>
           </a:p>
           <a:p>
             <a:pPr lvl="4"/>
             <a:r>
-              <a:rPr kumimoji="1" lang="ko-KR" altLang="en-US"/>
+              <a:rPr lang="ko-KR" altLang="en-US"/>
               <a:t>다섯 번째 수준</a:t>
             </a:r>
-            <a:endParaRPr kumimoji="1" lang="ko-Kore-KR" altLang="en-US"/>
-          </a:p>
-        </p:txBody>
-      </p:sp>
-      <p:sp>
-        <p:nvSpPr>
-          <p:cNvPr id="4" name="날짜 개체 틀 3">
-            <a:extLst>
-              <a:ext uri="{FF2B5EF4-FFF2-40B4-BE49-F238E27FC236}">
-                <a16:creationId xmlns:a16="http://schemas.microsoft.com/office/drawing/2014/main" id="{E3F1D565-6408-E242-8997-B279F83B3C06}"/>
-              </a:ext>
-            </a:extLst>
-          </p:cNvPr>
+            <a:endParaRPr lang="en-US" dirty="0"/>
+          </a:p>
+        </p:txBody>
+      </p:sp>
+      <p:sp>
+        <p:nvSpPr>
+          <p:cNvPr id="4" name="Date Placeholder 3"/>
           <p:cNvSpPr>
             <a:spLocks noGrp="1"/>
           </p:cNvSpPr>
@@ -871,7 +772,7 @@
           <a:p>
             <a:fld id="{EF0B41A4-A1A8-0441-83A3-17BC3F823C86}" type="datetimeFigureOut">
               <a:rPr kumimoji="1" lang="ko-Kore-KR" altLang="en-US" smtClean="0"/>
-              <a:t>2021. 3. 27.</a:t>
+              <a:t>2021. 4. 18.</a:t>
             </a:fld>
             <a:endParaRPr kumimoji="1" lang="ko-Kore-KR" altLang="en-US"/>
           </a:p>
@@ -879,13 +780,7 @@
       </p:sp>
       <p:sp>
         <p:nvSpPr>
-          <p:cNvPr id="5" name="바닥글 개체 틀 4">
-            <a:extLst>
-              <a:ext uri="{FF2B5EF4-FFF2-40B4-BE49-F238E27FC236}">
-                <a16:creationId xmlns:a16="http://schemas.microsoft.com/office/drawing/2014/main" id="{4B2F264C-807B-634D-8AA4-2043AF580B1B}"/>
-              </a:ext>
-            </a:extLst>
-          </p:cNvPr>
+          <p:cNvPr id="5" name="Footer Placeholder 4"/>
           <p:cNvSpPr>
             <a:spLocks noGrp="1"/>
           </p:cNvSpPr>
@@ -904,13 +799,7 @@
       </p:sp>
       <p:sp>
         <p:nvSpPr>
-          <p:cNvPr id="6" name="슬라이드 번호 개체 틀 5">
-            <a:extLst>
-              <a:ext uri="{FF2B5EF4-FFF2-40B4-BE49-F238E27FC236}">
-                <a16:creationId xmlns:a16="http://schemas.microsoft.com/office/drawing/2014/main" id="{0B418D92-3D4B-B84E-A032-44D81B8A2E86}"/>
-              </a:ext>
-            </a:extLst>
-          </p:cNvPr>
+          <p:cNvPr id="6" name="Slide Number Placeholder 5"/>
           <p:cNvSpPr>
             <a:spLocks noGrp="1"/>
           </p:cNvSpPr>
@@ -934,7 +823,7 @@
     </p:spTree>
     <p:extLst>
       <p:ext uri="{BB962C8B-B14F-4D97-AF65-F5344CB8AC3E}">
-        <p14:creationId xmlns:p14="http://schemas.microsoft.com/office/powerpoint/2010/main" val="4171083997"/>
+        <p14:creationId xmlns:p14="http://schemas.microsoft.com/office/powerpoint/2010/main" val="601920421"/>
       </p:ext>
     </p:extLst>
   </p:cSld>
@@ -963,13 +852,7 @@
       </p:grpSpPr>
       <p:sp>
         <p:nvSpPr>
-          <p:cNvPr id="2" name="제목 1">
-            <a:extLst>
-              <a:ext uri="{FF2B5EF4-FFF2-40B4-BE49-F238E27FC236}">
-                <a16:creationId xmlns:a16="http://schemas.microsoft.com/office/drawing/2014/main" id="{6B37550F-D824-E54D-A615-FFFF744CD0F5}"/>
-              </a:ext>
-            </a:extLst>
-          </p:cNvPr>
+          <p:cNvPr id="2" name="Title 1"/>
           <p:cNvSpPr>
             <a:spLocks noGrp="1"/>
           </p:cNvSpPr>
@@ -979,35 +862,29 @@
         </p:nvSpPr>
         <p:spPr>
           <a:xfrm>
-            <a:off x="831850" y="1709738"/>
-            <a:ext cx="10515600" cy="2852737"/>
+            <a:off x="1129822" y="3590057"/>
+            <a:ext cx="14282321" cy="5990088"/>
           </a:xfrm>
         </p:spPr>
         <p:txBody>
           <a:bodyPr anchor="b"/>
           <a:lstStyle>
             <a:lvl1pPr>
-              <a:defRPr sz="6000"/>
+              <a:defRPr sz="10865"/>
             </a:lvl1pPr>
           </a:lstStyle>
           <a:p>
             <a:r>
-              <a:rPr kumimoji="1" lang="ko-KR" altLang="en-US"/>
+              <a:rPr lang="ko-KR" altLang="en-US"/>
               <a:t>마스터 제목 스타일 편집</a:t>
             </a:r>
-            <a:endParaRPr kumimoji="1" lang="ko-Kore-KR" altLang="en-US"/>
-          </a:p>
-        </p:txBody>
-      </p:sp>
-      <p:sp>
-        <p:nvSpPr>
-          <p:cNvPr id="3" name="텍스트 개체 틀 2">
-            <a:extLst>
-              <a:ext uri="{FF2B5EF4-FFF2-40B4-BE49-F238E27FC236}">
-                <a16:creationId xmlns:a16="http://schemas.microsoft.com/office/drawing/2014/main" id="{B4CF4D1E-670D-2E48-8F82-95BB6B974655}"/>
-              </a:ext>
-            </a:extLst>
-          </p:cNvPr>
+            <a:endParaRPr lang="en-US" dirty="0"/>
+          </a:p>
+        </p:txBody>
+      </p:sp>
+      <p:sp>
+        <p:nvSpPr>
+          <p:cNvPr id="3" name="Text Placeholder 2"/>
           <p:cNvSpPr>
             <a:spLocks noGrp="1"/>
           </p:cNvSpPr>
@@ -1017,8 +894,8 @@
         </p:nvSpPr>
         <p:spPr>
           <a:xfrm>
-            <a:off x="831850" y="4589463"/>
-            <a:ext cx="10515600" cy="1500187"/>
+            <a:off x="1129822" y="9636813"/>
+            <a:ext cx="14282321" cy="3150046"/>
           </a:xfrm>
         </p:spPr>
         <p:txBody>
@@ -1026,17 +903,15 @@
           <a:lstStyle>
             <a:lvl1pPr marL="0" indent="0">
               <a:buNone/>
-              <a:defRPr sz="2400">
+              <a:defRPr sz="4346">
                 <a:solidFill>
-                  <a:schemeClr val="tx1">
-                    <a:tint val="75000"/>
-                  </a:schemeClr>
+                  <a:schemeClr val="tx1"/>
                 </a:solidFill>
               </a:defRPr>
             </a:lvl1pPr>
-            <a:lvl2pPr marL="457200" indent="0">
-              <a:buNone/>
-              <a:defRPr sz="2000">
+            <a:lvl2pPr marL="827943" indent="0">
+              <a:buNone/>
+              <a:defRPr sz="3622">
                 <a:solidFill>
                   <a:schemeClr val="tx1">
                     <a:tint val="75000"/>
@@ -1044,9 +919,9 @@
                 </a:solidFill>
               </a:defRPr>
             </a:lvl2pPr>
-            <a:lvl3pPr marL="914400" indent="0">
-              <a:buNone/>
-              <a:defRPr sz="1800">
+            <a:lvl3pPr marL="1655887" indent="0">
+              <a:buNone/>
+              <a:defRPr sz="3260">
                 <a:solidFill>
                   <a:schemeClr val="tx1">
                     <a:tint val="75000"/>
@@ -1054,9 +929,9 @@
                 </a:solidFill>
               </a:defRPr>
             </a:lvl3pPr>
-            <a:lvl4pPr marL="1371600" indent="0">
-              <a:buNone/>
-              <a:defRPr sz="1600">
+            <a:lvl4pPr marL="2483830" indent="0">
+              <a:buNone/>
+              <a:defRPr sz="2897">
                 <a:solidFill>
                   <a:schemeClr val="tx1">
                     <a:tint val="75000"/>
@@ -1064,9 +939,9 @@
                 </a:solidFill>
               </a:defRPr>
             </a:lvl4pPr>
-            <a:lvl5pPr marL="1828800" indent="0">
-              <a:buNone/>
-              <a:defRPr sz="1600">
+            <a:lvl5pPr marL="3311774" indent="0">
+              <a:buNone/>
+              <a:defRPr sz="2897">
                 <a:solidFill>
                   <a:schemeClr val="tx1">
                     <a:tint val="75000"/>
@@ -1074,9 +949,9 @@
                 </a:solidFill>
               </a:defRPr>
             </a:lvl5pPr>
-            <a:lvl6pPr marL="2286000" indent="0">
-              <a:buNone/>
-              <a:defRPr sz="1600">
+            <a:lvl6pPr marL="4139717" indent="0">
+              <a:buNone/>
+              <a:defRPr sz="2897">
                 <a:solidFill>
                   <a:schemeClr val="tx1">
                     <a:tint val="75000"/>
@@ -1084,9 +959,9 @@
                 </a:solidFill>
               </a:defRPr>
             </a:lvl6pPr>
-            <a:lvl7pPr marL="2743200" indent="0">
-              <a:buNone/>
-              <a:defRPr sz="1600">
+            <a:lvl7pPr marL="4967661" indent="0">
+              <a:buNone/>
+              <a:defRPr sz="2897">
                 <a:solidFill>
                   <a:schemeClr val="tx1">
                     <a:tint val="75000"/>
@@ -1094,9 +969,9 @@
                 </a:solidFill>
               </a:defRPr>
             </a:lvl7pPr>
-            <a:lvl8pPr marL="3200400" indent="0">
-              <a:buNone/>
-              <a:defRPr sz="1600">
+            <a:lvl8pPr marL="5795604" indent="0">
+              <a:buNone/>
+              <a:defRPr sz="2897">
                 <a:solidFill>
                   <a:schemeClr val="tx1">
                     <a:tint val="75000"/>
@@ -1104,9 +979,9 @@
                 </a:solidFill>
               </a:defRPr>
             </a:lvl8pPr>
-            <a:lvl9pPr marL="3657600" indent="0">
-              <a:buNone/>
-              <a:defRPr sz="1600">
+            <a:lvl9pPr marL="6623548" indent="0">
+              <a:buNone/>
+              <a:defRPr sz="2897">
                 <a:solidFill>
                   <a:schemeClr val="tx1">
                     <a:tint val="75000"/>
@@ -1118,7 +993,7 @@
           <a:p>
             <a:pPr lvl="0"/>
             <a:r>
-              <a:rPr kumimoji="1" lang="ko-KR" altLang="en-US"/>
+              <a:rPr lang="ko-KR" altLang="en-US"/>
               <a:t>마스터 텍스트 스타일을 편집하려면 클릭</a:t>
             </a:r>
           </a:p>
@@ -1126,13 +1001,7 @@
       </p:sp>
       <p:sp>
         <p:nvSpPr>
-          <p:cNvPr id="4" name="날짜 개체 틀 3">
-            <a:extLst>
-              <a:ext uri="{FF2B5EF4-FFF2-40B4-BE49-F238E27FC236}">
-                <a16:creationId xmlns:a16="http://schemas.microsoft.com/office/drawing/2014/main" id="{A790132F-9821-DF4B-B70C-4987F4977D32}"/>
-              </a:ext>
-            </a:extLst>
-          </p:cNvPr>
+          <p:cNvPr id="4" name="Date Placeholder 3"/>
           <p:cNvSpPr>
             <a:spLocks noGrp="1"/>
           </p:cNvSpPr>
@@ -1147,7 +1016,7 @@
           <a:p>
             <a:fld id="{EF0B41A4-A1A8-0441-83A3-17BC3F823C86}" type="datetimeFigureOut">
               <a:rPr kumimoji="1" lang="ko-Kore-KR" altLang="en-US" smtClean="0"/>
-              <a:t>2021. 3. 27.</a:t>
+              <a:t>2021. 4. 18.</a:t>
             </a:fld>
             <a:endParaRPr kumimoji="1" lang="ko-Kore-KR" altLang="en-US"/>
           </a:p>
@@ -1155,13 +1024,7 @@
       </p:sp>
       <p:sp>
         <p:nvSpPr>
-          <p:cNvPr id="5" name="바닥글 개체 틀 4">
-            <a:extLst>
-              <a:ext uri="{FF2B5EF4-FFF2-40B4-BE49-F238E27FC236}">
-                <a16:creationId xmlns:a16="http://schemas.microsoft.com/office/drawing/2014/main" id="{A56BE80C-CA4D-B144-8323-3270A3EAEC76}"/>
-              </a:ext>
-            </a:extLst>
-          </p:cNvPr>
+          <p:cNvPr id="5" name="Footer Placeholder 4"/>
           <p:cNvSpPr>
             <a:spLocks noGrp="1"/>
           </p:cNvSpPr>
@@ -1180,13 +1043,7 @@
       </p:sp>
       <p:sp>
         <p:nvSpPr>
-          <p:cNvPr id="6" name="슬라이드 번호 개체 틀 5">
-            <a:extLst>
-              <a:ext uri="{FF2B5EF4-FFF2-40B4-BE49-F238E27FC236}">
-                <a16:creationId xmlns:a16="http://schemas.microsoft.com/office/drawing/2014/main" id="{A8CA3595-8924-754B-BFA4-B116F44671A3}"/>
-              </a:ext>
-            </a:extLst>
-          </p:cNvPr>
+          <p:cNvPr id="6" name="Slide Number Placeholder 5"/>
           <p:cNvSpPr>
             <a:spLocks noGrp="1"/>
           </p:cNvSpPr>
@@ -1210,7 +1067,7 @@
     </p:spTree>
     <p:extLst>
       <p:ext uri="{BB962C8B-B14F-4D97-AF65-F5344CB8AC3E}">
-        <p14:creationId xmlns:p14="http://schemas.microsoft.com/office/powerpoint/2010/main" val="1615112532"/>
+        <p14:creationId xmlns:p14="http://schemas.microsoft.com/office/powerpoint/2010/main" val="3927209820"/>
       </p:ext>
     </p:extLst>
   </p:cSld>
@@ -1239,13 +1096,7 @@
       </p:grpSpPr>
       <p:sp>
         <p:nvSpPr>
-          <p:cNvPr id="2" name="제목 1">
-            <a:extLst>
-              <a:ext uri="{FF2B5EF4-FFF2-40B4-BE49-F238E27FC236}">
-                <a16:creationId xmlns:a16="http://schemas.microsoft.com/office/drawing/2014/main" id="{1133FEE6-D64F-C94D-8312-60C7847FB3A2}"/>
-              </a:ext>
-            </a:extLst>
-          </p:cNvPr>
+          <p:cNvPr id="2" name="Title 1"/>
           <p:cNvSpPr>
             <a:spLocks noGrp="1"/>
           </p:cNvSpPr>
@@ -1259,22 +1110,16 @@
           <a:lstStyle/>
           <a:p>
             <a:r>
-              <a:rPr kumimoji="1" lang="ko-KR" altLang="en-US"/>
+              <a:rPr lang="ko-KR" altLang="en-US"/>
               <a:t>마스터 제목 스타일 편집</a:t>
             </a:r>
-            <a:endParaRPr kumimoji="1" lang="ko-Kore-KR" altLang="en-US"/>
-          </a:p>
-        </p:txBody>
-      </p:sp>
-      <p:sp>
-        <p:nvSpPr>
-          <p:cNvPr id="3" name="내용 개체 틀 2">
-            <a:extLst>
-              <a:ext uri="{FF2B5EF4-FFF2-40B4-BE49-F238E27FC236}">
-                <a16:creationId xmlns:a16="http://schemas.microsoft.com/office/drawing/2014/main" id="{E6665C94-2122-024A-90E2-05E3DEF2AB89}"/>
-              </a:ext>
-            </a:extLst>
-          </p:cNvPr>
+            <a:endParaRPr lang="en-US" dirty="0"/>
+          </a:p>
+        </p:txBody>
+      </p:sp>
+      <p:sp>
+        <p:nvSpPr>
+          <p:cNvPr id="3" name="Content Placeholder 2"/>
           <p:cNvSpPr>
             <a:spLocks noGrp="1"/>
           </p:cNvSpPr>
@@ -1284,8 +1129,8 @@
         </p:nvSpPr>
         <p:spPr>
           <a:xfrm>
-            <a:off x="838200" y="1825625"/>
-            <a:ext cx="5181600" cy="4351338"/>
+            <a:off x="1138446" y="3833390"/>
+            <a:ext cx="7037666" cy="9136803"/>
           </a:xfrm>
         </p:spPr>
         <p:txBody>
@@ -1294,50 +1139,44 @@
           <a:p>
             <a:pPr lvl="0"/>
             <a:r>
-              <a:rPr kumimoji="1" lang="ko-KR" altLang="en-US"/>
+              <a:rPr lang="ko-KR" altLang="en-US"/>
               <a:t>마스터 텍스트 스타일을 편집하려면 클릭</a:t>
             </a:r>
           </a:p>
           <a:p>
             <a:pPr lvl="1"/>
             <a:r>
-              <a:rPr kumimoji="1" lang="ko-KR" altLang="en-US"/>
+              <a:rPr lang="ko-KR" altLang="en-US"/>
               <a:t>두 번째 수준</a:t>
             </a:r>
           </a:p>
           <a:p>
             <a:pPr lvl="2"/>
             <a:r>
-              <a:rPr kumimoji="1" lang="ko-KR" altLang="en-US"/>
+              <a:rPr lang="ko-KR" altLang="en-US"/>
               <a:t>세 번째 수준</a:t>
             </a:r>
           </a:p>
           <a:p>
             <a:pPr lvl="3"/>
             <a:r>
-              <a:rPr kumimoji="1" lang="ko-KR" altLang="en-US"/>
+              <a:rPr lang="ko-KR" altLang="en-US"/>
               <a:t>네 번째 수준</a:t>
             </a:r>
           </a:p>
           <a:p>
             <a:pPr lvl="4"/>
             <a:r>
-              <a:rPr kumimoji="1" lang="ko-KR" altLang="en-US"/>
+              <a:rPr lang="ko-KR" altLang="en-US"/>
               <a:t>다섯 번째 수준</a:t>
             </a:r>
-            <a:endParaRPr kumimoji="1" lang="ko-Kore-KR" altLang="en-US"/>
-          </a:p>
-        </p:txBody>
-      </p:sp>
-      <p:sp>
-        <p:nvSpPr>
-          <p:cNvPr id="4" name="내용 개체 틀 3">
-            <a:extLst>
-              <a:ext uri="{FF2B5EF4-FFF2-40B4-BE49-F238E27FC236}">
-                <a16:creationId xmlns:a16="http://schemas.microsoft.com/office/drawing/2014/main" id="{3271F8B3-7F9D-A945-B952-4536E57F2F06}"/>
-              </a:ext>
-            </a:extLst>
-          </p:cNvPr>
+            <a:endParaRPr lang="en-US" dirty="0"/>
+          </a:p>
+        </p:txBody>
+      </p:sp>
+      <p:sp>
+        <p:nvSpPr>
+          <p:cNvPr id="4" name="Content Placeholder 3"/>
           <p:cNvSpPr>
             <a:spLocks noGrp="1"/>
           </p:cNvSpPr>
@@ -1347,8 +1186,8 @@
         </p:nvSpPr>
         <p:spPr>
           <a:xfrm>
-            <a:off x="6172200" y="1825625"/>
-            <a:ext cx="5181600" cy="4351338"/>
+            <a:off x="8383101" y="3833390"/>
+            <a:ext cx="7037666" cy="9136803"/>
           </a:xfrm>
         </p:spPr>
         <p:txBody>
@@ -1357,50 +1196,44 @@
           <a:p>
             <a:pPr lvl="0"/>
             <a:r>
-              <a:rPr kumimoji="1" lang="ko-KR" altLang="en-US"/>
+              <a:rPr lang="ko-KR" altLang="en-US"/>
               <a:t>마스터 텍스트 스타일을 편집하려면 클릭</a:t>
             </a:r>
           </a:p>
           <a:p>
             <a:pPr lvl="1"/>
             <a:r>
-              <a:rPr kumimoji="1" lang="ko-KR" altLang="en-US"/>
+              <a:rPr lang="ko-KR" altLang="en-US"/>
               <a:t>두 번째 수준</a:t>
             </a:r>
           </a:p>
           <a:p>
             <a:pPr lvl="2"/>
             <a:r>
-              <a:rPr kumimoji="1" lang="ko-KR" altLang="en-US"/>
+              <a:rPr lang="ko-KR" altLang="en-US"/>
               <a:t>세 번째 수준</a:t>
             </a:r>
           </a:p>
           <a:p>
             <a:pPr lvl="3"/>
             <a:r>
-              <a:rPr kumimoji="1" lang="ko-KR" altLang="en-US"/>
+              <a:rPr lang="ko-KR" altLang="en-US"/>
               <a:t>네 번째 수준</a:t>
             </a:r>
           </a:p>
           <a:p>
             <a:pPr lvl="4"/>
             <a:r>
-              <a:rPr kumimoji="1" lang="ko-KR" altLang="en-US"/>
+              <a:rPr lang="ko-KR" altLang="en-US"/>
               <a:t>다섯 번째 수준</a:t>
             </a:r>
-            <a:endParaRPr kumimoji="1" lang="ko-Kore-KR" altLang="en-US"/>
-          </a:p>
-        </p:txBody>
-      </p:sp>
-      <p:sp>
-        <p:nvSpPr>
-          <p:cNvPr id="5" name="날짜 개체 틀 4">
-            <a:extLst>
-              <a:ext uri="{FF2B5EF4-FFF2-40B4-BE49-F238E27FC236}">
-                <a16:creationId xmlns:a16="http://schemas.microsoft.com/office/drawing/2014/main" id="{0F350B6A-C192-1F40-A69D-F22E810FCD16}"/>
-              </a:ext>
-            </a:extLst>
-          </p:cNvPr>
+            <a:endParaRPr lang="en-US" dirty="0"/>
+          </a:p>
+        </p:txBody>
+      </p:sp>
+      <p:sp>
+        <p:nvSpPr>
+          <p:cNvPr id="5" name="Date Placeholder 4"/>
           <p:cNvSpPr>
             <a:spLocks noGrp="1"/>
           </p:cNvSpPr>
@@ -1415,7 +1248,7 @@
           <a:p>
             <a:fld id="{EF0B41A4-A1A8-0441-83A3-17BC3F823C86}" type="datetimeFigureOut">
               <a:rPr kumimoji="1" lang="ko-Kore-KR" altLang="en-US" smtClean="0"/>
-              <a:t>2021. 3. 27.</a:t>
+              <a:t>2021. 4. 18.</a:t>
             </a:fld>
             <a:endParaRPr kumimoji="1" lang="ko-Kore-KR" altLang="en-US"/>
           </a:p>
@@ -1423,13 +1256,7 @@
       </p:sp>
       <p:sp>
         <p:nvSpPr>
-          <p:cNvPr id="6" name="바닥글 개체 틀 5">
-            <a:extLst>
-              <a:ext uri="{FF2B5EF4-FFF2-40B4-BE49-F238E27FC236}">
-                <a16:creationId xmlns:a16="http://schemas.microsoft.com/office/drawing/2014/main" id="{C704276A-8D6E-D040-A69D-A0192F44E25C}"/>
-              </a:ext>
-            </a:extLst>
-          </p:cNvPr>
+          <p:cNvPr id="6" name="Footer Placeholder 5"/>
           <p:cNvSpPr>
             <a:spLocks noGrp="1"/>
           </p:cNvSpPr>
@@ -1448,13 +1275,7 @@
       </p:sp>
       <p:sp>
         <p:nvSpPr>
-          <p:cNvPr id="7" name="슬라이드 번호 개체 틀 6">
-            <a:extLst>
-              <a:ext uri="{FF2B5EF4-FFF2-40B4-BE49-F238E27FC236}">
-                <a16:creationId xmlns:a16="http://schemas.microsoft.com/office/drawing/2014/main" id="{FEB5EB10-D8FB-A84F-B6B6-41B66B7D301C}"/>
-              </a:ext>
-            </a:extLst>
-          </p:cNvPr>
+          <p:cNvPr id="7" name="Slide Number Placeholder 6"/>
           <p:cNvSpPr>
             <a:spLocks noGrp="1"/>
           </p:cNvSpPr>
@@ -1478,7 +1299,7 @@
     </p:spTree>
     <p:extLst>
       <p:ext uri="{BB962C8B-B14F-4D97-AF65-F5344CB8AC3E}">
-        <p14:creationId xmlns:p14="http://schemas.microsoft.com/office/powerpoint/2010/main" val="2690982139"/>
+        <p14:creationId xmlns:p14="http://schemas.microsoft.com/office/powerpoint/2010/main" val="3386780901"/>
       </p:ext>
     </p:extLst>
   </p:cSld>
@@ -1507,13 +1328,7 @@
       </p:grpSpPr>
       <p:sp>
         <p:nvSpPr>
-          <p:cNvPr id="2" name="제목 1">
-            <a:extLst>
-              <a:ext uri="{FF2B5EF4-FFF2-40B4-BE49-F238E27FC236}">
-                <a16:creationId xmlns:a16="http://schemas.microsoft.com/office/drawing/2014/main" id="{E0FDCAF4-9D39-F84E-B606-4511D1BB6812}"/>
-              </a:ext>
-            </a:extLst>
-          </p:cNvPr>
+          <p:cNvPr id="2" name="Title 1"/>
           <p:cNvSpPr>
             <a:spLocks noGrp="1"/>
           </p:cNvSpPr>
@@ -1523,8 +1338,8 @@
         </p:nvSpPr>
         <p:spPr>
           <a:xfrm>
-            <a:off x="839788" y="365125"/>
-            <a:ext cx="10515600" cy="1325563"/>
+            <a:off x="1140603" y="766681"/>
+            <a:ext cx="14282321" cy="2783376"/>
           </a:xfrm>
         </p:spPr>
         <p:txBody>
@@ -1532,22 +1347,16 @@
           <a:lstStyle/>
           <a:p>
             <a:r>
-              <a:rPr kumimoji="1" lang="ko-KR" altLang="en-US"/>
+              <a:rPr lang="ko-KR" altLang="en-US"/>
               <a:t>마스터 제목 스타일 편집</a:t>
             </a:r>
-            <a:endParaRPr kumimoji="1" lang="ko-Kore-KR" altLang="en-US"/>
-          </a:p>
-        </p:txBody>
-      </p:sp>
-      <p:sp>
-        <p:nvSpPr>
-          <p:cNvPr id="3" name="텍스트 개체 틀 2">
-            <a:extLst>
-              <a:ext uri="{FF2B5EF4-FFF2-40B4-BE49-F238E27FC236}">
-                <a16:creationId xmlns:a16="http://schemas.microsoft.com/office/drawing/2014/main" id="{79AD5575-3DCB-BC43-B672-8F5455DA2AAB}"/>
-              </a:ext>
-            </a:extLst>
-          </p:cNvPr>
+            <a:endParaRPr lang="en-US" dirty="0"/>
+          </a:p>
+        </p:txBody>
+      </p:sp>
+      <p:sp>
+        <p:nvSpPr>
+          <p:cNvPr id="3" name="Text Placeholder 2"/>
           <p:cNvSpPr>
             <a:spLocks noGrp="1"/>
           </p:cNvSpPr>
@@ -1557,8 +1366,8 @@
         </p:nvSpPr>
         <p:spPr>
           <a:xfrm>
-            <a:off x="839788" y="1681163"/>
-            <a:ext cx="5157787" cy="823912"/>
+            <a:off x="1140605" y="3530053"/>
+            <a:ext cx="7005322" cy="1730025"/>
           </a:xfrm>
         </p:spPr>
         <p:txBody>
@@ -1566,45 +1375,45 @@
           <a:lstStyle>
             <a:lvl1pPr marL="0" indent="0">
               <a:buNone/>
-              <a:defRPr sz="2400" b="1"/>
+              <a:defRPr sz="4346" b="1"/>
             </a:lvl1pPr>
-            <a:lvl2pPr marL="457200" indent="0">
-              <a:buNone/>
-              <a:defRPr sz="2000" b="1"/>
+            <a:lvl2pPr marL="827943" indent="0">
+              <a:buNone/>
+              <a:defRPr sz="3622" b="1"/>
             </a:lvl2pPr>
-            <a:lvl3pPr marL="914400" indent="0">
-              <a:buNone/>
-              <a:defRPr sz="1800" b="1"/>
+            <a:lvl3pPr marL="1655887" indent="0">
+              <a:buNone/>
+              <a:defRPr sz="3260" b="1"/>
             </a:lvl3pPr>
-            <a:lvl4pPr marL="1371600" indent="0">
-              <a:buNone/>
-              <a:defRPr sz="1600" b="1"/>
+            <a:lvl4pPr marL="2483830" indent="0">
+              <a:buNone/>
+              <a:defRPr sz="2897" b="1"/>
             </a:lvl4pPr>
-            <a:lvl5pPr marL="1828800" indent="0">
-              <a:buNone/>
-              <a:defRPr sz="1600" b="1"/>
+            <a:lvl5pPr marL="3311774" indent="0">
+              <a:buNone/>
+              <a:defRPr sz="2897" b="1"/>
             </a:lvl5pPr>
-            <a:lvl6pPr marL="2286000" indent="0">
-              <a:buNone/>
-              <a:defRPr sz="1600" b="1"/>
+            <a:lvl6pPr marL="4139717" indent="0">
+              <a:buNone/>
+              <a:defRPr sz="2897" b="1"/>
             </a:lvl6pPr>
-            <a:lvl7pPr marL="2743200" indent="0">
-              <a:buNone/>
-              <a:defRPr sz="1600" b="1"/>
+            <a:lvl7pPr marL="4967661" indent="0">
+              <a:buNone/>
+              <a:defRPr sz="2897" b="1"/>
             </a:lvl7pPr>
-            <a:lvl8pPr marL="3200400" indent="0">
-              <a:buNone/>
-              <a:defRPr sz="1600" b="1"/>
+            <a:lvl8pPr marL="5795604" indent="0">
+              <a:buNone/>
+              <a:defRPr sz="2897" b="1"/>
             </a:lvl8pPr>
-            <a:lvl9pPr marL="3657600" indent="0">
-              <a:buNone/>
-              <a:defRPr sz="1600" b="1"/>
+            <a:lvl9pPr marL="6623548" indent="0">
+              <a:buNone/>
+              <a:defRPr sz="2897" b="1"/>
             </a:lvl9pPr>
           </a:lstStyle>
           <a:p>
             <a:pPr lvl="0"/>
             <a:r>
-              <a:rPr kumimoji="1" lang="ko-KR" altLang="en-US"/>
+              <a:rPr lang="ko-KR" altLang="en-US"/>
               <a:t>마스터 텍스트 스타일을 편집하려면 클릭</a:t>
             </a:r>
           </a:p>
@@ -1612,13 +1421,7 @@
       </p:sp>
       <p:sp>
         <p:nvSpPr>
-          <p:cNvPr id="4" name="내용 개체 틀 3">
-            <a:extLst>
-              <a:ext uri="{FF2B5EF4-FFF2-40B4-BE49-F238E27FC236}">
-                <a16:creationId xmlns:a16="http://schemas.microsoft.com/office/drawing/2014/main" id="{9D4DDCCA-3F8F-7543-A81E-C34763F242D1}"/>
-              </a:ext>
-            </a:extLst>
-          </p:cNvPr>
+          <p:cNvPr id="4" name="Content Placeholder 3"/>
           <p:cNvSpPr>
             <a:spLocks noGrp="1"/>
           </p:cNvSpPr>
@@ -1628,8 +1431,8 @@
         </p:nvSpPr>
         <p:spPr>
           <a:xfrm>
-            <a:off x="839788" y="2505075"/>
-            <a:ext cx="5157787" cy="3684588"/>
+            <a:off x="1140605" y="5260078"/>
+            <a:ext cx="7005322" cy="7736782"/>
           </a:xfrm>
         </p:spPr>
         <p:txBody>
@@ -1638,50 +1441,44 @@
           <a:p>
             <a:pPr lvl="0"/>
             <a:r>
-              <a:rPr kumimoji="1" lang="ko-KR" altLang="en-US"/>
+              <a:rPr lang="ko-KR" altLang="en-US"/>
               <a:t>마스터 텍스트 스타일을 편집하려면 클릭</a:t>
             </a:r>
           </a:p>
           <a:p>
             <a:pPr lvl="1"/>
             <a:r>
-              <a:rPr kumimoji="1" lang="ko-KR" altLang="en-US"/>
+              <a:rPr lang="ko-KR" altLang="en-US"/>
               <a:t>두 번째 수준</a:t>
             </a:r>
           </a:p>
           <a:p>
             <a:pPr lvl="2"/>
             <a:r>
-              <a:rPr kumimoji="1" lang="ko-KR" altLang="en-US"/>
+              <a:rPr lang="ko-KR" altLang="en-US"/>
               <a:t>세 번째 수준</a:t>
             </a:r>
           </a:p>
           <a:p>
             <a:pPr lvl="3"/>
             <a:r>
-              <a:rPr kumimoji="1" lang="ko-KR" altLang="en-US"/>
+              <a:rPr lang="ko-KR" altLang="en-US"/>
               <a:t>네 번째 수준</a:t>
             </a:r>
           </a:p>
           <a:p>
             <a:pPr lvl="4"/>
             <a:r>
-              <a:rPr kumimoji="1" lang="ko-KR" altLang="en-US"/>
+              <a:rPr lang="ko-KR" altLang="en-US"/>
               <a:t>다섯 번째 수준</a:t>
             </a:r>
-            <a:endParaRPr kumimoji="1" lang="ko-Kore-KR" altLang="en-US"/>
-          </a:p>
-        </p:txBody>
-      </p:sp>
-      <p:sp>
-        <p:nvSpPr>
-          <p:cNvPr id="5" name="텍스트 개체 틀 4">
-            <a:extLst>
-              <a:ext uri="{FF2B5EF4-FFF2-40B4-BE49-F238E27FC236}">
-                <a16:creationId xmlns:a16="http://schemas.microsoft.com/office/drawing/2014/main" id="{7D97A9CE-D268-F34F-8456-B305E16A0ECB}"/>
-              </a:ext>
-            </a:extLst>
-          </p:cNvPr>
+            <a:endParaRPr lang="en-US" dirty="0"/>
+          </a:p>
+        </p:txBody>
+      </p:sp>
+      <p:sp>
+        <p:nvSpPr>
+          <p:cNvPr id="5" name="Text Placeholder 4"/>
           <p:cNvSpPr>
             <a:spLocks noGrp="1"/>
           </p:cNvSpPr>
@@ -1691,8 +1488,8 @@
         </p:nvSpPr>
         <p:spPr>
           <a:xfrm>
-            <a:off x="6172200" y="1681163"/>
-            <a:ext cx="5183188" cy="823912"/>
+            <a:off x="8383103" y="3530053"/>
+            <a:ext cx="7039822" cy="1730025"/>
           </a:xfrm>
         </p:spPr>
         <p:txBody>
@@ -1700,45 +1497,45 @@
           <a:lstStyle>
             <a:lvl1pPr marL="0" indent="0">
               <a:buNone/>
-              <a:defRPr sz="2400" b="1"/>
+              <a:defRPr sz="4346" b="1"/>
             </a:lvl1pPr>
-            <a:lvl2pPr marL="457200" indent="0">
-              <a:buNone/>
-              <a:defRPr sz="2000" b="1"/>
+            <a:lvl2pPr marL="827943" indent="0">
+              <a:buNone/>
+              <a:defRPr sz="3622" b="1"/>
             </a:lvl2pPr>
-            <a:lvl3pPr marL="914400" indent="0">
-              <a:buNone/>
-              <a:defRPr sz="1800" b="1"/>
+            <a:lvl3pPr marL="1655887" indent="0">
+              <a:buNone/>
+              <a:defRPr sz="3260" b="1"/>
             </a:lvl3pPr>
-            <a:lvl4pPr marL="1371600" indent="0">
-              <a:buNone/>
-              <a:defRPr sz="1600" b="1"/>
+            <a:lvl4pPr marL="2483830" indent="0">
+              <a:buNone/>
+              <a:defRPr sz="2897" b="1"/>
             </a:lvl4pPr>
-            <a:lvl5pPr marL="1828800" indent="0">
-              <a:buNone/>
-              <a:defRPr sz="1600" b="1"/>
+            <a:lvl5pPr marL="3311774" indent="0">
+              <a:buNone/>
+              <a:defRPr sz="2897" b="1"/>
             </a:lvl5pPr>
-            <a:lvl6pPr marL="2286000" indent="0">
-              <a:buNone/>
-              <a:defRPr sz="1600" b="1"/>
+            <a:lvl6pPr marL="4139717" indent="0">
+              <a:buNone/>
+              <a:defRPr sz="2897" b="1"/>
             </a:lvl6pPr>
-            <a:lvl7pPr marL="2743200" indent="0">
-              <a:buNone/>
-              <a:defRPr sz="1600" b="1"/>
+            <a:lvl7pPr marL="4967661" indent="0">
+              <a:buNone/>
+              <a:defRPr sz="2897" b="1"/>
             </a:lvl7pPr>
-            <a:lvl8pPr marL="3200400" indent="0">
-              <a:buNone/>
-              <a:defRPr sz="1600" b="1"/>
+            <a:lvl8pPr marL="5795604" indent="0">
+              <a:buNone/>
+              <a:defRPr sz="2897" b="1"/>
             </a:lvl8pPr>
-            <a:lvl9pPr marL="3657600" indent="0">
-              <a:buNone/>
-              <a:defRPr sz="1600" b="1"/>
+            <a:lvl9pPr marL="6623548" indent="0">
+              <a:buNone/>
+              <a:defRPr sz="2897" b="1"/>
             </a:lvl9pPr>
           </a:lstStyle>
           <a:p>
             <a:pPr lvl="0"/>
             <a:r>
-              <a:rPr kumimoji="1" lang="ko-KR" altLang="en-US"/>
+              <a:rPr lang="ko-KR" altLang="en-US"/>
               <a:t>마스터 텍스트 스타일을 편집하려면 클릭</a:t>
             </a:r>
           </a:p>
@@ -1746,13 +1543,7 @@
       </p:sp>
       <p:sp>
         <p:nvSpPr>
-          <p:cNvPr id="6" name="내용 개체 틀 5">
-            <a:extLst>
-              <a:ext uri="{FF2B5EF4-FFF2-40B4-BE49-F238E27FC236}">
-                <a16:creationId xmlns:a16="http://schemas.microsoft.com/office/drawing/2014/main" id="{0C313F35-77AE-034A-B3C6-6EB98A68DACB}"/>
-              </a:ext>
-            </a:extLst>
-          </p:cNvPr>
+          <p:cNvPr id="6" name="Content Placeholder 5"/>
           <p:cNvSpPr>
             <a:spLocks noGrp="1"/>
           </p:cNvSpPr>
@@ -1762,8 +1553,8 @@
         </p:nvSpPr>
         <p:spPr>
           <a:xfrm>
-            <a:off x="6172200" y="2505075"/>
-            <a:ext cx="5183188" cy="3684588"/>
+            <a:off x="8383103" y="5260078"/>
+            <a:ext cx="7039822" cy="7736782"/>
           </a:xfrm>
         </p:spPr>
         <p:txBody>
@@ -1772,50 +1563,44 @@
           <a:p>
             <a:pPr lvl="0"/>
             <a:r>
-              <a:rPr kumimoji="1" lang="ko-KR" altLang="en-US"/>
+              <a:rPr lang="ko-KR" altLang="en-US"/>
               <a:t>마스터 텍스트 스타일을 편집하려면 클릭</a:t>
             </a:r>
           </a:p>
           <a:p>
             <a:pPr lvl="1"/>
             <a:r>
-              <a:rPr kumimoji="1" lang="ko-KR" altLang="en-US"/>
+              <a:rPr lang="ko-KR" altLang="en-US"/>
               <a:t>두 번째 수준</a:t>
             </a:r>
           </a:p>
           <a:p>
             <a:pPr lvl="2"/>
             <a:r>
-              <a:rPr kumimoji="1" lang="ko-KR" altLang="en-US"/>
+              <a:rPr lang="ko-KR" altLang="en-US"/>
               <a:t>세 번째 수준</a:t>
             </a:r>
           </a:p>
           <a:p>
             <a:pPr lvl="3"/>
             <a:r>
-              <a:rPr kumimoji="1" lang="ko-KR" altLang="en-US"/>
+              <a:rPr lang="ko-KR" altLang="en-US"/>
               <a:t>네 번째 수준</a:t>
             </a:r>
           </a:p>
           <a:p>
             <a:pPr lvl="4"/>
             <a:r>
-              <a:rPr kumimoji="1" lang="ko-KR" altLang="en-US"/>
+              <a:rPr lang="ko-KR" altLang="en-US"/>
               <a:t>다섯 번째 수준</a:t>
             </a:r>
-            <a:endParaRPr kumimoji="1" lang="ko-Kore-KR" altLang="en-US"/>
-          </a:p>
-        </p:txBody>
-      </p:sp>
-      <p:sp>
-        <p:nvSpPr>
-          <p:cNvPr id="7" name="날짜 개체 틀 6">
-            <a:extLst>
-              <a:ext uri="{FF2B5EF4-FFF2-40B4-BE49-F238E27FC236}">
-                <a16:creationId xmlns:a16="http://schemas.microsoft.com/office/drawing/2014/main" id="{4C0061C2-795E-3149-B543-D3A2696BBF18}"/>
-              </a:ext>
-            </a:extLst>
-          </p:cNvPr>
+            <a:endParaRPr lang="en-US" dirty="0"/>
+          </a:p>
+        </p:txBody>
+      </p:sp>
+      <p:sp>
+        <p:nvSpPr>
+          <p:cNvPr id="7" name="Date Placeholder 6"/>
           <p:cNvSpPr>
             <a:spLocks noGrp="1"/>
           </p:cNvSpPr>
@@ -1830,7 +1615,7 @@
           <a:p>
             <a:fld id="{EF0B41A4-A1A8-0441-83A3-17BC3F823C86}" type="datetimeFigureOut">
               <a:rPr kumimoji="1" lang="ko-Kore-KR" altLang="en-US" smtClean="0"/>
-              <a:t>2021. 3. 27.</a:t>
+              <a:t>2021. 4. 18.</a:t>
             </a:fld>
             <a:endParaRPr kumimoji="1" lang="ko-Kore-KR" altLang="en-US"/>
           </a:p>
@@ -1838,13 +1623,7 @@
       </p:sp>
       <p:sp>
         <p:nvSpPr>
-          <p:cNvPr id="8" name="바닥글 개체 틀 7">
-            <a:extLst>
-              <a:ext uri="{FF2B5EF4-FFF2-40B4-BE49-F238E27FC236}">
-                <a16:creationId xmlns:a16="http://schemas.microsoft.com/office/drawing/2014/main" id="{E97D343F-AFB3-A94E-99C1-C1AFCB868DFF}"/>
-              </a:ext>
-            </a:extLst>
-          </p:cNvPr>
+          <p:cNvPr id="8" name="Footer Placeholder 7"/>
           <p:cNvSpPr>
             <a:spLocks noGrp="1"/>
           </p:cNvSpPr>
@@ -1863,13 +1642,7 @@
       </p:sp>
       <p:sp>
         <p:nvSpPr>
-          <p:cNvPr id="9" name="슬라이드 번호 개체 틀 8">
-            <a:extLst>
-              <a:ext uri="{FF2B5EF4-FFF2-40B4-BE49-F238E27FC236}">
-                <a16:creationId xmlns:a16="http://schemas.microsoft.com/office/drawing/2014/main" id="{F72A6603-2E14-FC41-8B57-271F574E5FE9}"/>
-              </a:ext>
-            </a:extLst>
-          </p:cNvPr>
+          <p:cNvPr id="9" name="Slide Number Placeholder 8"/>
           <p:cNvSpPr>
             <a:spLocks noGrp="1"/>
           </p:cNvSpPr>
@@ -1893,7 +1666,7 @@
     </p:spTree>
     <p:extLst>
       <p:ext uri="{BB962C8B-B14F-4D97-AF65-F5344CB8AC3E}">
-        <p14:creationId xmlns:p14="http://schemas.microsoft.com/office/powerpoint/2010/main" val="2569819415"/>
+        <p14:creationId xmlns:p14="http://schemas.microsoft.com/office/powerpoint/2010/main" val="1550894646"/>
       </p:ext>
     </p:extLst>
   </p:cSld>
@@ -1922,13 +1695,7 @@
       </p:grpSpPr>
       <p:sp>
         <p:nvSpPr>
-          <p:cNvPr id="2" name="제목 1">
-            <a:extLst>
-              <a:ext uri="{FF2B5EF4-FFF2-40B4-BE49-F238E27FC236}">
-                <a16:creationId xmlns:a16="http://schemas.microsoft.com/office/drawing/2014/main" id="{761E56F5-E19B-6E41-A81C-3AA722A8A4BB}"/>
-              </a:ext>
-            </a:extLst>
-          </p:cNvPr>
+          <p:cNvPr id="2" name="Title 1"/>
           <p:cNvSpPr>
             <a:spLocks noGrp="1"/>
           </p:cNvSpPr>
@@ -1942,22 +1709,16 @@
           <a:lstStyle/>
           <a:p>
             <a:r>
-              <a:rPr kumimoji="1" lang="ko-KR" altLang="en-US"/>
+              <a:rPr lang="ko-KR" altLang="en-US"/>
               <a:t>마스터 제목 스타일 편집</a:t>
             </a:r>
-            <a:endParaRPr kumimoji="1" lang="ko-Kore-KR" altLang="en-US"/>
-          </a:p>
-        </p:txBody>
-      </p:sp>
-      <p:sp>
-        <p:nvSpPr>
-          <p:cNvPr id="3" name="날짜 개체 틀 2">
-            <a:extLst>
-              <a:ext uri="{FF2B5EF4-FFF2-40B4-BE49-F238E27FC236}">
-                <a16:creationId xmlns:a16="http://schemas.microsoft.com/office/drawing/2014/main" id="{C2E73EB3-2A13-4F40-8CE5-D53D34BD21D3}"/>
-              </a:ext>
-            </a:extLst>
-          </p:cNvPr>
+            <a:endParaRPr lang="en-US" dirty="0"/>
+          </a:p>
+        </p:txBody>
+      </p:sp>
+      <p:sp>
+        <p:nvSpPr>
+          <p:cNvPr id="3" name="Date Placeholder 2"/>
           <p:cNvSpPr>
             <a:spLocks noGrp="1"/>
           </p:cNvSpPr>
@@ -1972,7 +1733,7 @@
           <a:p>
             <a:fld id="{EF0B41A4-A1A8-0441-83A3-17BC3F823C86}" type="datetimeFigureOut">
               <a:rPr kumimoji="1" lang="ko-Kore-KR" altLang="en-US" smtClean="0"/>
-              <a:t>2021. 3. 27.</a:t>
+              <a:t>2021. 4. 18.</a:t>
             </a:fld>
             <a:endParaRPr kumimoji="1" lang="ko-Kore-KR" altLang="en-US"/>
           </a:p>
@@ -1980,13 +1741,7 @@
       </p:sp>
       <p:sp>
         <p:nvSpPr>
-          <p:cNvPr id="4" name="바닥글 개체 틀 3">
-            <a:extLst>
-              <a:ext uri="{FF2B5EF4-FFF2-40B4-BE49-F238E27FC236}">
-                <a16:creationId xmlns:a16="http://schemas.microsoft.com/office/drawing/2014/main" id="{596E0521-860C-554B-922C-4CA87CA143AD}"/>
-              </a:ext>
-            </a:extLst>
-          </p:cNvPr>
+          <p:cNvPr id="4" name="Footer Placeholder 3"/>
           <p:cNvSpPr>
             <a:spLocks noGrp="1"/>
           </p:cNvSpPr>
@@ -2005,13 +1760,7 @@
       </p:sp>
       <p:sp>
         <p:nvSpPr>
-          <p:cNvPr id="5" name="슬라이드 번호 개체 틀 4">
-            <a:extLst>
-              <a:ext uri="{FF2B5EF4-FFF2-40B4-BE49-F238E27FC236}">
-                <a16:creationId xmlns:a16="http://schemas.microsoft.com/office/drawing/2014/main" id="{920F4915-30F5-1242-BCB3-8EBC8F02D622}"/>
-              </a:ext>
-            </a:extLst>
-          </p:cNvPr>
+          <p:cNvPr id="5" name="Slide Number Placeholder 4"/>
           <p:cNvSpPr>
             <a:spLocks noGrp="1"/>
           </p:cNvSpPr>
@@ -2035,7 +1784,7 @@
     </p:spTree>
     <p:extLst>
       <p:ext uri="{BB962C8B-B14F-4D97-AF65-F5344CB8AC3E}">
-        <p14:creationId xmlns:p14="http://schemas.microsoft.com/office/powerpoint/2010/main" val="707799497"/>
+        <p14:creationId xmlns:p14="http://schemas.microsoft.com/office/powerpoint/2010/main" val="1279288683"/>
       </p:ext>
     </p:extLst>
   </p:cSld>
@@ -2064,13 +1813,7 @@
       </p:grpSpPr>
       <p:sp>
         <p:nvSpPr>
-          <p:cNvPr id="2" name="날짜 개체 틀 1">
-            <a:extLst>
-              <a:ext uri="{FF2B5EF4-FFF2-40B4-BE49-F238E27FC236}">
-                <a16:creationId xmlns:a16="http://schemas.microsoft.com/office/drawing/2014/main" id="{40646465-762F-6349-8AD3-1FDC22C1B6EB}"/>
-              </a:ext>
-            </a:extLst>
-          </p:cNvPr>
+          <p:cNvPr id="2" name="Date Placeholder 1"/>
           <p:cNvSpPr>
             <a:spLocks noGrp="1"/>
           </p:cNvSpPr>
@@ -2085,7 +1828,7 @@
           <a:p>
             <a:fld id="{EF0B41A4-A1A8-0441-83A3-17BC3F823C86}" type="datetimeFigureOut">
               <a:rPr kumimoji="1" lang="ko-Kore-KR" altLang="en-US" smtClean="0"/>
-              <a:t>2021. 3. 27.</a:t>
+              <a:t>2021. 4. 18.</a:t>
             </a:fld>
             <a:endParaRPr kumimoji="1" lang="ko-Kore-KR" altLang="en-US"/>
           </a:p>
@@ -2093,13 +1836,7 @@
       </p:sp>
       <p:sp>
         <p:nvSpPr>
-          <p:cNvPr id="3" name="바닥글 개체 틀 2">
-            <a:extLst>
-              <a:ext uri="{FF2B5EF4-FFF2-40B4-BE49-F238E27FC236}">
-                <a16:creationId xmlns:a16="http://schemas.microsoft.com/office/drawing/2014/main" id="{261C732B-04D4-FB43-876D-DA6013E4F3A7}"/>
-              </a:ext>
-            </a:extLst>
-          </p:cNvPr>
+          <p:cNvPr id="3" name="Footer Placeholder 2"/>
           <p:cNvSpPr>
             <a:spLocks noGrp="1"/>
           </p:cNvSpPr>
@@ -2118,13 +1855,7 @@
       </p:sp>
       <p:sp>
         <p:nvSpPr>
-          <p:cNvPr id="4" name="슬라이드 번호 개체 틀 3">
-            <a:extLst>
-              <a:ext uri="{FF2B5EF4-FFF2-40B4-BE49-F238E27FC236}">
-                <a16:creationId xmlns:a16="http://schemas.microsoft.com/office/drawing/2014/main" id="{F2350D6A-7E58-CE4A-B633-537875E7FFC0}"/>
-              </a:ext>
-            </a:extLst>
-          </p:cNvPr>
+          <p:cNvPr id="4" name="Slide Number Placeholder 3"/>
           <p:cNvSpPr>
             <a:spLocks noGrp="1"/>
           </p:cNvSpPr>
@@ -2148,7 +1879,7 @@
     </p:spTree>
     <p:extLst>
       <p:ext uri="{BB962C8B-B14F-4D97-AF65-F5344CB8AC3E}">
-        <p14:creationId xmlns:p14="http://schemas.microsoft.com/office/powerpoint/2010/main" val="3871627619"/>
+        <p14:creationId xmlns:p14="http://schemas.microsoft.com/office/powerpoint/2010/main" val="1112362739"/>
       </p:ext>
     </p:extLst>
   </p:cSld>
@@ -2177,13 +1908,7 @@
       </p:grpSpPr>
       <p:sp>
         <p:nvSpPr>
-          <p:cNvPr id="2" name="제목 1">
-            <a:extLst>
-              <a:ext uri="{FF2B5EF4-FFF2-40B4-BE49-F238E27FC236}">
-                <a16:creationId xmlns:a16="http://schemas.microsoft.com/office/drawing/2014/main" id="{D713D010-B1C9-694F-8A4F-EFBE2C3B7F73}"/>
-              </a:ext>
-            </a:extLst>
-          </p:cNvPr>
+          <p:cNvPr id="2" name="Title 1"/>
           <p:cNvSpPr>
             <a:spLocks noGrp="1"/>
           </p:cNvSpPr>
@@ -2193,35 +1918,29 @@
         </p:nvSpPr>
         <p:spPr>
           <a:xfrm>
-            <a:off x="839788" y="457200"/>
-            <a:ext cx="3932237" cy="1600200"/>
+            <a:off x="1140603" y="960014"/>
+            <a:ext cx="5340777" cy="3360050"/>
           </a:xfrm>
         </p:spPr>
         <p:txBody>
           <a:bodyPr anchor="b"/>
           <a:lstStyle>
             <a:lvl1pPr>
-              <a:defRPr sz="3200"/>
+              <a:defRPr sz="5795"/>
             </a:lvl1pPr>
           </a:lstStyle>
           <a:p>
             <a:r>
-              <a:rPr kumimoji="1" lang="ko-KR" altLang="en-US"/>
+              <a:rPr lang="ko-KR" altLang="en-US"/>
               <a:t>마스터 제목 스타일 편집</a:t>
             </a:r>
-            <a:endParaRPr kumimoji="1" lang="ko-Kore-KR" altLang="en-US"/>
-          </a:p>
-        </p:txBody>
-      </p:sp>
-      <p:sp>
-        <p:nvSpPr>
-          <p:cNvPr id="3" name="내용 개체 틀 2">
-            <a:extLst>
-              <a:ext uri="{FF2B5EF4-FFF2-40B4-BE49-F238E27FC236}">
-                <a16:creationId xmlns:a16="http://schemas.microsoft.com/office/drawing/2014/main" id="{2078A293-B0C3-E141-993D-5CF21574B420}"/>
-              </a:ext>
-            </a:extLst>
-          </p:cNvPr>
+            <a:endParaRPr lang="en-US" dirty="0"/>
+          </a:p>
+        </p:txBody>
+      </p:sp>
+      <p:sp>
+        <p:nvSpPr>
+          <p:cNvPr id="3" name="Content Placeholder 2"/>
           <p:cNvSpPr>
             <a:spLocks noGrp="1"/>
           </p:cNvSpPr>
@@ -2231,88 +1950,82 @@
         </p:nvSpPr>
         <p:spPr>
           <a:xfrm>
-            <a:off x="5183188" y="987425"/>
-            <a:ext cx="6172200" cy="4873625"/>
+            <a:off x="7039822" y="2073367"/>
+            <a:ext cx="8383102" cy="10233485"/>
           </a:xfrm>
         </p:spPr>
         <p:txBody>
           <a:bodyPr/>
           <a:lstStyle>
             <a:lvl1pPr>
-              <a:defRPr sz="3200"/>
+              <a:defRPr sz="5795"/>
             </a:lvl1pPr>
             <a:lvl2pPr>
-              <a:defRPr sz="2800"/>
+              <a:defRPr sz="5071"/>
             </a:lvl2pPr>
             <a:lvl3pPr>
-              <a:defRPr sz="2400"/>
+              <a:defRPr sz="4346"/>
             </a:lvl3pPr>
             <a:lvl4pPr>
-              <a:defRPr sz="2000"/>
+              <a:defRPr sz="3622"/>
             </a:lvl4pPr>
             <a:lvl5pPr>
-              <a:defRPr sz="2000"/>
+              <a:defRPr sz="3622"/>
             </a:lvl5pPr>
             <a:lvl6pPr>
-              <a:defRPr sz="2000"/>
+              <a:defRPr sz="3622"/>
             </a:lvl6pPr>
             <a:lvl7pPr>
-              <a:defRPr sz="2000"/>
+              <a:defRPr sz="3622"/>
             </a:lvl7pPr>
             <a:lvl8pPr>
-              <a:defRPr sz="2000"/>
+              <a:defRPr sz="3622"/>
             </a:lvl8pPr>
             <a:lvl9pPr>
-              <a:defRPr sz="2000"/>
+              <a:defRPr sz="3622"/>
             </a:lvl9pPr>
           </a:lstStyle>
           <a:p>
             <a:pPr lvl="0"/>
             <a:r>
-              <a:rPr kumimoji="1" lang="ko-KR" altLang="en-US"/>
+              <a:rPr lang="ko-KR" altLang="en-US"/>
               <a:t>마스터 텍스트 스타일을 편집하려면 클릭</a:t>
             </a:r>
           </a:p>
           <a:p>
             <a:pPr lvl="1"/>
             <a:r>
-              <a:rPr kumimoji="1" lang="ko-KR" altLang="en-US"/>
+              <a:rPr lang="ko-KR" altLang="en-US"/>
               <a:t>두 번째 수준</a:t>
             </a:r>
           </a:p>
           <a:p>
             <a:pPr lvl="2"/>
             <a:r>
-              <a:rPr kumimoji="1" lang="ko-KR" altLang="en-US"/>
+              <a:rPr lang="ko-KR" altLang="en-US"/>
               <a:t>세 번째 수준</a:t>
             </a:r>
           </a:p>
           <a:p>
             <a:pPr lvl="3"/>
             <a:r>
-              <a:rPr kumimoji="1" lang="ko-KR" altLang="en-US"/>
+              <a:rPr lang="ko-KR" altLang="en-US"/>
               <a:t>네 번째 수준</a:t>
             </a:r>
           </a:p>
           <a:p>
             <a:pPr lvl="4"/>
             <a:r>
-              <a:rPr kumimoji="1" lang="ko-KR" altLang="en-US"/>
+              <a:rPr lang="ko-KR" altLang="en-US"/>
               <a:t>다섯 번째 수준</a:t>
             </a:r>
-            <a:endParaRPr kumimoji="1" lang="ko-Kore-KR" altLang="en-US"/>
-          </a:p>
-        </p:txBody>
-      </p:sp>
-      <p:sp>
-        <p:nvSpPr>
-          <p:cNvPr id="4" name="텍스트 개체 틀 3">
-            <a:extLst>
-              <a:ext uri="{FF2B5EF4-FFF2-40B4-BE49-F238E27FC236}">
-                <a16:creationId xmlns:a16="http://schemas.microsoft.com/office/drawing/2014/main" id="{20625743-BBA4-9443-A8D3-CAAAB8DF368E}"/>
-              </a:ext>
-            </a:extLst>
-          </p:cNvPr>
+            <a:endParaRPr lang="en-US" dirty="0"/>
+          </a:p>
+        </p:txBody>
+      </p:sp>
+      <p:sp>
+        <p:nvSpPr>
+          <p:cNvPr id="4" name="Text Placeholder 3"/>
           <p:cNvSpPr>
             <a:spLocks noGrp="1"/>
           </p:cNvSpPr>
@@ -2322,8 +2035,8 @@
         </p:nvSpPr>
         <p:spPr>
           <a:xfrm>
-            <a:off x="839788" y="2057400"/>
-            <a:ext cx="3932237" cy="3811588"/>
+            <a:off x="1140603" y="4320064"/>
+            <a:ext cx="5340777" cy="8003453"/>
           </a:xfrm>
         </p:spPr>
         <p:txBody>
@@ -2331,45 +2044,45 @@
           <a:lstStyle>
             <a:lvl1pPr marL="0" indent="0">
               <a:buNone/>
-              <a:defRPr sz="1600"/>
+              <a:defRPr sz="2897"/>
             </a:lvl1pPr>
-            <a:lvl2pPr marL="457200" indent="0">
-              <a:buNone/>
-              <a:defRPr sz="1400"/>
+            <a:lvl2pPr marL="827943" indent="0">
+              <a:buNone/>
+              <a:defRPr sz="2535"/>
             </a:lvl2pPr>
-            <a:lvl3pPr marL="914400" indent="0">
-              <a:buNone/>
-              <a:defRPr sz="1200"/>
+            <a:lvl3pPr marL="1655887" indent="0">
+              <a:buNone/>
+              <a:defRPr sz="2173"/>
             </a:lvl3pPr>
-            <a:lvl4pPr marL="1371600" indent="0">
-              <a:buNone/>
-              <a:defRPr sz="1000"/>
+            <a:lvl4pPr marL="2483830" indent="0">
+              <a:buNone/>
+              <a:defRPr sz="1811"/>
             </a:lvl4pPr>
-            <a:lvl5pPr marL="1828800" indent="0">
-              <a:buNone/>
-              <a:defRPr sz="1000"/>
+            <a:lvl5pPr marL="3311774" indent="0">
+              <a:buNone/>
+              <a:defRPr sz="1811"/>
             </a:lvl5pPr>
-            <a:lvl6pPr marL="2286000" indent="0">
-              <a:buNone/>
-              <a:defRPr sz="1000"/>
+            <a:lvl6pPr marL="4139717" indent="0">
+              <a:buNone/>
+              <a:defRPr sz="1811"/>
             </a:lvl6pPr>
-            <a:lvl7pPr marL="2743200" indent="0">
-              <a:buNone/>
-              <a:defRPr sz="1000"/>
+            <a:lvl7pPr marL="4967661" indent="0">
+              <a:buNone/>
+              <a:defRPr sz="1811"/>
             </a:lvl7pPr>
-            <a:lvl8pPr marL="3200400" indent="0">
-              <a:buNone/>
-              <a:defRPr sz="1000"/>
+            <a:lvl8pPr marL="5795604" indent="0">
+              <a:buNone/>
+              <a:defRPr sz="1811"/>
             </a:lvl8pPr>
-            <a:lvl9pPr marL="3657600" indent="0">
-              <a:buNone/>
-              <a:defRPr sz="1000"/>
+            <a:lvl9pPr marL="6623548" indent="0">
+              <a:buNone/>
+              <a:defRPr sz="1811"/>
             </a:lvl9pPr>
           </a:lstStyle>
           <a:p>
             <a:pPr lvl="0"/>
             <a:r>
-              <a:rPr kumimoji="1" lang="ko-KR" altLang="en-US"/>
+              <a:rPr lang="ko-KR" altLang="en-US"/>
               <a:t>마스터 텍스트 스타일을 편집하려면 클릭</a:t>
             </a:r>
           </a:p>
@@ -2377,13 +2090,7 @@
       </p:sp>
       <p:sp>
         <p:nvSpPr>
-          <p:cNvPr id="5" name="날짜 개체 틀 4">
-            <a:extLst>
-              <a:ext uri="{FF2B5EF4-FFF2-40B4-BE49-F238E27FC236}">
-                <a16:creationId xmlns:a16="http://schemas.microsoft.com/office/drawing/2014/main" id="{3E9963BD-1FA3-9B40-A445-7A86EBB11E04}"/>
-              </a:ext>
-            </a:extLst>
-          </p:cNvPr>
+          <p:cNvPr id="5" name="Date Placeholder 4"/>
           <p:cNvSpPr>
             <a:spLocks noGrp="1"/>
           </p:cNvSpPr>
@@ -2398,7 +2105,7 @@
           <a:p>
             <a:fld id="{EF0B41A4-A1A8-0441-83A3-17BC3F823C86}" type="datetimeFigureOut">
               <a:rPr kumimoji="1" lang="ko-Kore-KR" altLang="en-US" smtClean="0"/>
-              <a:t>2021. 3. 27.</a:t>
+              <a:t>2021. 4. 18.</a:t>
             </a:fld>
             <a:endParaRPr kumimoji="1" lang="ko-Kore-KR" altLang="en-US"/>
           </a:p>
@@ -2406,13 +2113,7 @@
       </p:sp>
       <p:sp>
         <p:nvSpPr>
-          <p:cNvPr id="6" name="바닥글 개체 틀 5">
-            <a:extLst>
-              <a:ext uri="{FF2B5EF4-FFF2-40B4-BE49-F238E27FC236}">
-                <a16:creationId xmlns:a16="http://schemas.microsoft.com/office/drawing/2014/main" id="{D4B077E1-6D2E-B448-980C-13E326EC36E8}"/>
-              </a:ext>
-            </a:extLst>
-          </p:cNvPr>
+          <p:cNvPr id="6" name="Footer Placeholder 5"/>
           <p:cNvSpPr>
             <a:spLocks noGrp="1"/>
           </p:cNvSpPr>
@@ -2431,13 +2132,7 @@
       </p:sp>
       <p:sp>
         <p:nvSpPr>
-          <p:cNvPr id="7" name="슬라이드 번호 개체 틀 6">
-            <a:extLst>
-              <a:ext uri="{FF2B5EF4-FFF2-40B4-BE49-F238E27FC236}">
-                <a16:creationId xmlns:a16="http://schemas.microsoft.com/office/drawing/2014/main" id="{FF7D8063-3932-FC41-8234-B4BAC0CF91A8}"/>
-              </a:ext>
-            </a:extLst>
-          </p:cNvPr>
+          <p:cNvPr id="7" name="Slide Number Placeholder 6"/>
           <p:cNvSpPr>
             <a:spLocks noGrp="1"/>
           </p:cNvSpPr>
@@ -2461,7 +2156,7 @@
     </p:spTree>
     <p:extLst>
       <p:ext uri="{BB962C8B-B14F-4D97-AF65-F5344CB8AC3E}">
-        <p14:creationId xmlns:p14="http://schemas.microsoft.com/office/powerpoint/2010/main" val="1615172332"/>
+        <p14:creationId xmlns:p14="http://schemas.microsoft.com/office/powerpoint/2010/main" val="53901827"/>
       </p:ext>
     </p:extLst>
   </p:cSld>
@@ -2490,13 +2185,7 @@
       </p:grpSpPr>
       <p:sp>
         <p:nvSpPr>
-          <p:cNvPr id="2" name="제목 1">
-            <a:extLst>
-              <a:ext uri="{FF2B5EF4-FFF2-40B4-BE49-F238E27FC236}">
-                <a16:creationId xmlns:a16="http://schemas.microsoft.com/office/drawing/2014/main" id="{C3200991-8788-9F45-A15D-4B1FCC454731}"/>
-              </a:ext>
-            </a:extLst>
-          </p:cNvPr>
+          <p:cNvPr id="2" name="Title 1"/>
           <p:cNvSpPr>
             <a:spLocks noGrp="1"/>
           </p:cNvSpPr>
@@ -2506,37 +2195,31 @@
         </p:nvSpPr>
         <p:spPr>
           <a:xfrm>
-            <a:off x="839788" y="457200"/>
-            <a:ext cx="3932237" cy="1600200"/>
+            <a:off x="1140603" y="960014"/>
+            <a:ext cx="5340777" cy="3360050"/>
           </a:xfrm>
         </p:spPr>
         <p:txBody>
           <a:bodyPr anchor="b"/>
           <a:lstStyle>
             <a:lvl1pPr>
-              <a:defRPr sz="3200"/>
+              <a:defRPr sz="5795"/>
             </a:lvl1pPr>
           </a:lstStyle>
           <a:p>
             <a:r>
-              <a:rPr kumimoji="1" lang="ko-KR" altLang="en-US"/>
+              <a:rPr lang="ko-KR" altLang="en-US"/>
               <a:t>마스터 제목 스타일 편집</a:t>
             </a:r>
-            <a:endParaRPr kumimoji="1" lang="ko-Kore-KR" altLang="en-US"/>
-          </a:p>
-        </p:txBody>
-      </p:sp>
-      <p:sp>
-        <p:nvSpPr>
-          <p:cNvPr id="3" name="그림 개체 틀 2">
-            <a:extLst>
-              <a:ext uri="{FF2B5EF4-FFF2-40B4-BE49-F238E27FC236}">
-                <a16:creationId xmlns:a16="http://schemas.microsoft.com/office/drawing/2014/main" id="{4D7C3735-BE03-D749-B566-4DBAEEB58142}"/>
-              </a:ext>
-            </a:extLst>
-          </p:cNvPr>
-          <p:cNvSpPr>
-            <a:spLocks noGrp="1"/>
+            <a:endParaRPr lang="en-US" dirty="0"/>
+          </a:p>
+        </p:txBody>
+      </p:sp>
+      <p:sp>
+        <p:nvSpPr>
+          <p:cNvPr id="3" name="Picture Placeholder 2"/>
+          <p:cNvSpPr>
+            <a:spLocks noGrp="1" noChangeAspect="1"/>
           </p:cNvSpPr>
           <p:nvPr>
             <p:ph type="pic" idx="1"/>
@@ -2544,8 +2227,73 @@
         </p:nvSpPr>
         <p:spPr>
           <a:xfrm>
-            <a:off x="5183188" y="987425"/>
-            <a:ext cx="6172200" cy="4873625"/>
+            <a:off x="7039822" y="2073367"/>
+            <a:ext cx="8383102" cy="10233485"/>
+          </a:xfrm>
+        </p:spPr>
+        <p:txBody>
+          <a:bodyPr anchor="t"/>
+          <a:lstStyle>
+            <a:lvl1pPr marL="0" indent="0">
+              <a:buNone/>
+              <a:defRPr sz="5795"/>
+            </a:lvl1pPr>
+            <a:lvl2pPr marL="827943" indent="0">
+              <a:buNone/>
+              <a:defRPr sz="5071"/>
+            </a:lvl2pPr>
+            <a:lvl3pPr marL="1655887" indent="0">
+              <a:buNone/>
+              <a:defRPr sz="4346"/>
+            </a:lvl3pPr>
+            <a:lvl4pPr marL="2483830" indent="0">
+              <a:buNone/>
+              <a:defRPr sz="3622"/>
+            </a:lvl4pPr>
+            <a:lvl5pPr marL="3311774" indent="0">
+              <a:buNone/>
+              <a:defRPr sz="3622"/>
+            </a:lvl5pPr>
+            <a:lvl6pPr marL="4139717" indent="0">
+              <a:buNone/>
+              <a:defRPr sz="3622"/>
+            </a:lvl6pPr>
+            <a:lvl7pPr marL="4967661" indent="0">
+              <a:buNone/>
+              <a:defRPr sz="3622"/>
+            </a:lvl7pPr>
+            <a:lvl8pPr marL="5795604" indent="0">
+              <a:buNone/>
+              <a:defRPr sz="3622"/>
+            </a:lvl8pPr>
+            <a:lvl9pPr marL="6623548" indent="0">
+              <a:buNone/>
+              <a:defRPr sz="3622"/>
+            </a:lvl9pPr>
+          </a:lstStyle>
+          <a:p>
+            <a:r>
+              <a:rPr lang="ko-KR" altLang="en-US"/>
+              <a:t>그림을 추가하려면 아이콘을 클릭하십시오</a:t>
+            </a:r>
+            <a:endParaRPr lang="en-US" dirty="0"/>
+          </a:p>
+        </p:txBody>
+      </p:sp>
+      <p:sp>
+        <p:nvSpPr>
+          <p:cNvPr id="4" name="Text Placeholder 3"/>
+          <p:cNvSpPr>
+            <a:spLocks noGrp="1"/>
+          </p:cNvSpPr>
+          <p:nvPr>
+            <p:ph type="body" sz="half" idx="2"/>
+          </p:nvPr>
+        </p:nvSpPr>
+        <p:spPr>
+          <a:xfrm>
+            <a:off x="1140603" y="4320064"/>
+            <a:ext cx="5340777" cy="8003453"/>
           </a:xfrm>
         </p:spPr>
         <p:txBody>
@@ -2553,112 +2301,45 @@
           <a:lstStyle>
             <a:lvl1pPr marL="0" indent="0">
               <a:buNone/>
-              <a:defRPr sz="3200"/>
+              <a:defRPr sz="2897"/>
             </a:lvl1pPr>
-            <a:lvl2pPr marL="457200" indent="0">
-              <a:buNone/>
-              <a:defRPr sz="2800"/>
+            <a:lvl2pPr marL="827943" indent="0">
+              <a:buNone/>
+              <a:defRPr sz="2535"/>
             </a:lvl2pPr>
-            <a:lvl3pPr marL="914400" indent="0">
-              <a:buNone/>
-              <a:defRPr sz="2400"/>
+            <a:lvl3pPr marL="1655887" indent="0">
+              <a:buNone/>
+              <a:defRPr sz="2173"/>
             </a:lvl3pPr>
-            <a:lvl4pPr marL="1371600" indent="0">
-              <a:buNone/>
-              <a:defRPr sz="2000"/>
+            <a:lvl4pPr marL="2483830" indent="0">
+              <a:buNone/>
+              <a:defRPr sz="1811"/>
             </a:lvl4pPr>
-            <a:lvl5pPr marL="1828800" indent="0">
-              <a:buNone/>
-              <a:defRPr sz="2000"/>
+            <a:lvl5pPr marL="3311774" indent="0">
+              <a:buNone/>
+              <a:defRPr sz="1811"/>
             </a:lvl5pPr>
-            <a:lvl6pPr marL="2286000" indent="0">
-              <a:buNone/>
-              <a:defRPr sz="2000"/>
+            <a:lvl6pPr marL="4139717" indent="0">
+              <a:buNone/>
+              <a:defRPr sz="1811"/>
             </a:lvl6pPr>
-            <a:lvl7pPr marL="2743200" indent="0">
-              <a:buNone/>
-              <a:defRPr sz="2000"/>
+            <a:lvl7pPr marL="4967661" indent="0">
+              <a:buNone/>
+              <a:defRPr sz="1811"/>
             </a:lvl7pPr>
-            <a:lvl8pPr marL="3200400" indent="0">
-              <a:buNone/>
-              <a:defRPr sz="2000"/>
+            <a:lvl8pPr marL="5795604" indent="0">
+              <a:buNone/>
+              <a:defRPr sz="1811"/>
             </a:lvl8pPr>
-            <a:lvl9pPr marL="3657600" indent="0">
-              <a:buNone/>
-              <a:defRPr sz="2000"/>
+            <a:lvl9pPr marL="6623548" indent="0">
+              <a:buNone/>
+              <a:defRPr sz="1811"/>
             </a:lvl9pPr>
           </a:lstStyle>
           <a:p>
-            <a:endParaRPr kumimoji="1" lang="ko-Kore-KR" altLang="en-US"/>
-          </a:p>
-        </p:txBody>
-      </p:sp>
-      <p:sp>
-        <p:nvSpPr>
-          <p:cNvPr id="4" name="텍스트 개체 틀 3">
-            <a:extLst>
-              <a:ext uri="{FF2B5EF4-FFF2-40B4-BE49-F238E27FC236}">
-                <a16:creationId xmlns:a16="http://schemas.microsoft.com/office/drawing/2014/main" id="{5A41C6C3-332F-A94E-9E91-D2CE328701CB}"/>
-              </a:ext>
-            </a:extLst>
-          </p:cNvPr>
-          <p:cNvSpPr>
-            <a:spLocks noGrp="1"/>
-          </p:cNvSpPr>
-          <p:nvPr>
-            <p:ph type="body" sz="half" idx="2"/>
-          </p:nvPr>
-        </p:nvSpPr>
-        <p:spPr>
-          <a:xfrm>
-            <a:off x="839788" y="2057400"/>
-            <a:ext cx="3932237" cy="3811588"/>
-          </a:xfrm>
-        </p:spPr>
-        <p:txBody>
-          <a:bodyPr/>
-          <a:lstStyle>
-            <a:lvl1pPr marL="0" indent="0">
-              <a:buNone/>
-              <a:defRPr sz="1600"/>
-            </a:lvl1pPr>
-            <a:lvl2pPr marL="457200" indent="0">
-              <a:buNone/>
-              <a:defRPr sz="1400"/>
-            </a:lvl2pPr>
-            <a:lvl3pPr marL="914400" indent="0">
-              <a:buNone/>
-              <a:defRPr sz="1200"/>
-            </a:lvl3pPr>
-            <a:lvl4pPr marL="1371600" indent="0">
-              <a:buNone/>
-              <a:defRPr sz="1000"/>
-            </a:lvl4pPr>
-            <a:lvl5pPr marL="1828800" indent="0">
-              <a:buNone/>
-              <a:defRPr sz="1000"/>
-            </a:lvl5pPr>
-            <a:lvl6pPr marL="2286000" indent="0">
-              <a:buNone/>
-              <a:defRPr sz="1000"/>
-            </a:lvl6pPr>
-            <a:lvl7pPr marL="2743200" indent="0">
-              <a:buNone/>
-              <a:defRPr sz="1000"/>
-            </a:lvl7pPr>
-            <a:lvl8pPr marL="3200400" indent="0">
-              <a:buNone/>
-              <a:defRPr sz="1000"/>
-            </a:lvl8pPr>
-            <a:lvl9pPr marL="3657600" indent="0">
-              <a:buNone/>
-              <a:defRPr sz="1000"/>
-            </a:lvl9pPr>
-          </a:lstStyle>
-          <a:p>
             <a:pPr lvl="0"/>
             <a:r>
-              <a:rPr kumimoji="1" lang="ko-KR" altLang="en-US"/>
+              <a:rPr lang="ko-KR" altLang="en-US"/>
               <a:t>마스터 텍스트 스타일을 편집하려면 클릭</a:t>
             </a:r>
           </a:p>
@@ -2666,13 +2347,7 @@
       </p:sp>
       <p:sp>
         <p:nvSpPr>
-          <p:cNvPr id="5" name="날짜 개체 틀 4">
-            <a:extLst>
-              <a:ext uri="{FF2B5EF4-FFF2-40B4-BE49-F238E27FC236}">
-                <a16:creationId xmlns:a16="http://schemas.microsoft.com/office/drawing/2014/main" id="{8D3BBC7A-06A8-5443-87B2-F490B8B0A1CB}"/>
-              </a:ext>
-            </a:extLst>
-          </p:cNvPr>
+          <p:cNvPr id="5" name="Date Placeholder 4"/>
           <p:cNvSpPr>
             <a:spLocks noGrp="1"/>
           </p:cNvSpPr>
@@ -2687,7 +2362,7 @@
           <a:p>
             <a:fld id="{EF0B41A4-A1A8-0441-83A3-17BC3F823C86}" type="datetimeFigureOut">
               <a:rPr kumimoji="1" lang="ko-Kore-KR" altLang="en-US" smtClean="0"/>
-              <a:t>2021. 3. 27.</a:t>
+              <a:t>2021. 4. 18.</a:t>
             </a:fld>
             <a:endParaRPr kumimoji="1" lang="ko-Kore-KR" altLang="en-US"/>
           </a:p>
@@ -2695,13 +2370,7 @@
       </p:sp>
       <p:sp>
         <p:nvSpPr>
-          <p:cNvPr id="6" name="바닥글 개체 틀 5">
-            <a:extLst>
-              <a:ext uri="{FF2B5EF4-FFF2-40B4-BE49-F238E27FC236}">
-                <a16:creationId xmlns:a16="http://schemas.microsoft.com/office/drawing/2014/main" id="{AA3F5447-A191-3049-A0C8-2D50CFF087D6}"/>
-              </a:ext>
-            </a:extLst>
-          </p:cNvPr>
+          <p:cNvPr id="6" name="Footer Placeholder 5"/>
           <p:cNvSpPr>
             <a:spLocks noGrp="1"/>
           </p:cNvSpPr>
@@ -2720,13 +2389,7 @@
       </p:sp>
       <p:sp>
         <p:nvSpPr>
-          <p:cNvPr id="7" name="슬라이드 번호 개체 틀 6">
-            <a:extLst>
-              <a:ext uri="{FF2B5EF4-FFF2-40B4-BE49-F238E27FC236}">
-                <a16:creationId xmlns:a16="http://schemas.microsoft.com/office/drawing/2014/main" id="{22170565-4492-2A44-A342-79E61306C9DC}"/>
-              </a:ext>
-            </a:extLst>
-          </p:cNvPr>
+          <p:cNvPr id="7" name="Slide Number Placeholder 6"/>
           <p:cNvSpPr>
             <a:spLocks noGrp="1"/>
           </p:cNvSpPr>
@@ -2750,7 +2413,7 @@
     </p:spTree>
     <p:extLst>
       <p:ext uri="{BB962C8B-B14F-4D97-AF65-F5344CB8AC3E}">
-        <p14:creationId xmlns:p14="http://schemas.microsoft.com/office/powerpoint/2010/main" val="2437773079"/>
+        <p14:creationId xmlns:p14="http://schemas.microsoft.com/office/powerpoint/2010/main" val="1949943754"/>
       </p:ext>
     </p:extLst>
   </p:cSld>
@@ -2784,13 +2447,7 @@
       </p:grpSpPr>
       <p:sp>
         <p:nvSpPr>
-          <p:cNvPr id="2" name="제목 개체 틀 1">
-            <a:extLst>
-              <a:ext uri="{FF2B5EF4-FFF2-40B4-BE49-F238E27FC236}">
-                <a16:creationId xmlns:a16="http://schemas.microsoft.com/office/drawing/2014/main" id="{ED71EB98-4A38-3D40-9C2C-D977BE00BFE3}"/>
-              </a:ext>
-            </a:extLst>
-          </p:cNvPr>
+          <p:cNvPr id="2" name="Title Placeholder 1"/>
           <p:cNvSpPr>
             <a:spLocks noGrp="1"/>
           </p:cNvSpPr>
@@ -2800,8 +2457,8 @@
         </p:nvSpPr>
         <p:spPr>
           <a:xfrm>
-            <a:off x="838200" y="365125"/>
-            <a:ext cx="10515600" cy="1325563"/>
+            <a:off x="1138446" y="766681"/>
+            <a:ext cx="14282321" cy="2783376"/>
           </a:xfrm>
           <a:prstGeom prst="rect">
             <a:avLst/>
@@ -2814,22 +2471,16 @@
           <a:lstStyle/>
           <a:p>
             <a:r>
-              <a:rPr kumimoji="1" lang="ko-KR" altLang="en-US"/>
+              <a:rPr lang="ko-KR" altLang="en-US"/>
               <a:t>마스터 제목 스타일 편집</a:t>
             </a:r>
-            <a:endParaRPr kumimoji="1" lang="ko-Kore-KR" altLang="en-US"/>
-          </a:p>
-        </p:txBody>
-      </p:sp>
-      <p:sp>
-        <p:nvSpPr>
-          <p:cNvPr id="3" name="텍스트 개체 틀 2">
-            <a:extLst>
-              <a:ext uri="{FF2B5EF4-FFF2-40B4-BE49-F238E27FC236}">
-                <a16:creationId xmlns:a16="http://schemas.microsoft.com/office/drawing/2014/main" id="{9E153F83-A666-CD44-891F-9206D78BDB05}"/>
-              </a:ext>
-            </a:extLst>
-          </p:cNvPr>
+            <a:endParaRPr lang="en-US" dirty="0"/>
+          </a:p>
+        </p:txBody>
+      </p:sp>
+      <p:sp>
+        <p:nvSpPr>
+          <p:cNvPr id="3" name="Text Placeholder 2"/>
           <p:cNvSpPr>
             <a:spLocks noGrp="1"/>
           </p:cNvSpPr>
@@ -2839,8 +2490,8 @@
         </p:nvSpPr>
         <p:spPr>
           <a:xfrm>
-            <a:off x="838200" y="1825625"/>
-            <a:ext cx="10515600" cy="4351338"/>
+            <a:off x="1138446" y="3833390"/>
+            <a:ext cx="14282321" cy="9136803"/>
           </a:xfrm>
           <a:prstGeom prst="rect">
             <a:avLst/>
@@ -2854,50 +2505,44 @@
           <a:p>
             <a:pPr lvl="0"/>
             <a:r>
-              <a:rPr kumimoji="1" lang="ko-KR" altLang="en-US"/>
+              <a:rPr lang="ko-KR" altLang="en-US"/>
               <a:t>마스터 텍스트 스타일을 편집하려면 클릭</a:t>
             </a:r>
           </a:p>
           <a:p>
             <a:pPr lvl="1"/>
             <a:r>
-              <a:rPr kumimoji="1" lang="ko-KR" altLang="en-US"/>
+              <a:rPr lang="ko-KR" altLang="en-US"/>
               <a:t>두 번째 수준</a:t>
             </a:r>
           </a:p>
           <a:p>
             <a:pPr lvl="2"/>
             <a:r>
-              <a:rPr kumimoji="1" lang="ko-KR" altLang="en-US"/>
+              <a:rPr lang="ko-KR" altLang="en-US"/>
               <a:t>세 번째 수준</a:t>
             </a:r>
           </a:p>
           <a:p>
             <a:pPr lvl="3"/>
             <a:r>
-              <a:rPr kumimoji="1" lang="ko-KR" altLang="en-US"/>
+              <a:rPr lang="ko-KR" altLang="en-US"/>
               <a:t>네 번째 수준</a:t>
             </a:r>
           </a:p>
           <a:p>
             <a:pPr lvl="4"/>
             <a:r>
-              <a:rPr kumimoji="1" lang="ko-KR" altLang="en-US"/>
+              <a:rPr lang="ko-KR" altLang="en-US"/>
               <a:t>다섯 번째 수준</a:t>
             </a:r>
-            <a:endParaRPr kumimoji="1" lang="ko-Kore-KR" altLang="en-US"/>
-          </a:p>
-        </p:txBody>
-      </p:sp>
-      <p:sp>
-        <p:nvSpPr>
-          <p:cNvPr id="4" name="날짜 개체 틀 3">
-            <a:extLst>
-              <a:ext uri="{FF2B5EF4-FFF2-40B4-BE49-F238E27FC236}">
-                <a16:creationId xmlns:a16="http://schemas.microsoft.com/office/drawing/2014/main" id="{ECE30623-78DE-5D41-A427-13A9EEBB0AC2}"/>
-              </a:ext>
-            </a:extLst>
-          </p:cNvPr>
+            <a:endParaRPr lang="en-US" dirty="0"/>
+          </a:p>
+        </p:txBody>
+      </p:sp>
+      <p:sp>
+        <p:nvSpPr>
+          <p:cNvPr id="4" name="Date Placeholder 3"/>
           <p:cNvSpPr>
             <a:spLocks noGrp="1"/>
           </p:cNvSpPr>
@@ -2907,8 +2552,8 @@
         </p:nvSpPr>
         <p:spPr>
           <a:xfrm>
-            <a:off x="838200" y="6356350"/>
-            <a:ext cx="2743200" cy="365125"/>
+            <a:off x="1138446" y="13346867"/>
+            <a:ext cx="3725823" cy="766678"/>
           </a:xfrm>
           <a:prstGeom prst="rect">
             <a:avLst/>
@@ -2918,7 +2563,7 @@
           <a:bodyPr vert="horz" lIns="91440" tIns="45720" rIns="91440" bIns="45720" rtlCol="0" anchor="ctr"/>
           <a:lstStyle>
             <a:lvl1pPr algn="l">
-              <a:defRPr sz="1200">
+              <a:defRPr sz="2173">
                 <a:solidFill>
                   <a:schemeClr val="tx1">
                     <a:tint val="75000"/>
@@ -2930,7 +2575,7 @@
           <a:p>
             <a:fld id="{EF0B41A4-A1A8-0441-83A3-17BC3F823C86}" type="datetimeFigureOut">
               <a:rPr kumimoji="1" lang="ko-Kore-KR" altLang="en-US" smtClean="0"/>
-              <a:t>2021. 3. 27.</a:t>
+              <a:t>2021. 4. 18.</a:t>
             </a:fld>
             <a:endParaRPr kumimoji="1" lang="ko-Kore-KR" altLang="en-US"/>
           </a:p>
@@ -2938,13 +2583,7 @@
       </p:sp>
       <p:sp>
         <p:nvSpPr>
-          <p:cNvPr id="5" name="바닥글 개체 틀 4">
-            <a:extLst>
-              <a:ext uri="{FF2B5EF4-FFF2-40B4-BE49-F238E27FC236}">
-                <a16:creationId xmlns:a16="http://schemas.microsoft.com/office/drawing/2014/main" id="{CF882A3C-2F62-BC46-99B6-0C5145C019D2}"/>
-              </a:ext>
-            </a:extLst>
-          </p:cNvPr>
+          <p:cNvPr id="5" name="Footer Placeholder 4"/>
           <p:cNvSpPr>
             <a:spLocks noGrp="1"/>
           </p:cNvSpPr>
@@ -2954,8 +2593,8 @@
         </p:nvSpPr>
         <p:spPr>
           <a:xfrm>
-            <a:off x="4038600" y="6356350"/>
-            <a:ext cx="4114800" cy="365125"/>
+            <a:off x="5485240" y="13346867"/>
+            <a:ext cx="5588734" cy="766678"/>
           </a:xfrm>
           <a:prstGeom prst="rect">
             <a:avLst/>
@@ -2965,7 +2604,7 @@
           <a:bodyPr vert="horz" lIns="91440" tIns="45720" rIns="91440" bIns="45720" rtlCol="0" anchor="ctr"/>
           <a:lstStyle>
             <a:lvl1pPr algn="ctr">
-              <a:defRPr sz="1200">
+              <a:defRPr sz="2173">
                 <a:solidFill>
                   <a:schemeClr val="tx1">
                     <a:tint val="75000"/>
@@ -2981,13 +2620,7 @@
       </p:sp>
       <p:sp>
         <p:nvSpPr>
-          <p:cNvPr id="6" name="슬라이드 번호 개체 틀 5">
-            <a:extLst>
-              <a:ext uri="{FF2B5EF4-FFF2-40B4-BE49-F238E27FC236}">
-                <a16:creationId xmlns:a16="http://schemas.microsoft.com/office/drawing/2014/main" id="{55E40F56-3BD4-F443-8EC8-08744424CE4F}"/>
-              </a:ext>
-            </a:extLst>
-          </p:cNvPr>
+          <p:cNvPr id="6" name="Slide Number Placeholder 5"/>
           <p:cNvSpPr>
             <a:spLocks noGrp="1"/>
           </p:cNvSpPr>
@@ -2997,8 +2630,8 @@
         </p:nvSpPr>
         <p:spPr>
           <a:xfrm>
-            <a:off x="8610600" y="6356350"/>
-            <a:ext cx="2743200" cy="365125"/>
+            <a:off x="11694944" y="13346867"/>
+            <a:ext cx="3725823" cy="766678"/>
           </a:xfrm>
           <a:prstGeom prst="rect">
             <a:avLst/>
@@ -3008,7 +2641,7 @@
           <a:bodyPr vert="horz" lIns="91440" tIns="45720" rIns="91440" bIns="45720" rtlCol="0" anchor="ctr"/>
           <a:lstStyle>
             <a:lvl1pPr algn="r">
-              <a:defRPr sz="1200">
+              <a:defRPr sz="2173">
                 <a:solidFill>
                   <a:schemeClr val="tx1">
                     <a:tint val="75000"/>
@@ -3029,27 +2662,27 @@
     </p:spTree>
     <p:extLst>
       <p:ext uri="{BB962C8B-B14F-4D97-AF65-F5344CB8AC3E}">
-        <p14:creationId xmlns:p14="http://schemas.microsoft.com/office/powerpoint/2010/main" val="1395876895"/>
+        <p14:creationId xmlns:p14="http://schemas.microsoft.com/office/powerpoint/2010/main" val="1981053309"/>
       </p:ext>
     </p:extLst>
   </p:cSld>
   <p:clrMap bg1="lt1" tx1="dk1" bg2="lt2" tx2="dk2" accent1="accent1" accent2="accent2" accent3="accent3" accent4="accent4" accent5="accent5" accent6="accent6" hlink="hlink" folHlink="folHlink"/>
   <p:sldLayoutIdLst>
-    <p:sldLayoutId id="2147483649" r:id="rId1"/>
-    <p:sldLayoutId id="2147483650" r:id="rId2"/>
-    <p:sldLayoutId id="2147483651" r:id="rId3"/>
-    <p:sldLayoutId id="2147483652" r:id="rId4"/>
-    <p:sldLayoutId id="2147483653" r:id="rId5"/>
-    <p:sldLayoutId id="2147483654" r:id="rId6"/>
-    <p:sldLayoutId id="2147483655" r:id="rId7"/>
-    <p:sldLayoutId id="2147483656" r:id="rId8"/>
-    <p:sldLayoutId id="2147483657" r:id="rId9"/>
-    <p:sldLayoutId id="2147483658" r:id="rId10"/>
-    <p:sldLayoutId id="2147483659" r:id="rId11"/>
+    <p:sldLayoutId id="2147483673" r:id="rId1"/>
+    <p:sldLayoutId id="2147483674" r:id="rId2"/>
+    <p:sldLayoutId id="2147483675" r:id="rId3"/>
+    <p:sldLayoutId id="2147483676" r:id="rId4"/>
+    <p:sldLayoutId id="2147483677" r:id="rId5"/>
+    <p:sldLayoutId id="2147483678" r:id="rId6"/>
+    <p:sldLayoutId id="2147483679" r:id="rId7"/>
+    <p:sldLayoutId id="2147483680" r:id="rId8"/>
+    <p:sldLayoutId id="2147483681" r:id="rId9"/>
+    <p:sldLayoutId id="2147483682" r:id="rId10"/>
+    <p:sldLayoutId id="2147483683" r:id="rId11"/>
   </p:sldLayoutIdLst>
   <p:txStyles>
     <p:titleStyle>
-      <a:lvl1pPr algn="l" defTabSz="914400" rtl="0" eaLnBrk="1" latinLnBrk="0" hangingPunct="1">
+      <a:lvl1pPr algn="l" defTabSz="1655887" rtl="0" eaLnBrk="1" latinLnBrk="0" hangingPunct="1">
         <a:lnSpc>
           <a:spcPct val="90000"/>
         </a:lnSpc>
@@ -3057,7 +2690,7 @@
           <a:spcPct val="0"/>
         </a:spcBef>
         <a:buNone/>
-        <a:defRPr sz="4400" kern="1200">
+        <a:defRPr sz="7968" kern="1200">
           <a:solidFill>
             <a:schemeClr val="tx1"/>
           </a:solidFill>
@@ -3068,16 +2701,16 @@
       </a:lvl1pPr>
     </p:titleStyle>
     <p:bodyStyle>
-      <a:lvl1pPr marL="228600" indent="-228600" algn="l" defTabSz="914400" rtl="0" eaLnBrk="1" latinLnBrk="0" hangingPunct="1">
+      <a:lvl1pPr marL="413972" indent="-413972" algn="l" defTabSz="1655887" rtl="0" eaLnBrk="1" latinLnBrk="0" hangingPunct="1">
         <a:lnSpc>
           <a:spcPct val="90000"/>
         </a:lnSpc>
         <a:spcBef>
-          <a:spcPts val="1000"/>
+          <a:spcPts val="1811"/>
         </a:spcBef>
         <a:buFont typeface="Arial" panose="020B0604020202020204" pitchFamily="34" charset="0"/>
         <a:buChar char="•"/>
-        <a:defRPr sz="2800" kern="1200">
+        <a:defRPr sz="5071" kern="1200">
           <a:solidFill>
             <a:schemeClr val="tx1"/>
           </a:solidFill>
@@ -3086,16 +2719,16 @@
           <a:cs typeface="+mn-cs"/>
         </a:defRPr>
       </a:lvl1pPr>
-      <a:lvl2pPr marL="685800" indent="-228600" algn="l" defTabSz="914400" rtl="0" eaLnBrk="1" latinLnBrk="0" hangingPunct="1">
+      <a:lvl2pPr marL="1241915" indent="-413972" algn="l" defTabSz="1655887" rtl="0" eaLnBrk="1" latinLnBrk="0" hangingPunct="1">
         <a:lnSpc>
           <a:spcPct val="90000"/>
         </a:lnSpc>
         <a:spcBef>
-          <a:spcPts val="500"/>
+          <a:spcPts val="905"/>
         </a:spcBef>
         <a:buFont typeface="Arial" panose="020B0604020202020204" pitchFamily="34" charset="0"/>
         <a:buChar char="•"/>
-        <a:defRPr sz="2400" kern="1200">
+        <a:defRPr sz="4346" kern="1200">
           <a:solidFill>
             <a:schemeClr val="tx1"/>
           </a:solidFill>
@@ -3104,16 +2737,16 @@
           <a:cs typeface="+mn-cs"/>
         </a:defRPr>
       </a:lvl2pPr>
-      <a:lvl3pPr marL="1143000" indent="-228600" algn="l" defTabSz="914400" rtl="0" eaLnBrk="1" latinLnBrk="0" hangingPunct="1">
+      <a:lvl3pPr marL="2069859" indent="-413972" algn="l" defTabSz="1655887" rtl="0" eaLnBrk="1" latinLnBrk="0" hangingPunct="1">
         <a:lnSpc>
           <a:spcPct val="90000"/>
         </a:lnSpc>
         <a:spcBef>
-          <a:spcPts val="500"/>
+          <a:spcPts val="905"/>
         </a:spcBef>
         <a:buFont typeface="Arial" panose="020B0604020202020204" pitchFamily="34" charset="0"/>
         <a:buChar char="•"/>
-        <a:defRPr sz="2000" kern="1200">
+        <a:defRPr sz="3622" kern="1200">
           <a:solidFill>
             <a:schemeClr val="tx1"/>
           </a:solidFill>
@@ -3122,16 +2755,16 @@
           <a:cs typeface="+mn-cs"/>
         </a:defRPr>
       </a:lvl3pPr>
-      <a:lvl4pPr marL="1600200" indent="-228600" algn="l" defTabSz="914400" rtl="0" eaLnBrk="1" latinLnBrk="0" hangingPunct="1">
+      <a:lvl4pPr marL="2897802" indent="-413972" algn="l" defTabSz="1655887" rtl="0" eaLnBrk="1" latinLnBrk="0" hangingPunct="1">
         <a:lnSpc>
           <a:spcPct val="90000"/>
         </a:lnSpc>
         <a:spcBef>
-          <a:spcPts val="500"/>
+          <a:spcPts val="905"/>
         </a:spcBef>
         <a:buFont typeface="Arial" panose="020B0604020202020204" pitchFamily="34" charset="0"/>
         <a:buChar char="•"/>
-        <a:defRPr sz="1800" kern="1200">
+        <a:defRPr sz="3260" kern="1200">
           <a:solidFill>
             <a:schemeClr val="tx1"/>
           </a:solidFill>
@@ -3140,16 +2773,16 @@
           <a:cs typeface="+mn-cs"/>
         </a:defRPr>
       </a:lvl4pPr>
-      <a:lvl5pPr marL="2057400" indent="-228600" algn="l" defTabSz="914400" rtl="0" eaLnBrk="1" latinLnBrk="0" hangingPunct="1">
+      <a:lvl5pPr marL="3725746" indent="-413972" algn="l" defTabSz="1655887" rtl="0" eaLnBrk="1" latinLnBrk="0" hangingPunct="1">
         <a:lnSpc>
           <a:spcPct val="90000"/>
         </a:lnSpc>
         <a:spcBef>
-          <a:spcPts val="500"/>
+          <a:spcPts val="905"/>
         </a:spcBef>
         <a:buFont typeface="Arial" panose="020B0604020202020204" pitchFamily="34" charset="0"/>
         <a:buChar char="•"/>
-        <a:defRPr sz="1800" kern="1200">
+        <a:defRPr sz="3260" kern="1200">
           <a:solidFill>
             <a:schemeClr val="tx1"/>
           </a:solidFill>
@@ -3158,16 +2791,16 @@
           <a:cs typeface="+mn-cs"/>
         </a:defRPr>
       </a:lvl5pPr>
-      <a:lvl6pPr marL="2514600" indent="-228600" algn="l" defTabSz="914400" rtl="0" eaLnBrk="1" latinLnBrk="0" hangingPunct="1">
+      <a:lvl6pPr marL="4553689" indent="-413972" algn="l" defTabSz="1655887" rtl="0" eaLnBrk="1" latinLnBrk="0" hangingPunct="1">
         <a:lnSpc>
           <a:spcPct val="90000"/>
         </a:lnSpc>
         <a:spcBef>
-          <a:spcPts val="500"/>
+          <a:spcPts val="905"/>
         </a:spcBef>
         <a:buFont typeface="Arial" panose="020B0604020202020204" pitchFamily="34" charset="0"/>
         <a:buChar char="•"/>
-        <a:defRPr sz="1800" kern="1200">
+        <a:defRPr sz="3260" kern="1200">
           <a:solidFill>
             <a:schemeClr val="tx1"/>
           </a:solidFill>
@@ -3176,16 +2809,16 @@
           <a:cs typeface="+mn-cs"/>
         </a:defRPr>
       </a:lvl6pPr>
-      <a:lvl7pPr marL="2971800" indent="-228600" algn="l" defTabSz="914400" rtl="0" eaLnBrk="1" latinLnBrk="0" hangingPunct="1">
+      <a:lvl7pPr marL="5381633" indent="-413972" algn="l" defTabSz="1655887" rtl="0" eaLnBrk="1" latinLnBrk="0" hangingPunct="1">
         <a:lnSpc>
           <a:spcPct val="90000"/>
         </a:lnSpc>
         <a:spcBef>
-          <a:spcPts val="500"/>
+          <a:spcPts val="905"/>
         </a:spcBef>
         <a:buFont typeface="Arial" panose="020B0604020202020204" pitchFamily="34" charset="0"/>
         <a:buChar char="•"/>
-        <a:defRPr sz="1800" kern="1200">
+        <a:defRPr sz="3260" kern="1200">
           <a:solidFill>
             <a:schemeClr val="tx1"/>
           </a:solidFill>
@@ -3194,16 +2827,16 @@
           <a:cs typeface="+mn-cs"/>
         </a:defRPr>
       </a:lvl7pPr>
-      <a:lvl8pPr marL="3429000" indent="-228600" algn="l" defTabSz="914400" rtl="0" eaLnBrk="1" latinLnBrk="0" hangingPunct="1">
+      <a:lvl8pPr marL="6209576" indent="-413972" algn="l" defTabSz="1655887" rtl="0" eaLnBrk="1" latinLnBrk="0" hangingPunct="1">
         <a:lnSpc>
           <a:spcPct val="90000"/>
         </a:lnSpc>
         <a:spcBef>
-          <a:spcPts val="500"/>
+          <a:spcPts val="905"/>
         </a:spcBef>
         <a:buFont typeface="Arial" panose="020B0604020202020204" pitchFamily="34" charset="0"/>
         <a:buChar char="•"/>
-        <a:defRPr sz="1800" kern="1200">
+        <a:defRPr sz="3260" kern="1200">
           <a:solidFill>
             <a:schemeClr val="tx1"/>
           </a:solidFill>
@@ -3212,16 +2845,16 @@
           <a:cs typeface="+mn-cs"/>
         </a:defRPr>
       </a:lvl8pPr>
-      <a:lvl9pPr marL="3886200" indent="-228600" algn="l" defTabSz="914400" rtl="0" eaLnBrk="1" latinLnBrk="0" hangingPunct="1">
+      <a:lvl9pPr marL="7037520" indent="-413972" algn="l" defTabSz="1655887" rtl="0" eaLnBrk="1" latinLnBrk="0" hangingPunct="1">
         <a:lnSpc>
           <a:spcPct val="90000"/>
         </a:lnSpc>
         <a:spcBef>
-          <a:spcPts val="500"/>
+          <a:spcPts val="905"/>
         </a:spcBef>
         <a:buFont typeface="Arial" panose="020B0604020202020204" pitchFamily="34" charset="0"/>
         <a:buChar char="•"/>
-        <a:defRPr sz="1800" kern="1200">
+        <a:defRPr sz="3260" kern="1200">
           <a:solidFill>
             <a:schemeClr val="tx1"/>
           </a:solidFill>
@@ -3233,10 +2866,10 @@
     </p:bodyStyle>
     <p:otherStyle>
       <a:defPPr>
-        <a:defRPr lang="ko-Kore-KR"/>
+        <a:defRPr lang="en-US"/>
       </a:defPPr>
-      <a:lvl1pPr marL="0" algn="l" defTabSz="914400" rtl="0" eaLnBrk="1" latinLnBrk="0" hangingPunct="1">
-        <a:defRPr sz="1800" kern="1200">
+      <a:lvl1pPr marL="0" algn="l" defTabSz="1655887" rtl="0" eaLnBrk="1" latinLnBrk="0" hangingPunct="1">
+        <a:defRPr sz="3260" kern="1200">
           <a:solidFill>
             <a:schemeClr val="tx1"/>
           </a:solidFill>
@@ -3245,8 +2878,8 @@
           <a:cs typeface="+mn-cs"/>
         </a:defRPr>
       </a:lvl1pPr>
-      <a:lvl2pPr marL="457200" algn="l" defTabSz="914400" rtl="0" eaLnBrk="1" latinLnBrk="0" hangingPunct="1">
-        <a:defRPr sz="1800" kern="1200">
+      <a:lvl2pPr marL="827943" algn="l" defTabSz="1655887" rtl="0" eaLnBrk="1" latinLnBrk="0" hangingPunct="1">
+        <a:defRPr sz="3260" kern="1200">
           <a:solidFill>
             <a:schemeClr val="tx1"/>
           </a:solidFill>
@@ -3255,8 +2888,8 @@
           <a:cs typeface="+mn-cs"/>
         </a:defRPr>
       </a:lvl2pPr>
-      <a:lvl3pPr marL="914400" algn="l" defTabSz="914400" rtl="0" eaLnBrk="1" latinLnBrk="0" hangingPunct="1">
-        <a:defRPr sz="1800" kern="1200">
+      <a:lvl3pPr marL="1655887" algn="l" defTabSz="1655887" rtl="0" eaLnBrk="1" latinLnBrk="0" hangingPunct="1">
+        <a:defRPr sz="3260" kern="1200">
           <a:solidFill>
             <a:schemeClr val="tx1"/>
           </a:solidFill>
@@ -3265,8 +2898,8 @@
           <a:cs typeface="+mn-cs"/>
         </a:defRPr>
       </a:lvl3pPr>
-      <a:lvl4pPr marL="1371600" algn="l" defTabSz="914400" rtl="0" eaLnBrk="1" latinLnBrk="0" hangingPunct="1">
-        <a:defRPr sz="1800" kern="1200">
+      <a:lvl4pPr marL="2483830" algn="l" defTabSz="1655887" rtl="0" eaLnBrk="1" latinLnBrk="0" hangingPunct="1">
+        <a:defRPr sz="3260" kern="1200">
           <a:solidFill>
             <a:schemeClr val="tx1"/>
           </a:solidFill>
@@ -3275,8 +2908,8 @@
           <a:cs typeface="+mn-cs"/>
         </a:defRPr>
       </a:lvl4pPr>
-      <a:lvl5pPr marL="1828800" algn="l" defTabSz="914400" rtl="0" eaLnBrk="1" latinLnBrk="0" hangingPunct="1">
-        <a:defRPr sz="1800" kern="1200">
+      <a:lvl5pPr marL="3311774" algn="l" defTabSz="1655887" rtl="0" eaLnBrk="1" latinLnBrk="0" hangingPunct="1">
+        <a:defRPr sz="3260" kern="1200">
           <a:solidFill>
             <a:schemeClr val="tx1"/>
           </a:solidFill>
@@ -3285,8 +2918,8 @@
           <a:cs typeface="+mn-cs"/>
         </a:defRPr>
       </a:lvl5pPr>
-      <a:lvl6pPr marL="2286000" algn="l" defTabSz="914400" rtl="0" eaLnBrk="1" latinLnBrk="0" hangingPunct="1">
-        <a:defRPr sz="1800" kern="1200">
+      <a:lvl6pPr marL="4139717" algn="l" defTabSz="1655887" rtl="0" eaLnBrk="1" latinLnBrk="0" hangingPunct="1">
+        <a:defRPr sz="3260" kern="1200">
           <a:solidFill>
             <a:schemeClr val="tx1"/>
           </a:solidFill>
@@ -3295,8 +2928,8 @@
           <a:cs typeface="+mn-cs"/>
         </a:defRPr>
       </a:lvl6pPr>
-      <a:lvl7pPr marL="2743200" algn="l" defTabSz="914400" rtl="0" eaLnBrk="1" latinLnBrk="0" hangingPunct="1">
-        <a:defRPr sz="1800" kern="1200">
+      <a:lvl7pPr marL="4967661" algn="l" defTabSz="1655887" rtl="0" eaLnBrk="1" latinLnBrk="0" hangingPunct="1">
+        <a:defRPr sz="3260" kern="1200">
           <a:solidFill>
             <a:schemeClr val="tx1"/>
           </a:solidFill>
@@ -3305,8 +2938,8 @@
           <a:cs typeface="+mn-cs"/>
         </a:defRPr>
       </a:lvl7pPr>
-      <a:lvl8pPr marL="3200400" algn="l" defTabSz="914400" rtl="0" eaLnBrk="1" latinLnBrk="0" hangingPunct="1">
-        <a:defRPr sz="1800" kern="1200">
+      <a:lvl8pPr marL="5795604" algn="l" defTabSz="1655887" rtl="0" eaLnBrk="1" latinLnBrk="0" hangingPunct="1">
+        <a:defRPr sz="3260" kern="1200">
           <a:solidFill>
             <a:schemeClr val="tx1"/>
           </a:solidFill>
@@ -3315,8 +2948,8 @@
           <a:cs typeface="+mn-cs"/>
         </a:defRPr>
       </a:lvl8pPr>
-      <a:lvl9pPr marL="3657600" algn="l" defTabSz="914400" rtl="0" eaLnBrk="1" latinLnBrk="0" hangingPunct="1">
-        <a:defRPr sz="1800" kern="1200">
+      <a:lvl9pPr marL="6623548" algn="l" defTabSz="1655887" rtl="0" eaLnBrk="1" latinLnBrk="0" hangingPunct="1">
+        <a:defRPr sz="3260" kern="1200">
           <a:solidFill>
             <a:schemeClr val="tx1"/>
           </a:solidFill>
@@ -3347,12 +2980,942 @@
           <a:chExt cx="0" cy="0"/>
         </a:xfrm>
       </p:grpSpPr>
+      <p:sp>
+        <p:nvSpPr>
+          <p:cNvPr id="68" name="모서리가 둥근 직사각형 67">
+            <a:extLst>
+              <a:ext uri="{FF2B5EF4-FFF2-40B4-BE49-F238E27FC236}">
+                <a16:creationId xmlns:a16="http://schemas.microsoft.com/office/drawing/2014/main" id="{914B3324-2221-C142-A5FF-CF0F5A6970A1}"/>
+              </a:ext>
+            </a:extLst>
+          </p:cNvPr>
+          <p:cNvSpPr/>
+          <p:nvPr/>
+        </p:nvSpPr>
+        <p:spPr>
+          <a:xfrm>
+            <a:off x="7767919" y="7284155"/>
+            <a:ext cx="1323390" cy="635724"/>
+          </a:xfrm>
+          <a:prstGeom prst="roundRect">
+            <a:avLst/>
+          </a:prstGeom>
+          <a:solidFill>
+            <a:schemeClr val="accent1">
+              <a:lumMod val="20000"/>
+              <a:lumOff val="80000"/>
+            </a:schemeClr>
+          </a:solidFill>
+          <a:ln w="25400">
+            <a:solidFill>
+              <a:schemeClr val="bg1"/>
+            </a:solidFill>
+          </a:ln>
+        </p:spPr>
+        <p:style>
+          <a:lnRef idx="2">
+            <a:schemeClr val="accent6"/>
+          </a:lnRef>
+          <a:fillRef idx="1">
+            <a:schemeClr val="lt1"/>
+          </a:fillRef>
+          <a:effectRef idx="0">
+            <a:schemeClr val="accent6"/>
+          </a:effectRef>
+          <a:fontRef idx="minor">
+            <a:schemeClr val="dk1"/>
+          </a:fontRef>
+        </p:style>
+        <p:txBody>
+          <a:bodyPr rtlCol="0" anchor="ctr"/>
+          <a:lstStyle/>
+          <a:p>
+            <a:pPr algn="ctr"/>
+            <a:r>
+              <a:rPr kumimoji="1" lang="en-US" altLang="ko-Kore-KR" sz="1600" dirty="0"/>
+              <a:t>Deployment</a:t>
+            </a:r>
+            <a:endParaRPr kumimoji="1" lang="ko-Kore-KR" altLang="en-US" sz="1600" dirty="0"/>
+          </a:p>
+        </p:txBody>
+      </p:sp>
+      <p:sp>
+        <p:nvSpPr>
+          <p:cNvPr id="69" name="모서리가 둥근 직사각형 68">
+            <a:extLst>
+              <a:ext uri="{FF2B5EF4-FFF2-40B4-BE49-F238E27FC236}">
+                <a16:creationId xmlns:a16="http://schemas.microsoft.com/office/drawing/2014/main" id="{53A2EB0C-FDF6-1C46-AFB3-DD16BE02AD7D}"/>
+              </a:ext>
+            </a:extLst>
+          </p:cNvPr>
+          <p:cNvSpPr/>
+          <p:nvPr/>
+        </p:nvSpPr>
+        <p:spPr>
+          <a:xfrm>
+            <a:off x="9133731" y="7284155"/>
+            <a:ext cx="1153482" cy="635724"/>
+          </a:xfrm>
+          <a:prstGeom prst="roundRect">
+            <a:avLst/>
+          </a:prstGeom>
+          <a:solidFill>
+            <a:schemeClr val="accent1">
+              <a:lumMod val="20000"/>
+              <a:lumOff val="80000"/>
+            </a:schemeClr>
+          </a:solidFill>
+          <a:ln w="25400">
+            <a:solidFill>
+              <a:schemeClr val="bg1"/>
+            </a:solidFill>
+          </a:ln>
+        </p:spPr>
+        <p:style>
+          <a:lnRef idx="2">
+            <a:schemeClr val="accent6"/>
+          </a:lnRef>
+          <a:fillRef idx="1">
+            <a:schemeClr val="lt1"/>
+          </a:fillRef>
+          <a:effectRef idx="0">
+            <a:schemeClr val="accent6"/>
+          </a:effectRef>
+          <a:fontRef idx="minor">
+            <a:schemeClr val="dk1"/>
+          </a:fontRef>
+        </p:style>
+        <p:txBody>
+          <a:bodyPr rtlCol="0" anchor="ctr"/>
+          <a:lstStyle/>
+          <a:p>
+            <a:pPr algn="ctr"/>
+            <a:r>
+              <a:rPr kumimoji="1" lang="en-US" altLang="ko-Kore-KR" sz="1600" dirty="0"/>
+              <a:t>Estimation</a:t>
+            </a:r>
+            <a:endParaRPr kumimoji="1" lang="ko-Kore-KR" altLang="en-US" sz="1600" dirty="0"/>
+          </a:p>
+        </p:txBody>
+      </p:sp>
+      <p:sp>
+        <p:nvSpPr>
+          <p:cNvPr id="40" name="모서리가 둥근 직사각형 39">
+            <a:extLst>
+              <a:ext uri="{FF2B5EF4-FFF2-40B4-BE49-F238E27FC236}">
+                <a16:creationId xmlns:a16="http://schemas.microsoft.com/office/drawing/2014/main" id="{25BC355F-677B-C349-ADDA-BB2A66454FBC}"/>
+              </a:ext>
+            </a:extLst>
+          </p:cNvPr>
+          <p:cNvSpPr/>
+          <p:nvPr/>
+        </p:nvSpPr>
+        <p:spPr>
+          <a:xfrm>
+            <a:off x="6740762" y="5015970"/>
+            <a:ext cx="3349642" cy="300489"/>
+          </a:xfrm>
+          <a:prstGeom prst="roundRect">
+            <a:avLst/>
+          </a:prstGeom>
+          <a:solidFill>
+            <a:schemeClr val="accent1">
+              <a:lumMod val="20000"/>
+              <a:lumOff val="80000"/>
+            </a:schemeClr>
+          </a:solidFill>
+          <a:ln w="25400">
+            <a:solidFill>
+              <a:schemeClr val="bg1"/>
+            </a:solidFill>
+          </a:ln>
+        </p:spPr>
+        <p:style>
+          <a:lnRef idx="2">
+            <a:schemeClr val="accent6"/>
+          </a:lnRef>
+          <a:fillRef idx="1">
+            <a:schemeClr val="lt1"/>
+          </a:fillRef>
+          <a:effectRef idx="0">
+            <a:schemeClr val="accent6"/>
+          </a:effectRef>
+          <a:fontRef idx="minor">
+            <a:schemeClr val="dk1"/>
+          </a:fontRef>
+        </p:style>
+        <p:txBody>
+          <a:bodyPr rtlCol="0" anchor="ctr"/>
+          <a:lstStyle/>
+          <a:p>
+            <a:pPr algn="ctr"/>
+            <a:r>
+              <a:rPr kumimoji="1" lang="en-US" altLang="ko-Kore-KR" sz="1600" dirty="0"/>
+              <a:t>Science App Name List API</a:t>
+            </a:r>
+            <a:endParaRPr kumimoji="1" lang="ko-Kore-KR" altLang="en-US" sz="1600" dirty="0"/>
+          </a:p>
+        </p:txBody>
+      </p:sp>
+      <p:sp>
+        <p:nvSpPr>
+          <p:cNvPr id="41" name="모서리가 둥근 직사각형 40">
+            <a:extLst>
+              <a:ext uri="{FF2B5EF4-FFF2-40B4-BE49-F238E27FC236}">
+                <a16:creationId xmlns:a16="http://schemas.microsoft.com/office/drawing/2014/main" id="{F0552F79-3891-714B-9BA5-E3D8451DA2C4}"/>
+              </a:ext>
+            </a:extLst>
+          </p:cNvPr>
+          <p:cNvSpPr/>
+          <p:nvPr/>
+        </p:nvSpPr>
+        <p:spPr>
+          <a:xfrm>
+            <a:off x="6740762" y="5320770"/>
+            <a:ext cx="3349642" cy="300489"/>
+          </a:xfrm>
+          <a:prstGeom prst="roundRect">
+            <a:avLst/>
+          </a:prstGeom>
+          <a:solidFill>
+            <a:schemeClr val="accent1">
+              <a:lumMod val="20000"/>
+              <a:lumOff val="80000"/>
+            </a:schemeClr>
+          </a:solidFill>
+          <a:ln w="25400">
+            <a:solidFill>
+              <a:schemeClr val="bg1"/>
+            </a:solidFill>
+          </a:ln>
+        </p:spPr>
+        <p:style>
+          <a:lnRef idx="2">
+            <a:schemeClr val="accent6"/>
+          </a:lnRef>
+          <a:fillRef idx="1">
+            <a:schemeClr val="lt1"/>
+          </a:fillRef>
+          <a:effectRef idx="0">
+            <a:schemeClr val="accent6"/>
+          </a:effectRef>
+          <a:fontRef idx="minor">
+            <a:schemeClr val="dk1"/>
+          </a:fontRef>
+        </p:style>
+        <p:txBody>
+          <a:bodyPr rtlCol="0" anchor="ctr"/>
+          <a:lstStyle/>
+          <a:p>
+            <a:pPr algn="ctr"/>
+            <a:r>
+              <a:rPr kumimoji="1" lang="en-US" altLang="ko-Kore-KR" sz="1600" dirty="0"/>
+              <a:t>Parameter List API</a:t>
+            </a:r>
+            <a:endParaRPr kumimoji="1" lang="ko-Kore-KR" altLang="en-US" sz="1600" dirty="0"/>
+          </a:p>
+        </p:txBody>
+      </p:sp>
+      <p:sp>
+        <p:nvSpPr>
+          <p:cNvPr id="42" name="모서리가 둥근 직사각형 41">
+            <a:extLst>
+              <a:ext uri="{FF2B5EF4-FFF2-40B4-BE49-F238E27FC236}">
+                <a16:creationId xmlns:a16="http://schemas.microsoft.com/office/drawing/2014/main" id="{D7EDFD4D-D639-A74F-8C68-43CC1D5C4DF8}"/>
+              </a:ext>
+            </a:extLst>
+          </p:cNvPr>
+          <p:cNvSpPr/>
+          <p:nvPr/>
+        </p:nvSpPr>
+        <p:spPr>
+          <a:xfrm>
+            <a:off x="6740762" y="5614684"/>
+            <a:ext cx="3349642" cy="300489"/>
+          </a:xfrm>
+          <a:prstGeom prst="roundRect">
+            <a:avLst/>
+          </a:prstGeom>
+          <a:solidFill>
+            <a:schemeClr val="accent1">
+              <a:lumMod val="20000"/>
+              <a:lumOff val="80000"/>
+            </a:schemeClr>
+          </a:solidFill>
+          <a:ln w="25400">
+            <a:solidFill>
+              <a:schemeClr val="bg1"/>
+            </a:solidFill>
+          </a:ln>
+        </p:spPr>
+        <p:style>
+          <a:lnRef idx="2">
+            <a:schemeClr val="accent6"/>
+          </a:lnRef>
+          <a:fillRef idx="1">
+            <a:schemeClr val="lt1"/>
+          </a:fillRef>
+          <a:effectRef idx="0">
+            <a:schemeClr val="accent6"/>
+          </a:effectRef>
+          <a:fontRef idx="minor">
+            <a:schemeClr val="dk1"/>
+          </a:fontRef>
+        </p:style>
+        <p:txBody>
+          <a:bodyPr rtlCol="0" anchor="ctr"/>
+          <a:lstStyle/>
+          <a:p>
+            <a:pPr algn="ctr"/>
+            <a:r>
+              <a:rPr kumimoji="1" lang="en-US" altLang="ko-Kore-KR" sz="1600" dirty="0"/>
+              <a:t>Time Estimation Result API</a:t>
+            </a:r>
+            <a:endParaRPr kumimoji="1" lang="ko-Kore-KR" altLang="en-US" sz="1600" dirty="0"/>
+          </a:p>
+        </p:txBody>
+      </p:sp>
+      <p:sp>
+        <p:nvSpPr>
+          <p:cNvPr id="43" name="모서리가 둥근 직사각형 42">
+            <a:extLst>
+              <a:ext uri="{FF2B5EF4-FFF2-40B4-BE49-F238E27FC236}">
+                <a16:creationId xmlns:a16="http://schemas.microsoft.com/office/drawing/2014/main" id="{6881FCD6-EE43-E14B-B820-F4EEC9065523}"/>
+              </a:ext>
+            </a:extLst>
+          </p:cNvPr>
+          <p:cNvSpPr/>
+          <p:nvPr/>
+        </p:nvSpPr>
+        <p:spPr>
+          <a:xfrm>
+            <a:off x="6740762" y="5919484"/>
+            <a:ext cx="3349642" cy="300489"/>
+          </a:xfrm>
+          <a:prstGeom prst="roundRect">
+            <a:avLst/>
+          </a:prstGeom>
+          <a:solidFill>
+            <a:schemeClr val="accent1">
+              <a:lumMod val="20000"/>
+              <a:lumOff val="80000"/>
+            </a:schemeClr>
+          </a:solidFill>
+          <a:ln w="25400">
+            <a:solidFill>
+              <a:schemeClr val="bg1"/>
+            </a:solidFill>
+          </a:ln>
+        </p:spPr>
+        <p:style>
+          <a:lnRef idx="2">
+            <a:schemeClr val="accent6"/>
+          </a:lnRef>
+          <a:fillRef idx="1">
+            <a:schemeClr val="lt1"/>
+          </a:fillRef>
+          <a:effectRef idx="0">
+            <a:schemeClr val="accent6"/>
+          </a:effectRef>
+          <a:fontRef idx="minor">
+            <a:schemeClr val="dk1"/>
+          </a:fontRef>
+        </p:style>
+        <p:txBody>
+          <a:bodyPr rtlCol="0" anchor="ctr"/>
+          <a:lstStyle/>
+          <a:p>
+            <a:pPr algn="ctr"/>
+            <a:r>
+              <a:rPr kumimoji="1" lang="en-US" altLang="ko-Kore-KR" sz="1600" dirty="0"/>
+              <a:t>Parameter Statistics API</a:t>
+            </a:r>
+            <a:endParaRPr kumimoji="1" lang="ko-Kore-KR" altLang="en-US" sz="1600" dirty="0"/>
+          </a:p>
+        </p:txBody>
+      </p:sp>
+      <p:sp>
+        <p:nvSpPr>
+          <p:cNvPr id="4" name="TextBox 3">
+            <a:extLst>
+              <a:ext uri="{FF2B5EF4-FFF2-40B4-BE49-F238E27FC236}">
+                <a16:creationId xmlns:a16="http://schemas.microsoft.com/office/drawing/2014/main" id="{AF276189-C796-3B42-BDB8-725EA03D4592}"/>
+              </a:ext>
+            </a:extLst>
+          </p:cNvPr>
+          <p:cNvSpPr txBox="1"/>
+          <p:nvPr/>
+        </p:nvSpPr>
+        <p:spPr>
+          <a:xfrm>
+            <a:off x="2382541" y="2875708"/>
+            <a:ext cx="2100943" cy="384721"/>
+          </a:xfrm>
+          <a:prstGeom prst="rect">
+            <a:avLst/>
+          </a:prstGeom>
+          <a:noFill/>
+        </p:spPr>
+        <p:txBody>
+          <a:bodyPr wrap="square" rtlCol="0">
+            <a:spAutoFit/>
+          </a:bodyPr>
+          <a:lstStyle/>
+          <a:p>
+            <a:pPr algn="ctr"/>
+            <a:r>
+              <a:rPr kumimoji="1" lang="en-US" altLang="ko-Kore-KR" sz="1900" dirty="0">
+                <a:solidFill>
+                  <a:schemeClr val="tx1">
+                    <a:lumMod val="75000"/>
+                    <a:lumOff val="25000"/>
+                  </a:schemeClr>
+                </a:solidFill>
+              </a:rPr>
+              <a:t>Client Layer</a:t>
+            </a:r>
+            <a:endParaRPr kumimoji="1" lang="ko-Kore-KR" altLang="en-US" sz="1900" dirty="0">
+              <a:solidFill>
+                <a:schemeClr val="tx1">
+                  <a:lumMod val="75000"/>
+                  <a:lumOff val="25000"/>
+                </a:schemeClr>
+              </a:solidFill>
+            </a:endParaRPr>
+          </a:p>
+        </p:txBody>
+      </p:sp>
+      <p:sp>
+        <p:nvSpPr>
+          <p:cNvPr id="9" name="TextBox 8">
+            <a:extLst>
+              <a:ext uri="{FF2B5EF4-FFF2-40B4-BE49-F238E27FC236}">
+                <a16:creationId xmlns:a16="http://schemas.microsoft.com/office/drawing/2014/main" id="{66FFC527-1C4E-9D42-9E3B-B9B73B026255}"/>
+              </a:ext>
+            </a:extLst>
+          </p:cNvPr>
+          <p:cNvSpPr txBox="1"/>
+          <p:nvPr/>
+        </p:nvSpPr>
+        <p:spPr>
+          <a:xfrm>
+            <a:off x="2221895" y="10902719"/>
+            <a:ext cx="3247458" cy="677108"/>
+          </a:xfrm>
+          <a:prstGeom prst="rect">
+            <a:avLst/>
+          </a:prstGeom>
+          <a:noFill/>
+        </p:spPr>
+        <p:txBody>
+          <a:bodyPr wrap="square" rtlCol="0">
+            <a:spAutoFit/>
+          </a:bodyPr>
+          <a:lstStyle/>
+          <a:p>
+            <a:pPr algn="ctr"/>
+            <a:r>
+              <a:rPr kumimoji="1" lang="en-US" altLang="ko-KR" sz="1900" dirty="0">
+                <a:solidFill>
+                  <a:schemeClr val="tx1">
+                    <a:lumMod val="75000"/>
+                    <a:lumOff val="25000"/>
+                  </a:schemeClr>
+                </a:solidFill>
+              </a:rPr>
+              <a:t>CSE(Computational Science and Engineering)</a:t>
+            </a:r>
+            <a:r>
+              <a:rPr kumimoji="1" lang="ko-KR" altLang="en-US" sz="1900" dirty="0">
+                <a:solidFill>
+                  <a:schemeClr val="tx1">
+                    <a:lumMod val="75000"/>
+                    <a:lumOff val="25000"/>
+                  </a:schemeClr>
+                </a:solidFill>
+              </a:rPr>
+              <a:t> </a:t>
+            </a:r>
+            <a:r>
+              <a:rPr kumimoji="1" lang="en-US" altLang="ko-KR" sz="1900" dirty="0">
+                <a:solidFill>
+                  <a:schemeClr val="tx1">
+                    <a:lumMod val="75000"/>
+                    <a:lumOff val="25000"/>
+                  </a:schemeClr>
+                </a:solidFill>
+              </a:rPr>
+              <a:t>Area</a:t>
+            </a:r>
+            <a:r>
+              <a:rPr kumimoji="1" lang="ko-KR" altLang="en-US" sz="1900" dirty="0">
+                <a:solidFill>
+                  <a:schemeClr val="tx1">
+                    <a:lumMod val="75000"/>
+                    <a:lumOff val="25000"/>
+                  </a:schemeClr>
+                </a:solidFill>
+              </a:rPr>
+              <a:t> </a:t>
+            </a:r>
+            <a:r>
+              <a:rPr kumimoji="1" lang="en-US" altLang="ko-KR" sz="1900" dirty="0">
+                <a:solidFill>
+                  <a:schemeClr val="tx1">
+                    <a:lumMod val="75000"/>
+                    <a:lumOff val="25000"/>
+                  </a:schemeClr>
+                </a:solidFill>
+              </a:rPr>
+              <a:t>Layer</a:t>
+            </a:r>
+            <a:endParaRPr kumimoji="1" lang="ko-Kore-KR" altLang="en-US" sz="1900" dirty="0">
+              <a:solidFill>
+                <a:schemeClr val="tx1">
+                  <a:lumMod val="75000"/>
+                  <a:lumOff val="25000"/>
+                </a:schemeClr>
+              </a:solidFill>
+            </a:endParaRPr>
+          </a:p>
+        </p:txBody>
+      </p:sp>
+      <p:cxnSp>
+        <p:nvCxnSpPr>
+          <p:cNvPr id="10" name="직선 연결선[R] 9">
+            <a:extLst>
+              <a:ext uri="{FF2B5EF4-FFF2-40B4-BE49-F238E27FC236}">
+                <a16:creationId xmlns:a16="http://schemas.microsoft.com/office/drawing/2014/main" id="{4B46EF71-A8F5-564B-B4B1-1F38D18C2E2E}"/>
+              </a:ext>
+            </a:extLst>
+          </p:cNvPr>
+          <p:cNvCxnSpPr>
+            <a:cxnSpLocks/>
+          </p:cNvCxnSpPr>
+          <p:nvPr/>
+        </p:nvCxnSpPr>
+        <p:spPr>
+          <a:xfrm>
+            <a:off x="2360586" y="10494117"/>
+            <a:ext cx="11119713" cy="0"/>
+          </a:xfrm>
+          <a:prstGeom prst="line">
+            <a:avLst/>
+          </a:prstGeom>
+          <a:ln w="38100">
+            <a:solidFill>
+              <a:schemeClr val="tx1">
+                <a:lumMod val="65000"/>
+                <a:lumOff val="35000"/>
+              </a:schemeClr>
+            </a:solidFill>
+          </a:ln>
+        </p:spPr>
+        <p:style>
+          <a:lnRef idx="1">
+            <a:schemeClr val="accent1"/>
+          </a:lnRef>
+          <a:fillRef idx="0">
+            <a:schemeClr val="accent1"/>
+          </a:fillRef>
+          <a:effectRef idx="0">
+            <a:schemeClr val="accent1"/>
+          </a:effectRef>
+          <a:fontRef idx="minor">
+            <a:schemeClr val="tx1"/>
+          </a:fontRef>
+        </p:style>
+      </p:cxnSp>
+      <p:pic>
+        <p:nvPicPr>
+          <p:cNvPr id="11" name="그림 10">
+            <a:extLst>
+              <a:ext uri="{FF2B5EF4-FFF2-40B4-BE49-F238E27FC236}">
+                <a16:creationId xmlns:a16="http://schemas.microsoft.com/office/drawing/2014/main" id="{BF26E84F-4114-AC45-8423-EE4EDF59CC6C}"/>
+              </a:ext>
+            </a:extLst>
+          </p:cNvPr>
+          <p:cNvPicPr>
+            <a:picLocks noChangeAspect="1"/>
+          </p:cNvPicPr>
+          <p:nvPr/>
+        </p:nvPicPr>
+        <p:blipFill>
+          <a:blip r:embed="rId2"/>
+          <a:stretch>
+            <a:fillRect/>
+          </a:stretch>
+        </p:blipFill>
+        <p:spPr>
+          <a:xfrm>
+            <a:off x="10298155" y="2366433"/>
+            <a:ext cx="897567" cy="1042336"/>
+          </a:xfrm>
+          <a:prstGeom prst="rect">
+            <a:avLst/>
+          </a:prstGeom>
+        </p:spPr>
+      </p:pic>
+      <p:sp>
+        <p:nvSpPr>
+          <p:cNvPr id="12" name="모서리가 둥근 직사각형 11">
+            <a:extLst>
+              <a:ext uri="{FF2B5EF4-FFF2-40B4-BE49-F238E27FC236}">
+                <a16:creationId xmlns:a16="http://schemas.microsoft.com/office/drawing/2014/main" id="{FACC2F9A-CFDA-5E4C-A5E6-7AD497CC2C6E}"/>
+              </a:ext>
+            </a:extLst>
+          </p:cNvPr>
+          <p:cNvSpPr/>
+          <p:nvPr/>
+        </p:nvSpPr>
+        <p:spPr>
+          <a:xfrm>
+            <a:off x="6401881" y="2532023"/>
+            <a:ext cx="3885333" cy="395541"/>
+          </a:xfrm>
+          <a:prstGeom prst="roundRect">
+            <a:avLst/>
+          </a:prstGeom>
+          <a:solidFill>
+            <a:schemeClr val="accent1">
+              <a:lumMod val="20000"/>
+              <a:lumOff val="80000"/>
+            </a:schemeClr>
+          </a:solidFill>
+          <a:ln w="25400">
+            <a:solidFill>
+              <a:schemeClr val="bg1"/>
+            </a:solidFill>
+          </a:ln>
+        </p:spPr>
+        <p:style>
+          <a:lnRef idx="2">
+            <a:schemeClr val="accent6"/>
+          </a:lnRef>
+          <a:fillRef idx="1">
+            <a:schemeClr val="lt1"/>
+          </a:fillRef>
+          <a:effectRef idx="0">
+            <a:schemeClr val="accent6"/>
+          </a:effectRef>
+          <a:fontRef idx="minor">
+            <a:schemeClr val="dk1"/>
+          </a:fontRef>
+        </p:style>
+        <p:txBody>
+          <a:bodyPr rtlCol="0" anchor="ctr"/>
+          <a:lstStyle/>
+          <a:p>
+            <a:pPr algn="ctr"/>
+            <a:r>
+              <a:rPr kumimoji="1" lang="en-US" altLang="ko-Kore-KR" sz="1600" dirty="0"/>
+              <a:t>Page Introduction</a:t>
+            </a:r>
+            <a:endParaRPr kumimoji="1" lang="ko-Kore-KR" altLang="en-US" sz="1600" dirty="0"/>
+          </a:p>
+        </p:txBody>
+      </p:sp>
+      <p:sp>
+        <p:nvSpPr>
+          <p:cNvPr id="13" name="모서리가 둥근 직사각형 12">
+            <a:extLst>
+              <a:ext uri="{FF2B5EF4-FFF2-40B4-BE49-F238E27FC236}">
+                <a16:creationId xmlns:a16="http://schemas.microsoft.com/office/drawing/2014/main" id="{E4410442-20D1-3D4A-82AE-C18C01FE2580}"/>
+              </a:ext>
+            </a:extLst>
+          </p:cNvPr>
+          <p:cNvSpPr/>
+          <p:nvPr/>
+        </p:nvSpPr>
+        <p:spPr>
+          <a:xfrm>
+            <a:off x="6401880" y="2963134"/>
+            <a:ext cx="3885333" cy="395541"/>
+          </a:xfrm>
+          <a:prstGeom prst="roundRect">
+            <a:avLst/>
+          </a:prstGeom>
+          <a:solidFill>
+            <a:schemeClr val="accent1">
+              <a:lumMod val="20000"/>
+              <a:lumOff val="80000"/>
+            </a:schemeClr>
+          </a:solidFill>
+          <a:ln w="25400">
+            <a:solidFill>
+              <a:schemeClr val="bg1"/>
+            </a:solidFill>
+          </a:ln>
+        </p:spPr>
+        <p:style>
+          <a:lnRef idx="2">
+            <a:schemeClr val="accent6"/>
+          </a:lnRef>
+          <a:fillRef idx="1">
+            <a:schemeClr val="lt1"/>
+          </a:fillRef>
+          <a:effectRef idx="0">
+            <a:schemeClr val="accent6"/>
+          </a:effectRef>
+          <a:fontRef idx="minor">
+            <a:schemeClr val="dk1"/>
+          </a:fontRef>
+        </p:style>
+        <p:txBody>
+          <a:bodyPr rtlCol="0" anchor="ctr"/>
+          <a:lstStyle/>
+          <a:p>
+            <a:pPr algn="ctr"/>
+            <a:r>
+              <a:rPr kumimoji="1" lang="en-US" altLang="ko-Kore-KR" sz="1600" dirty="0"/>
+              <a:t>Execution Time Estimation</a:t>
+            </a:r>
+            <a:endParaRPr kumimoji="1" lang="ko-Kore-KR" altLang="en-US" sz="1600" dirty="0"/>
+          </a:p>
+        </p:txBody>
+      </p:sp>
+      <p:sp>
+        <p:nvSpPr>
+          <p:cNvPr id="14" name="모서리가 둥근 직사각형 13">
+            <a:extLst>
+              <a:ext uri="{FF2B5EF4-FFF2-40B4-BE49-F238E27FC236}">
+                <a16:creationId xmlns:a16="http://schemas.microsoft.com/office/drawing/2014/main" id="{66A40B4C-2167-114B-AFE6-9BA892D5AF7A}"/>
+              </a:ext>
+            </a:extLst>
+          </p:cNvPr>
+          <p:cNvSpPr/>
+          <p:nvPr/>
+        </p:nvSpPr>
+        <p:spPr>
+          <a:xfrm>
+            <a:off x="6401879" y="3397124"/>
+            <a:ext cx="3885333" cy="395541"/>
+          </a:xfrm>
+          <a:prstGeom prst="roundRect">
+            <a:avLst/>
+          </a:prstGeom>
+          <a:solidFill>
+            <a:schemeClr val="accent1">
+              <a:lumMod val="20000"/>
+              <a:lumOff val="80000"/>
+            </a:schemeClr>
+          </a:solidFill>
+          <a:ln w="25400">
+            <a:solidFill>
+              <a:schemeClr val="bg1"/>
+            </a:solidFill>
+          </a:ln>
+        </p:spPr>
+        <p:style>
+          <a:lnRef idx="2">
+            <a:schemeClr val="accent6"/>
+          </a:lnRef>
+          <a:fillRef idx="1">
+            <a:schemeClr val="lt1"/>
+          </a:fillRef>
+          <a:effectRef idx="0">
+            <a:schemeClr val="accent6"/>
+          </a:effectRef>
+          <a:fontRef idx="minor">
+            <a:schemeClr val="dk1"/>
+          </a:fontRef>
+        </p:style>
+        <p:txBody>
+          <a:bodyPr rtlCol="0" anchor="ctr"/>
+          <a:lstStyle/>
+          <a:p>
+            <a:pPr algn="ctr"/>
+            <a:r>
+              <a:rPr kumimoji="1" lang="en-US" altLang="ko-Kore-KR" sz="1600" dirty="0"/>
+              <a:t>Parameter Statistics</a:t>
+            </a:r>
+            <a:endParaRPr kumimoji="1" lang="ko-Kore-KR" altLang="en-US" sz="1600" dirty="0"/>
+          </a:p>
+        </p:txBody>
+      </p:sp>
+      <p:sp>
+        <p:nvSpPr>
+          <p:cNvPr id="16" name="모서리가 둥근 직사각형 15">
+            <a:extLst>
+              <a:ext uri="{FF2B5EF4-FFF2-40B4-BE49-F238E27FC236}">
+                <a16:creationId xmlns:a16="http://schemas.microsoft.com/office/drawing/2014/main" id="{4D349EC9-3383-FE4E-8C2D-8CC7C043AB73}"/>
+              </a:ext>
+            </a:extLst>
+          </p:cNvPr>
+          <p:cNvSpPr/>
+          <p:nvPr/>
+        </p:nvSpPr>
+        <p:spPr>
+          <a:xfrm>
+            <a:off x="4583143" y="9268919"/>
+            <a:ext cx="2417446" cy="384722"/>
+          </a:xfrm>
+          <a:prstGeom prst="roundRect">
+            <a:avLst/>
+          </a:prstGeom>
+          <a:solidFill>
+            <a:schemeClr val="accent1">
+              <a:lumMod val="20000"/>
+              <a:lumOff val="80000"/>
+            </a:schemeClr>
+          </a:solidFill>
+          <a:ln w="25400">
+            <a:solidFill>
+              <a:schemeClr val="bg1"/>
+            </a:solidFill>
+          </a:ln>
+        </p:spPr>
+        <p:style>
+          <a:lnRef idx="2">
+            <a:schemeClr val="accent6"/>
+          </a:lnRef>
+          <a:fillRef idx="1">
+            <a:schemeClr val="lt1"/>
+          </a:fillRef>
+          <a:effectRef idx="0">
+            <a:schemeClr val="accent6"/>
+          </a:effectRef>
+          <a:fontRef idx="minor">
+            <a:schemeClr val="dk1"/>
+          </a:fontRef>
+        </p:style>
+        <p:txBody>
+          <a:bodyPr rtlCol="0" anchor="ctr"/>
+          <a:lstStyle/>
+          <a:p>
+            <a:pPr algn="ctr"/>
+            <a:r>
+              <a:rPr kumimoji="1" lang="en-US" altLang="ko-Kore-KR" sz="1600" dirty="0"/>
+              <a:t>Job Data Extractor</a:t>
+            </a:r>
+            <a:endParaRPr kumimoji="1" lang="ko-Kore-KR" altLang="en-US" sz="1600" dirty="0"/>
+          </a:p>
+        </p:txBody>
+      </p:sp>
+      <p:sp>
+        <p:nvSpPr>
+          <p:cNvPr id="17" name="모서리가 둥근 직사각형 16">
+            <a:extLst>
+              <a:ext uri="{FF2B5EF4-FFF2-40B4-BE49-F238E27FC236}">
+                <a16:creationId xmlns:a16="http://schemas.microsoft.com/office/drawing/2014/main" id="{F94E973A-8986-7A43-84CF-4A6B024F6B88}"/>
+              </a:ext>
+            </a:extLst>
+          </p:cNvPr>
+          <p:cNvSpPr/>
+          <p:nvPr/>
+        </p:nvSpPr>
+        <p:spPr>
+          <a:xfrm>
+            <a:off x="4583143" y="9698071"/>
+            <a:ext cx="2417446" cy="384722"/>
+          </a:xfrm>
+          <a:prstGeom prst="roundRect">
+            <a:avLst/>
+          </a:prstGeom>
+          <a:solidFill>
+            <a:schemeClr val="accent1">
+              <a:lumMod val="20000"/>
+              <a:lumOff val="80000"/>
+            </a:schemeClr>
+          </a:solidFill>
+          <a:ln w="25400">
+            <a:solidFill>
+              <a:schemeClr val="bg1"/>
+            </a:solidFill>
+          </a:ln>
+        </p:spPr>
+        <p:style>
+          <a:lnRef idx="2">
+            <a:schemeClr val="accent6"/>
+          </a:lnRef>
+          <a:fillRef idx="1">
+            <a:schemeClr val="lt1"/>
+          </a:fillRef>
+          <a:effectRef idx="0">
+            <a:schemeClr val="accent6"/>
+          </a:effectRef>
+          <a:fontRef idx="minor">
+            <a:schemeClr val="dk1"/>
+          </a:fontRef>
+        </p:style>
+        <p:txBody>
+          <a:bodyPr rtlCol="0" anchor="ctr"/>
+          <a:lstStyle/>
+          <a:p>
+            <a:pPr algn="ctr"/>
+            <a:r>
+              <a:rPr kumimoji="1" lang="en-US" altLang="ko-Kore-KR" sz="1600" dirty="0"/>
+              <a:t>Job Data Parser</a:t>
+            </a:r>
+            <a:endParaRPr kumimoji="1" lang="ko-Kore-KR" altLang="en-US" sz="1600" dirty="0"/>
+          </a:p>
+        </p:txBody>
+      </p:sp>
+      <p:sp>
+        <p:nvSpPr>
+          <p:cNvPr id="18" name="모서리가 둥근 직사각형 17">
+            <a:extLst>
+              <a:ext uri="{FF2B5EF4-FFF2-40B4-BE49-F238E27FC236}">
+                <a16:creationId xmlns:a16="http://schemas.microsoft.com/office/drawing/2014/main" id="{C48CFD87-AADF-E449-BD91-39A3FC521497}"/>
+              </a:ext>
+            </a:extLst>
+          </p:cNvPr>
+          <p:cNvSpPr/>
+          <p:nvPr/>
+        </p:nvSpPr>
+        <p:spPr>
+          <a:xfrm>
+            <a:off x="7035451" y="9279784"/>
+            <a:ext cx="1710309" cy="803011"/>
+          </a:xfrm>
+          <a:prstGeom prst="roundRect">
+            <a:avLst/>
+          </a:prstGeom>
+          <a:solidFill>
+            <a:schemeClr val="accent1">
+              <a:lumMod val="20000"/>
+              <a:lumOff val="80000"/>
+            </a:schemeClr>
+          </a:solidFill>
+          <a:ln w="25400">
+            <a:solidFill>
+              <a:schemeClr val="bg1"/>
+            </a:solidFill>
+          </a:ln>
+        </p:spPr>
+        <p:style>
+          <a:lnRef idx="2">
+            <a:schemeClr val="accent6"/>
+          </a:lnRef>
+          <a:fillRef idx="1">
+            <a:schemeClr val="lt1"/>
+          </a:fillRef>
+          <a:effectRef idx="0">
+            <a:schemeClr val="accent6"/>
+          </a:effectRef>
+          <a:fontRef idx="minor">
+            <a:schemeClr val="dk1"/>
+          </a:fontRef>
+        </p:style>
+        <p:txBody>
+          <a:bodyPr rtlCol="0" anchor="ctr"/>
+          <a:lstStyle/>
+          <a:p>
+            <a:pPr algn="ctr"/>
+            <a:r>
+              <a:rPr kumimoji="1" lang="en-US" altLang="ko-Kore-KR" sz="1600" dirty="0"/>
+              <a:t>EDISON Data Loader</a:t>
+            </a:r>
+            <a:endParaRPr kumimoji="1" lang="ko-Kore-KR" altLang="en-US" sz="1600" dirty="0"/>
+          </a:p>
+        </p:txBody>
+      </p:sp>
       <p:grpSp>
         <p:nvGrpSpPr>
-          <p:cNvPr id="60" name="그룹 59">
+          <p:cNvPr id="21" name="그룹 20">
             <a:extLst>
               <a:ext uri="{FF2B5EF4-FFF2-40B4-BE49-F238E27FC236}">
-                <a16:creationId xmlns:a16="http://schemas.microsoft.com/office/drawing/2014/main" id="{EFAA2672-B34C-BA45-A3B1-0C70EC9EB0F5}"/>
+                <a16:creationId xmlns:a16="http://schemas.microsoft.com/office/drawing/2014/main" id="{88B680FB-96AB-224C-83F2-6493552DE7A4}"/>
               </a:ext>
             </a:extLst>
           </p:cNvPr>
@@ -3361,18 +3924,18 @@
         </p:nvGrpSpPr>
         <p:grpSpPr>
           <a:xfrm>
-            <a:off x="50797" y="60563"/>
-            <a:ext cx="11615896" cy="6350209"/>
-            <a:chOff x="50797" y="60563"/>
-            <a:chExt cx="11615896" cy="6350209"/>
+            <a:off x="4463411" y="8859238"/>
+            <a:ext cx="4417794" cy="1329594"/>
+            <a:chOff x="2704478" y="1764862"/>
+            <a:chExt cx="4417794" cy="1329594"/>
           </a:xfrm>
         </p:grpSpPr>
         <p:sp>
           <p:nvSpPr>
-            <p:cNvPr id="40" name="모서리가 둥근 직사각형 39">
+            <p:cNvPr id="15" name="모서리가 둥근 직사각형 14">
               <a:extLst>
                 <a:ext uri="{FF2B5EF4-FFF2-40B4-BE49-F238E27FC236}">
-                  <a16:creationId xmlns:a16="http://schemas.microsoft.com/office/drawing/2014/main" id="{25BC355F-677B-C349-ADDA-BB2A66454FBC}"/>
+                  <a16:creationId xmlns:a16="http://schemas.microsoft.com/office/drawing/2014/main" id="{835C81CD-3D13-374F-A46F-1F429068B897}"/>
                 </a:ext>
               </a:extLst>
             </p:cNvPr>
@@ -3381,8 +3944,8 @@
           </p:nvSpPr>
           <p:spPr>
             <a:xfrm>
-              <a:off x="6937356" y="2478074"/>
-              <a:ext cx="3349642" cy="300489"/>
+              <a:off x="2704478" y="1764862"/>
+              <a:ext cx="4417794" cy="1329594"/>
             </a:xfrm>
             <a:prstGeom prst="roundRect">
               <a:avLst/>
@@ -3391,6 +3954,7 @@
               <a:schemeClr val="accent1">
                 <a:lumMod val="20000"/>
                 <a:lumOff val="80000"/>
+                <a:alpha val="47000"/>
               </a:schemeClr>
             </a:solidFill>
             <a:ln w="25400">
@@ -3418,197 +3982,16 @@
             <a:lstStyle/>
             <a:p>
               <a:pPr algn="ctr"/>
-              <a:r>
-                <a:rPr kumimoji="1" lang="en-US" altLang="ko-Kore-KR" sz="1600" dirty="0"/>
-                <a:t>Science App Name List API</a:t>
-              </a:r>
-              <a:endParaRPr kumimoji="1" lang="ko-Kore-KR" altLang="en-US" sz="1600" dirty="0"/>
+              <a:endParaRPr kumimoji="1" lang="ko-Kore-KR" altLang="en-US" dirty="0"/>
             </a:p>
           </p:txBody>
         </p:sp>
         <p:sp>
           <p:nvSpPr>
-            <p:cNvPr id="41" name="모서리가 둥근 직사각형 40">
+            <p:cNvPr id="19" name="TextBox 18">
               <a:extLst>
                 <a:ext uri="{FF2B5EF4-FFF2-40B4-BE49-F238E27FC236}">
-                  <a16:creationId xmlns:a16="http://schemas.microsoft.com/office/drawing/2014/main" id="{F0552F79-3891-714B-9BA5-E3D8451DA2C4}"/>
-                </a:ext>
-              </a:extLst>
-            </p:cNvPr>
-            <p:cNvSpPr/>
-            <p:nvPr/>
-          </p:nvSpPr>
-          <p:spPr>
-            <a:xfrm>
-              <a:off x="6937356" y="2782874"/>
-              <a:ext cx="3349642" cy="300489"/>
-            </a:xfrm>
-            <a:prstGeom prst="roundRect">
-              <a:avLst/>
-            </a:prstGeom>
-            <a:solidFill>
-              <a:schemeClr val="accent1">
-                <a:lumMod val="20000"/>
-                <a:lumOff val="80000"/>
-              </a:schemeClr>
-            </a:solidFill>
-            <a:ln w="25400">
-              <a:solidFill>
-                <a:schemeClr val="bg1"/>
-              </a:solidFill>
-            </a:ln>
-          </p:spPr>
-          <p:style>
-            <a:lnRef idx="2">
-              <a:schemeClr val="accent6"/>
-            </a:lnRef>
-            <a:fillRef idx="1">
-              <a:schemeClr val="lt1"/>
-            </a:fillRef>
-            <a:effectRef idx="0">
-              <a:schemeClr val="accent6"/>
-            </a:effectRef>
-            <a:fontRef idx="minor">
-              <a:schemeClr val="dk1"/>
-            </a:fontRef>
-          </p:style>
-          <p:txBody>
-            <a:bodyPr rtlCol="0" anchor="ctr"/>
-            <a:lstStyle/>
-            <a:p>
-              <a:pPr algn="ctr"/>
-              <a:r>
-                <a:rPr kumimoji="1" lang="en-US" altLang="ko-Kore-KR" sz="1600" dirty="0"/>
-                <a:t>Parameter List API</a:t>
-              </a:r>
-              <a:endParaRPr kumimoji="1" lang="ko-Kore-KR" altLang="en-US" sz="1600" dirty="0"/>
-            </a:p>
-          </p:txBody>
-        </p:sp>
-        <p:sp>
-          <p:nvSpPr>
-            <p:cNvPr id="42" name="모서리가 둥근 직사각형 41">
-              <a:extLst>
-                <a:ext uri="{FF2B5EF4-FFF2-40B4-BE49-F238E27FC236}">
-                  <a16:creationId xmlns:a16="http://schemas.microsoft.com/office/drawing/2014/main" id="{D7EDFD4D-D639-A74F-8C68-43CC1D5C4DF8}"/>
-                </a:ext>
-              </a:extLst>
-            </p:cNvPr>
-            <p:cNvSpPr/>
-            <p:nvPr/>
-          </p:nvSpPr>
-          <p:spPr>
-            <a:xfrm>
-              <a:off x="6937356" y="3076788"/>
-              <a:ext cx="3349642" cy="300489"/>
-            </a:xfrm>
-            <a:prstGeom prst="roundRect">
-              <a:avLst/>
-            </a:prstGeom>
-            <a:solidFill>
-              <a:schemeClr val="accent1">
-                <a:lumMod val="20000"/>
-                <a:lumOff val="80000"/>
-              </a:schemeClr>
-            </a:solidFill>
-            <a:ln w="25400">
-              <a:solidFill>
-                <a:schemeClr val="bg1"/>
-              </a:solidFill>
-            </a:ln>
-          </p:spPr>
-          <p:style>
-            <a:lnRef idx="2">
-              <a:schemeClr val="accent6"/>
-            </a:lnRef>
-            <a:fillRef idx="1">
-              <a:schemeClr val="lt1"/>
-            </a:fillRef>
-            <a:effectRef idx="0">
-              <a:schemeClr val="accent6"/>
-            </a:effectRef>
-            <a:fontRef idx="minor">
-              <a:schemeClr val="dk1"/>
-            </a:fontRef>
-          </p:style>
-          <p:txBody>
-            <a:bodyPr rtlCol="0" anchor="ctr"/>
-            <a:lstStyle/>
-            <a:p>
-              <a:pPr algn="ctr"/>
-              <a:r>
-                <a:rPr kumimoji="1" lang="en-US" altLang="ko-Kore-KR" sz="1600" dirty="0"/>
-                <a:t>Estimation Result API</a:t>
-              </a:r>
-              <a:endParaRPr kumimoji="1" lang="ko-Kore-KR" altLang="en-US" sz="1600" dirty="0"/>
-            </a:p>
-          </p:txBody>
-        </p:sp>
-        <p:sp>
-          <p:nvSpPr>
-            <p:cNvPr id="43" name="모서리가 둥근 직사각형 42">
-              <a:extLst>
-                <a:ext uri="{FF2B5EF4-FFF2-40B4-BE49-F238E27FC236}">
-                  <a16:creationId xmlns:a16="http://schemas.microsoft.com/office/drawing/2014/main" id="{6881FCD6-EE43-E14B-B820-F4EEC9065523}"/>
-                </a:ext>
-              </a:extLst>
-            </p:cNvPr>
-            <p:cNvSpPr/>
-            <p:nvPr/>
-          </p:nvSpPr>
-          <p:spPr>
-            <a:xfrm>
-              <a:off x="6937356" y="3381588"/>
-              <a:ext cx="3349642" cy="300489"/>
-            </a:xfrm>
-            <a:prstGeom prst="roundRect">
-              <a:avLst/>
-            </a:prstGeom>
-            <a:solidFill>
-              <a:schemeClr val="accent1">
-                <a:lumMod val="20000"/>
-                <a:lumOff val="80000"/>
-              </a:schemeClr>
-            </a:solidFill>
-            <a:ln w="25400">
-              <a:solidFill>
-                <a:schemeClr val="bg1"/>
-              </a:solidFill>
-            </a:ln>
-          </p:spPr>
-          <p:style>
-            <a:lnRef idx="2">
-              <a:schemeClr val="accent6"/>
-            </a:lnRef>
-            <a:fillRef idx="1">
-              <a:schemeClr val="lt1"/>
-            </a:fillRef>
-            <a:effectRef idx="0">
-              <a:schemeClr val="accent6"/>
-            </a:effectRef>
-            <a:fontRef idx="minor">
-              <a:schemeClr val="dk1"/>
-            </a:fontRef>
-          </p:style>
-          <p:txBody>
-            <a:bodyPr rtlCol="0" anchor="ctr"/>
-            <a:lstStyle/>
-            <a:p>
-              <a:pPr algn="ctr"/>
-              <a:r>
-                <a:rPr kumimoji="1" lang="en-US" altLang="ko-Kore-KR" sz="1600" dirty="0"/>
-                <a:t>Parameter Statistics API</a:t>
-              </a:r>
-              <a:endParaRPr kumimoji="1" lang="ko-Kore-KR" altLang="en-US" sz="1600" dirty="0"/>
-            </a:p>
-          </p:txBody>
-        </p:sp>
-        <p:sp>
-          <p:nvSpPr>
-            <p:cNvPr id="4" name="TextBox 3">
-              <a:extLst>
-                <a:ext uri="{FF2B5EF4-FFF2-40B4-BE49-F238E27FC236}">
-                  <a16:creationId xmlns:a16="http://schemas.microsoft.com/office/drawing/2014/main" id="{AF276189-C796-3B42-BDB8-725EA03D4592}"/>
+                  <a16:creationId xmlns:a16="http://schemas.microsoft.com/office/drawing/2014/main" id="{E07501C7-787A-B14C-972A-6FF15E318A83}"/>
                 </a:ext>
               </a:extLst>
             </p:cNvPr>
@@ -3617,8 +4000,8 @@
           </p:nvSpPr>
           <p:spPr>
             <a:xfrm>
-              <a:off x="78004" y="560200"/>
-              <a:ext cx="2100943" cy="384721"/>
+              <a:off x="4126176" y="1800318"/>
+              <a:ext cx="1780032" cy="369332"/>
             </a:xfrm>
             <a:prstGeom prst="rect">
               <a:avLst/>
@@ -3633,869 +4016,126 @@
             <a:p>
               <a:pPr algn="ctr"/>
               <a:r>
-                <a:rPr kumimoji="1" lang="en-US" altLang="ko-Kore-KR" sz="1900" dirty="0">
-                  <a:solidFill>
-                    <a:schemeClr val="tx1">
-                      <a:lumMod val="75000"/>
-                      <a:lumOff val="25000"/>
-                    </a:schemeClr>
-                  </a:solidFill>
-                </a:rPr>
-                <a:t>Client Layer</a:t>
+                <a:rPr kumimoji="1" lang="en-US" altLang="ko-Kore-KR" dirty="0"/>
+                <a:t>Data Manager</a:t>
               </a:r>
-              <a:endParaRPr kumimoji="1" lang="ko-Kore-KR" altLang="en-US" sz="1900" dirty="0">
-                <a:solidFill>
-                  <a:schemeClr val="tx1">
-                    <a:lumMod val="75000"/>
-                    <a:lumOff val="25000"/>
-                  </a:schemeClr>
-                </a:solidFill>
-              </a:endParaRPr>
+              <a:endParaRPr kumimoji="1" lang="ko-Kore-KR" altLang="en-US" dirty="0"/>
             </a:p>
           </p:txBody>
         </p:sp>
-        <p:cxnSp>
-          <p:nvCxnSpPr>
-            <p:cNvPr id="6" name="직선 연결선[R] 5">
-              <a:extLst>
-                <a:ext uri="{FF2B5EF4-FFF2-40B4-BE49-F238E27FC236}">
-                  <a16:creationId xmlns:a16="http://schemas.microsoft.com/office/drawing/2014/main" id="{5EC26813-4F03-5B4D-BF43-CAC60B52C33A}"/>
-                </a:ext>
-              </a:extLst>
-            </p:cNvPr>
-            <p:cNvCxnSpPr>
-              <a:cxnSpLocks/>
-            </p:cNvCxnSpPr>
-            <p:nvPr/>
-          </p:nvCxnSpPr>
-          <p:spPr>
-            <a:xfrm>
-              <a:off x="413658" y="1582509"/>
-              <a:ext cx="10995932" cy="0"/>
-            </a:xfrm>
-            <a:prstGeom prst="line">
-              <a:avLst/>
-            </a:prstGeom>
-            <a:ln w="38100">
-              <a:solidFill>
-                <a:schemeClr val="tx1">
-                  <a:lumMod val="65000"/>
-                  <a:lumOff val="35000"/>
-                </a:schemeClr>
-              </a:solidFill>
-            </a:ln>
-          </p:spPr>
-          <p:style>
-            <a:lnRef idx="1">
-              <a:schemeClr val="accent1"/>
-            </a:lnRef>
-            <a:fillRef idx="0">
-              <a:schemeClr val="accent1"/>
-            </a:fillRef>
-            <a:effectRef idx="0">
-              <a:schemeClr val="accent1"/>
-            </a:effectRef>
-            <a:fontRef idx="minor">
-              <a:schemeClr val="tx1"/>
-            </a:fontRef>
-          </p:style>
-        </p:cxnSp>
-        <p:sp>
-          <p:nvSpPr>
-            <p:cNvPr id="8" name="TextBox 7">
-              <a:extLst>
-                <a:ext uri="{FF2B5EF4-FFF2-40B4-BE49-F238E27FC236}">
-                  <a16:creationId xmlns:a16="http://schemas.microsoft.com/office/drawing/2014/main" id="{93EF9B37-1775-8243-ACA0-719BBDFF5B1E}"/>
-                </a:ext>
-              </a:extLst>
-            </p:cNvPr>
-            <p:cNvSpPr txBox="1"/>
-            <p:nvPr/>
-          </p:nvSpPr>
-          <p:spPr>
-            <a:xfrm>
-              <a:off x="50797" y="3203236"/>
-              <a:ext cx="2100943" cy="384721"/>
-            </a:xfrm>
-            <a:prstGeom prst="rect">
-              <a:avLst/>
-            </a:prstGeom>
-            <a:noFill/>
-          </p:spPr>
-          <p:txBody>
-            <a:bodyPr wrap="square" rtlCol="0">
-              <a:spAutoFit/>
-            </a:bodyPr>
-            <a:lstStyle/>
-            <a:p>
-              <a:pPr algn="ctr"/>
-              <a:r>
-                <a:rPr kumimoji="1" lang="en-US" altLang="ko-Kore-KR" sz="1900" dirty="0">
-                  <a:solidFill>
-                    <a:schemeClr val="tx1">
-                      <a:lumMod val="75000"/>
-                      <a:lumOff val="25000"/>
-                    </a:schemeClr>
-                  </a:solidFill>
-                </a:rPr>
-                <a:t>Server Layer</a:t>
-              </a:r>
-              <a:endParaRPr kumimoji="1" lang="ko-Kore-KR" altLang="en-US" sz="1900" dirty="0">
-                <a:solidFill>
-                  <a:schemeClr val="tx1">
-                    <a:lumMod val="75000"/>
-                    <a:lumOff val="25000"/>
-                  </a:schemeClr>
-                </a:solidFill>
-              </a:endParaRPr>
-            </a:p>
-          </p:txBody>
-        </p:sp>
-        <p:sp>
-          <p:nvSpPr>
-            <p:cNvPr id="9" name="TextBox 8">
-              <a:extLst>
-                <a:ext uri="{FF2B5EF4-FFF2-40B4-BE49-F238E27FC236}">
-                  <a16:creationId xmlns:a16="http://schemas.microsoft.com/office/drawing/2014/main" id="{66FFC527-1C4E-9D42-9E3B-B9B73B026255}"/>
-                </a:ext>
-              </a:extLst>
-            </p:cNvPr>
-            <p:cNvSpPr txBox="1"/>
-            <p:nvPr/>
-          </p:nvSpPr>
-          <p:spPr>
-            <a:xfrm>
-              <a:off x="391885" y="5563378"/>
-              <a:ext cx="2494189" cy="677108"/>
-            </a:xfrm>
-            <a:prstGeom prst="rect">
-              <a:avLst/>
-            </a:prstGeom>
-            <a:noFill/>
-          </p:spPr>
-          <p:txBody>
-            <a:bodyPr wrap="square" rtlCol="0">
-              <a:spAutoFit/>
-            </a:bodyPr>
-            <a:lstStyle/>
-            <a:p>
-              <a:pPr algn="ctr"/>
-              <a:r>
-                <a:rPr kumimoji="1" lang="en-US" altLang="ko-Kore-KR" sz="1900" dirty="0">
-                  <a:solidFill>
-                    <a:schemeClr val="tx1">
-                      <a:lumMod val="75000"/>
-                      <a:lumOff val="25000"/>
-                    </a:schemeClr>
-                  </a:solidFill>
-                </a:rPr>
-                <a:t>Simulation Provenance Source Layer </a:t>
-              </a:r>
-              <a:endParaRPr kumimoji="1" lang="ko-Kore-KR" altLang="en-US" sz="1900" dirty="0">
-                <a:solidFill>
-                  <a:schemeClr val="tx1">
-                    <a:lumMod val="75000"/>
-                    <a:lumOff val="25000"/>
-                  </a:schemeClr>
-                </a:solidFill>
-              </a:endParaRPr>
-            </a:p>
-          </p:txBody>
-        </p:sp>
-        <p:cxnSp>
-          <p:nvCxnSpPr>
-            <p:cNvPr id="10" name="직선 연결선[R] 9">
-              <a:extLst>
-                <a:ext uri="{FF2B5EF4-FFF2-40B4-BE49-F238E27FC236}">
-                  <a16:creationId xmlns:a16="http://schemas.microsoft.com/office/drawing/2014/main" id="{4B46EF71-A8F5-564B-B4B1-1F38D18C2E2E}"/>
-                </a:ext>
-              </a:extLst>
-            </p:cNvPr>
-            <p:cNvCxnSpPr>
-              <a:cxnSpLocks/>
-            </p:cNvCxnSpPr>
-            <p:nvPr/>
-          </p:nvCxnSpPr>
-          <p:spPr>
-            <a:xfrm>
-              <a:off x="413658" y="5312665"/>
-              <a:ext cx="10995932" cy="0"/>
-            </a:xfrm>
-            <a:prstGeom prst="line">
-              <a:avLst/>
-            </a:prstGeom>
-            <a:ln w="38100">
-              <a:solidFill>
-                <a:schemeClr val="tx1">
-                  <a:lumMod val="65000"/>
-                  <a:lumOff val="35000"/>
-                </a:schemeClr>
-              </a:solidFill>
-            </a:ln>
-          </p:spPr>
-          <p:style>
-            <a:lnRef idx="1">
-              <a:schemeClr val="accent1"/>
-            </a:lnRef>
-            <a:fillRef idx="0">
-              <a:schemeClr val="accent1"/>
-            </a:fillRef>
-            <a:effectRef idx="0">
-              <a:schemeClr val="accent1"/>
-            </a:effectRef>
-            <a:fontRef idx="minor">
-              <a:schemeClr val="tx1"/>
-            </a:fontRef>
-          </p:style>
-        </p:cxnSp>
-        <p:pic>
-          <p:nvPicPr>
-            <p:cNvPr id="11" name="그림 10">
-              <a:extLst>
-                <a:ext uri="{FF2B5EF4-FFF2-40B4-BE49-F238E27FC236}">
-                  <a16:creationId xmlns:a16="http://schemas.microsoft.com/office/drawing/2014/main" id="{BF26E84F-4114-AC45-8423-EE4EDF59CC6C}"/>
-                </a:ext>
-              </a:extLst>
-            </p:cNvPr>
-            <p:cNvPicPr>
-              <a:picLocks noChangeAspect="1"/>
-            </p:cNvPicPr>
-            <p:nvPr/>
-          </p:nvPicPr>
-          <p:blipFill>
-            <a:blip r:embed="rId2"/>
-            <a:stretch>
-              <a:fillRect/>
-            </a:stretch>
-          </p:blipFill>
-          <p:spPr>
-            <a:xfrm>
-              <a:off x="8452124" y="60563"/>
-              <a:ext cx="1210072" cy="1405245"/>
-            </a:xfrm>
-            <a:prstGeom prst="rect">
-              <a:avLst/>
-            </a:prstGeom>
-          </p:spPr>
-        </p:pic>
-        <p:sp>
-          <p:nvSpPr>
-            <p:cNvPr id="12" name="모서리가 둥근 직사각형 11">
-              <a:extLst>
-                <a:ext uri="{FF2B5EF4-FFF2-40B4-BE49-F238E27FC236}">
-                  <a16:creationId xmlns:a16="http://schemas.microsoft.com/office/drawing/2014/main" id="{FACC2F9A-CFDA-5E4C-A5E6-7AD497CC2C6E}"/>
-                </a:ext>
-              </a:extLst>
-            </p:cNvPr>
-            <p:cNvSpPr/>
-            <p:nvPr/>
-          </p:nvSpPr>
-          <p:spPr>
-            <a:xfrm>
-              <a:off x="4090507" y="142401"/>
-              <a:ext cx="4122747" cy="364685"/>
-            </a:xfrm>
-            <a:prstGeom prst="roundRect">
-              <a:avLst/>
-            </a:prstGeom>
+      </p:grpSp>
+      <p:sp>
+        <p:nvSpPr>
+          <p:cNvPr id="22" name="모서리가 둥근 직사각형 21">
+            <a:extLst>
+              <a:ext uri="{FF2B5EF4-FFF2-40B4-BE49-F238E27FC236}">
+                <a16:creationId xmlns:a16="http://schemas.microsoft.com/office/drawing/2014/main" id="{EB0794DE-7C21-EE48-8850-0C9885D0737D}"/>
+              </a:ext>
+            </a:extLst>
+          </p:cNvPr>
+          <p:cNvSpPr/>
+          <p:nvPr/>
+        </p:nvSpPr>
+        <p:spPr>
+          <a:xfrm>
+            <a:off x="6284906" y="10689496"/>
+            <a:ext cx="4122747" cy="424463"/>
+          </a:xfrm>
+          <a:prstGeom prst="roundRect">
+            <a:avLst/>
+          </a:prstGeom>
+          <a:solidFill>
+            <a:schemeClr val="accent1">
+              <a:lumMod val="20000"/>
+              <a:lumOff val="80000"/>
+              <a:alpha val="47000"/>
+            </a:schemeClr>
+          </a:solidFill>
+          <a:ln w="25400">
             <a:solidFill>
-              <a:schemeClr val="accent1">
-                <a:lumMod val="20000"/>
-                <a:lumOff val="80000"/>
-              </a:schemeClr>
+              <a:schemeClr val="bg1"/>
             </a:solidFill>
-            <a:ln w="25400">
-              <a:solidFill>
-                <a:schemeClr val="bg1"/>
-              </a:solidFill>
-            </a:ln>
-          </p:spPr>
-          <p:style>
-            <a:lnRef idx="2">
-              <a:schemeClr val="accent6"/>
-            </a:lnRef>
-            <a:fillRef idx="1">
-              <a:schemeClr val="lt1"/>
-            </a:fillRef>
-            <a:effectRef idx="0">
-              <a:schemeClr val="accent6"/>
-            </a:effectRef>
-            <a:fontRef idx="minor">
-              <a:schemeClr val="dk1"/>
-            </a:fontRef>
-          </p:style>
-          <p:txBody>
-            <a:bodyPr rtlCol="0" anchor="ctr"/>
-            <a:lstStyle/>
-            <a:p>
-              <a:pPr algn="ctr"/>
-              <a:r>
-                <a:rPr kumimoji="1" lang="en-US" altLang="ko-Kore-KR" sz="1600" dirty="0"/>
-                <a:t>Page Introduction</a:t>
-              </a:r>
-              <a:endParaRPr kumimoji="1" lang="ko-Kore-KR" altLang="en-US" sz="1600" dirty="0"/>
-            </a:p>
-          </p:txBody>
-        </p:sp>
-        <p:sp>
-          <p:nvSpPr>
-            <p:cNvPr id="13" name="모서리가 둥근 직사각형 12">
-              <a:extLst>
-                <a:ext uri="{FF2B5EF4-FFF2-40B4-BE49-F238E27FC236}">
-                  <a16:creationId xmlns:a16="http://schemas.microsoft.com/office/drawing/2014/main" id="{E4410442-20D1-3D4A-82AE-C18C01FE2580}"/>
-                </a:ext>
-              </a:extLst>
-            </p:cNvPr>
-            <p:cNvSpPr/>
-            <p:nvPr/>
-          </p:nvSpPr>
-          <p:spPr>
-            <a:xfrm>
-              <a:off x="4090506" y="573512"/>
-              <a:ext cx="4122747" cy="364685"/>
-            </a:xfrm>
-            <a:prstGeom prst="roundRect">
-              <a:avLst/>
-            </a:prstGeom>
-            <a:solidFill>
-              <a:schemeClr val="accent1">
-                <a:lumMod val="20000"/>
-                <a:lumOff val="80000"/>
-              </a:schemeClr>
-            </a:solidFill>
-            <a:ln w="25400">
-              <a:solidFill>
-                <a:schemeClr val="bg1"/>
-              </a:solidFill>
-            </a:ln>
-          </p:spPr>
-          <p:style>
-            <a:lnRef idx="2">
-              <a:schemeClr val="accent6"/>
-            </a:lnRef>
-            <a:fillRef idx="1">
-              <a:schemeClr val="lt1"/>
-            </a:fillRef>
-            <a:effectRef idx="0">
-              <a:schemeClr val="accent6"/>
-            </a:effectRef>
-            <a:fontRef idx="minor">
-              <a:schemeClr val="dk1"/>
-            </a:fontRef>
-          </p:style>
-          <p:txBody>
-            <a:bodyPr rtlCol="0" anchor="ctr"/>
-            <a:lstStyle/>
-            <a:p>
-              <a:pPr algn="ctr"/>
-              <a:r>
-                <a:rPr kumimoji="1" lang="en-US" altLang="ko-Kore-KR" sz="1600" dirty="0"/>
-                <a:t>Execution Time Estimation</a:t>
-              </a:r>
-              <a:endParaRPr kumimoji="1" lang="ko-Kore-KR" altLang="en-US" sz="1600" dirty="0"/>
-            </a:p>
-          </p:txBody>
-        </p:sp>
-        <p:sp>
-          <p:nvSpPr>
-            <p:cNvPr id="14" name="모서리가 둥근 직사각형 13">
-              <a:extLst>
-                <a:ext uri="{FF2B5EF4-FFF2-40B4-BE49-F238E27FC236}">
-                  <a16:creationId xmlns:a16="http://schemas.microsoft.com/office/drawing/2014/main" id="{66A40B4C-2167-114B-AFE6-9BA892D5AF7A}"/>
-                </a:ext>
-              </a:extLst>
-            </p:cNvPr>
-            <p:cNvSpPr/>
-            <p:nvPr/>
-          </p:nvSpPr>
-          <p:spPr>
-            <a:xfrm>
-              <a:off x="4090505" y="1007502"/>
-              <a:ext cx="4122747" cy="364685"/>
-            </a:xfrm>
-            <a:prstGeom prst="roundRect">
-              <a:avLst/>
-            </a:prstGeom>
-            <a:solidFill>
-              <a:schemeClr val="accent1">
-                <a:lumMod val="20000"/>
-                <a:lumOff val="80000"/>
-              </a:schemeClr>
-            </a:solidFill>
-            <a:ln w="25400">
-              <a:solidFill>
-                <a:schemeClr val="bg1"/>
-              </a:solidFill>
-            </a:ln>
-          </p:spPr>
-          <p:style>
-            <a:lnRef idx="2">
-              <a:schemeClr val="accent6"/>
-            </a:lnRef>
-            <a:fillRef idx="1">
-              <a:schemeClr val="lt1"/>
-            </a:fillRef>
-            <a:effectRef idx="0">
-              <a:schemeClr val="accent6"/>
-            </a:effectRef>
-            <a:fontRef idx="minor">
-              <a:schemeClr val="dk1"/>
-            </a:fontRef>
-          </p:style>
-          <p:txBody>
-            <a:bodyPr rtlCol="0" anchor="ctr"/>
-            <a:lstStyle/>
-            <a:p>
-              <a:pPr algn="ctr"/>
-              <a:r>
-                <a:rPr kumimoji="1" lang="en-US" altLang="ko-Kore-KR" sz="1600" dirty="0"/>
-                <a:t>Parameter Statistics</a:t>
-              </a:r>
-              <a:endParaRPr kumimoji="1" lang="ko-Kore-KR" altLang="en-US" sz="1600" dirty="0"/>
-            </a:p>
-          </p:txBody>
-        </p:sp>
-        <p:sp>
-          <p:nvSpPr>
-            <p:cNvPr id="16" name="모서리가 둥근 직사각형 15">
-              <a:extLst>
-                <a:ext uri="{FF2B5EF4-FFF2-40B4-BE49-F238E27FC236}">
-                  <a16:creationId xmlns:a16="http://schemas.microsoft.com/office/drawing/2014/main" id="{4D349EC9-3383-FE4E-8C2D-8CC7C043AB73}"/>
-                </a:ext>
-              </a:extLst>
-            </p:cNvPr>
-            <p:cNvSpPr/>
-            <p:nvPr/>
-          </p:nvSpPr>
-          <p:spPr>
-            <a:xfrm>
-              <a:off x="2233369" y="2179577"/>
-              <a:ext cx="2417446" cy="384722"/>
-            </a:xfrm>
-            <a:prstGeom prst="roundRect">
-              <a:avLst/>
-            </a:prstGeom>
-            <a:solidFill>
-              <a:schemeClr val="accent1">
-                <a:lumMod val="20000"/>
-                <a:lumOff val="80000"/>
-              </a:schemeClr>
-            </a:solidFill>
-            <a:ln w="25400">
-              <a:solidFill>
-                <a:schemeClr val="bg1"/>
-              </a:solidFill>
-            </a:ln>
-          </p:spPr>
-          <p:style>
-            <a:lnRef idx="2">
-              <a:schemeClr val="accent6"/>
-            </a:lnRef>
-            <a:fillRef idx="1">
-              <a:schemeClr val="lt1"/>
-            </a:fillRef>
-            <a:effectRef idx="0">
-              <a:schemeClr val="accent6"/>
-            </a:effectRef>
-            <a:fontRef idx="minor">
-              <a:schemeClr val="dk1"/>
-            </a:fontRef>
-          </p:style>
-          <p:txBody>
-            <a:bodyPr rtlCol="0" anchor="ctr"/>
-            <a:lstStyle/>
-            <a:p>
-              <a:pPr algn="ctr"/>
-              <a:r>
-                <a:rPr kumimoji="1" lang="en-US" altLang="ko-Kore-KR" sz="1600" dirty="0"/>
-                <a:t>Job Data Extractor</a:t>
-              </a:r>
-              <a:endParaRPr kumimoji="1" lang="ko-Kore-KR" altLang="en-US" sz="1600" dirty="0"/>
-            </a:p>
-          </p:txBody>
-        </p:sp>
-        <p:sp>
-          <p:nvSpPr>
-            <p:cNvPr id="17" name="모서리가 둥근 직사각형 16">
-              <a:extLst>
-                <a:ext uri="{FF2B5EF4-FFF2-40B4-BE49-F238E27FC236}">
-                  <a16:creationId xmlns:a16="http://schemas.microsoft.com/office/drawing/2014/main" id="{F94E973A-8986-7A43-84CF-4A6B024F6B88}"/>
-                </a:ext>
-              </a:extLst>
-            </p:cNvPr>
-            <p:cNvSpPr/>
-            <p:nvPr/>
-          </p:nvSpPr>
-          <p:spPr>
-            <a:xfrm>
-              <a:off x="2233369" y="2608729"/>
-              <a:ext cx="2417446" cy="384722"/>
-            </a:xfrm>
-            <a:prstGeom prst="roundRect">
-              <a:avLst/>
-            </a:prstGeom>
-            <a:solidFill>
-              <a:schemeClr val="accent1">
-                <a:lumMod val="20000"/>
-                <a:lumOff val="80000"/>
-              </a:schemeClr>
-            </a:solidFill>
-            <a:ln w="25400">
-              <a:solidFill>
-                <a:schemeClr val="bg1"/>
-              </a:solidFill>
-            </a:ln>
-          </p:spPr>
-          <p:style>
-            <a:lnRef idx="2">
-              <a:schemeClr val="accent6"/>
-            </a:lnRef>
-            <a:fillRef idx="1">
-              <a:schemeClr val="lt1"/>
-            </a:fillRef>
-            <a:effectRef idx="0">
-              <a:schemeClr val="accent6"/>
-            </a:effectRef>
-            <a:fontRef idx="minor">
-              <a:schemeClr val="dk1"/>
-            </a:fontRef>
-          </p:style>
-          <p:txBody>
-            <a:bodyPr rtlCol="0" anchor="ctr"/>
-            <a:lstStyle/>
-            <a:p>
-              <a:pPr algn="ctr"/>
-              <a:r>
-                <a:rPr kumimoji="1" lang="en-US" altLang="ko-Kore-KR" sz="1600" dirty="0"/>
-                <a:t>Job Data Parser</a:t>
-              </a:r>
-              <a:endParaRPr kumimoji="1" lang="ko-Kore-KR" altLang="en-US" sz="1600" dirty="0"/>
-            </a:p>
-          </p:txBody>
-        </p:sp>
-        <p:sp>
-          <p:nvSpPr>
-            <p:cNvPr id="18" name="모서리가 둥근 직사각형 17">
-              <a:extLst>
-                <a:ext uri="{FF2B5EF4-FFF2-40B4-BE49-F238E27FC236}">
-                  <a16:creationId xmlns:a16="http://schemas.microsoft.com/office/drawing/2014/main" id="{C48CFD87-AADF-E449-BD91-39A3FC521497}"/>
-                </a:ext>
-              </a:extLst>
-            </p:cNvPr>
-            <p:cNvSpPr/>
-            <p:nvPr/>
-          </p:nvSpPr>
-          <p:spPr>
-            <a:xfrm>
-              <a:off x="4685675" y="2190440"/>
-              <a:ext cx="1710309" cy="803011"/>
-            </a:xfrm>
-            <a:prstGeom prst="roundRect">
-              <a:avLst/>
-            </a:prstGeom>
-            <a:solidFill>
-              <a:schemeClr val="accent1">
-                <a:lumMod val="20000"/>
-                <a:lumOff val="80000"/>
-              </a:schemeClr>
-            </a:solidFill>
-            <a:ln w="25400">
-              <a:solidFill>
-                <a:schemeClr val="bg1"/>
-              </a:solidFill>
-            </a:ln>
-          </p:spPr>
-          <p:style>
-            <a:lnRef idx="2">
-              <a:schemeClr val="accent6"/>
-            </a:lnRef>
-            <a:fillRef idx="1">
-              <a:schemeClr val="lt1"/>
-            </a:fillRef>
-            <a:effectRef idx="0">
-              <a:schemeClr val="accent6"/>
-            </a:effectRef>
-            <a:fontRef idx="minor">
-              <a:schemeClr val="dk1"/>
-            </a:fontRef>
-          </p:style>
-          <p:txBody>
-            <a:bodyPr rtlCol="0" anchor="ctr"/>
-            <a:lstStyle/>
-            <a:p>
-              <a:pPr algn="ctr"/>
-              <a:r>
-                <a:rPr kumimoji="1" lang="en-US" altLang="ko-Kore-KR" sz="1600" dirty="0"/>
-                <a:t>EDISON Data Loader</a:t>
-              </a:r>
-              <a:endParaRPr kumimoji="1" lang="ko-Kore-KR" altLang="en-US" sz="1600" dirty="0"/>
-            </a:p>
-          </p:txBody>
-        </p:sp>
-        <p:grpSp>
-          <p:nvGrpSpPr>
-            <p:cNvPr id="21" name="그룹 20">
-              <a:extLst>
-                <a:ext uri="{FF2B5EF4-FFF2-40B4-BE49-F238E27FC236}">
-                  <a16:creationId xmlns:a16="http://schemas.microsoft.com/office/drawing/2014/main" id="{88B680FB-96AB-224C-83F2-6493552DE7A4}"/>
-                </a:ext>
-              </a:extLst>
-            </p:cNvPr>
-            <p:cNvGrpSpPr/>
-            <p:nvPr/>
-          </p:nvGrpSpPr>
-          <p:grpSpPr>
-            <a:xfrm>
-              <a:off x="2113637" y="1769896"/>
-              <a:ext cx="4417794" cy="1329594"/>
-              <a:chOff x="2704478" y="1764862"/>
-              <a:chExt cx="4417794" cy="1329594"/>
-            </a:xfrm>
-          </p:grpSpPr>
-          <p:sp>
-            <p:nvSpPr>
-              <p:cNvPr id="15" name="모서리가 둥근 직사각형 14">
-                <a:extLst>
-                  <a:ext uri="{FF2B5EF4-FFF2-40B4-BE49-F238E27FC236}">
-                    <a16:creationId xmlns:a16="http://schemas.microsoft.com/office/drawing/2014/main" id="{835C81CD-3D13-374F-A46F-1F429068B897}"/>
-                  </a:ext>
-                </a:extLst>
-              </p:cNvPr>
-              <p:cNvSpPr/>
-              <p:nvPr/>
-            </p:nvSpPr>
-            <p:spPr>
-              <a:xfrm>
-                <a:off x="2704478" y="1764862"/>
-                <a:ext cx="4417794" cy="1329594"/>
-              </a:xfrm>
-              <a:prstGeom prst="roundRect">
-                <a:avLst/>
-              </a:prstGeom>
-              <a:solidFill>
-                <a:schemeClr val="accent1">
-                  <a:lumMod val="20000"/>
-                  <a:lumOff val="80000"/>
-                  <a:alpha val="47000"/>
-                </a:schemeClr>
-              </a:solidFill>
-              <a:ln w="25400">
-                <a:solidFill>
-                  <a:schemeClr val="bg1"/>
-                </a:solidFill>
-              </a:ln>
-            </p:spPr>
-            <p:style>
-              <a:lnRef idx="2">
-                <a:schemeClr val="accent6"/>
-              </a:lnRef>
-              <a:fillRef idx="1">
-                <a:schemeClr val="lt1"/>
-              </a:fillRef>
-              <a:effectRef idx="0">
-                <a:schemeClr val="accent6"/>
-              </a:effectRef>
-              <a:fontRef idx="minor">
-                <a:schemeClr val="dk1"/>
-              </a:fontRef>
-            </p:style>
-            <p:txBody>
-              <a:bodyPr rtlCol="0" anchor="ctr"/>
-              <a:lstStyle/>
-              <a:p>
-                <a:pPr algn="ctr"/>
-                <a:endParaRPr kumimoji="1" lang="ko-Kore-KR" altLang="en-US" dirty="0"/>
-              </a:p>
-            </p:txBody>
-          </p:sp>
-          <p:sp>
-            <p:nvSpPr>
-              <p:cNvPr id="19" name="TextBox 18">
-                <a:extLst>
-                  <a:ext uri="{FF2B5EF4-FFF2-40B4-BE49-F238E27FC236}">
-                    <a16:creationId xmlns:a16="http://schemas.microsoft.com/office/drawing/2014/main" id="{E07501C7-787A-B14C-972A-6FF15E318A83}"/>
-                  </a:ext>
-                </a:extLst>
-              </p:cNvPr>
-              <p:cNvSpPr txBox="1"/>
-              <p:nvPr/>
-            </p:nvSpPr>
-            <p:spPr>
-              <a:xfrm>
-                <a:off x="4126176" y="1800318"/>
-                <a:ext cx="1780032" cy="369332"/>
-              </a:xfrm>
-              <a:prstGeom prst="rect">
-                <a:avLst/>
-              </a:prstGeom>
-              <a:noFill/>
-            </p:spPr>
-            <p:txBody>
-              <a:bodyPr wrap="square" rtlCol="0">
-                <a:spAutoFit/>
-              </a:bodyPr>
-              <a:lstStyle/>
-              <a:p>
-                <a:pPr algn="ctr"/>
-                <a:r>
-                  <a:rPr kumimoji="1" lang="en-US" altLang="ko-Kore-KR" dirty="0"/>
-                  <a:t>Data Manager</a:t>
-                </a:r>
-                <a:endParaRPr kumimoji="1" lang="ko-Kore-KR" altLang="en-US" dirty="0"/>
-              </a:p>
-            </p:txBody>
-          </p:sp>
-        </p:grpSp>
-        <p:sp>
-          <p:nvSpPr>
-            <p:cNvPr id="22" name="모서리가 둥근 직사각형 21">
-              <a:extLst>
-                <a:ext uri="{FF2B5EF4-FFF2-40B4-BE49-F238E27FC236}">
-                  <a16:creationId xmlns:a16="http://schemas.microsoft.com/office/drawing/2014/main" id="{EB0794DE-7C21-EE48-8850-0C9885D0737D}"/>
-                </a:ext>
-              </a:extLst>
-            </p:cNvPr>
-            <p:cNvSpPr/>
-            <p:nvPr/>
-          </p:nvSpPr>
-          <p:spPr>
-            <a:xfrm>
-              <a:off x="4090506" y="5612097"/>
-              <a:ext cx="4122747" cy="364685"/>
-            </a:xfrm>
-            <a:prstGeom prst="roundRect">
-              <a:avLst/>
-            </a:prstGeom>
-            <a:solidFill>
-              <a:schemeClr val="accent1">
-                <a:lumMod val="20000"/>
-                <a:lumOff val="80000"/>
-              </a:schemeClr>
-            </a:solidFill>
-            <a:ln w="25400">
-              <a:solidFill>
-                <a:schemeClr val="bg1"/>
-              </a:solidFill>
-            </a:ln>
-          </p:spPr>
-          <p:style>
-            <a:lnRef idx="2">
-              <a:schemeClr val="accent6"/>
-            </a:lnRef>
-            <a:fillRef idx="1">
-              <a:schemeClr val="lt1"/>
-            </a:fillRef>
-            <a:effectRef idx="0">
-              <a:schemeClr val="accent6"/>
-            </a:effectRef>
-            <a:fontRef idx="minor">
-              <a:schemeClr val="dk1"/>
-            </a:fontRef>
-          </p:style>
-          <p:txBody>
-            <a:bodyPr rtlCol="0" anchor="ctr"/>
-            <a:lstStyle/>
-            <a:p>
-              <a:pPr algn="ctr"/>
-              <a:r>
-                <a:rPr kumimoji="1" lang="en-US" altLang="ko-Kore-KR" sz="1600" dirty="0"/>
-                <a:t>Row Data</a:t>
-              </a:r>
-              <a:endParaRPr kumimoji="1" lang="ko-Kore-KR" altLang="en-US" sz="1600" dirty="0"/>
-            </a:p>
-          </p:txBody>
-        </p:sp>
-        <p:sp>
-          <p:nvSpPr>
-            <p:cNvPr id="23" name="모서리가 둥근 직사각형 22">
-              <a:extLst>
-                <a:ext uri="{FF2B5EF4-FFF2-40B4-BE49-F238E27FC236}">
-                  <a16:creationId xmlns:a16="http://schemas.microsoft.com/office/drawing/2014/main" id="{9FFC19BC-D650-1345-BB8A-C0FCFF6A846C}"/>
-                </a:ext>
-              </a:extLst>
-            </p:cNvPr>
-            <p:cNvSpPr/>
-            <p:nvPr/>
-          </p:nvSpPr>
-          <p:spPr>
-            <a:xfrm>
-              <a:off x="4090505" y="6046087"/>
-              <a:ext cx="4122747" cy="364685"/>
-            </a:xfrm>
-            <a:prstGeom prst="roundRect">
-              <a:avLst/>
-            </a:prstGeom>
-            <a:solidFill>
-              <a:schemeClr val="accent1">
-                <a:lumMod val="20000"/>
-                <a:lumOff val="80000"/>
-              </a:schemeClr>
-            </a:solidFill>
-            <a:ln w="25400">
-              <a:solidFill>
-                <a:schemeClr val="bg1"/>
-              </a:solidFill>
-            </a:ln>
-          </p:spPr>
-          <p:style>
-            <a:lnRef idx="2">
-              <a:schemeClr val="accent6"/>
-            </a:lnRef>
-            <a:fillRef idx="1">
-              <a:schemeClr val="lt1"/>
-            </a:fillRef>
-            <a:effectRef idx="0">
-              <a:schemeClr val="accent6"/>
-            </a:effectRef>
-            <a:fontRef idx="minor">
-              <a:schemeClr val="dk1"/>
-            </a:fontRef>
-          </p:style>
-          <p:txBody>
-            <a:bodyPr rtlCol="0" anchor="ctr"/>
-            <a:lstStyle/>
-            <a:p>
-              <a:pPr algn="ctr"/>
-              <a:r>
-                <a:rPr kumimoji="1" lang="en-US" altLang="ko-Kore-KR" sz="1600" dirty="0"/>
-                <a:t>Job Data</a:t>
-              </a:r>
-              <a:endParaRPr kumimoji="1" lang="ko-Kore-KR" altLang="en-US" sz="1600" dirty="0"/>
-            </a:p>
-          </p:txBody>
-        </p:sp>
-        <p:pic>
-          <p:nvPicPr>
-            <p:cNvPr id="24" name="그림 23">
-              <a:extLst>
-                <a:ext uri="{FF2B5EF4-FFF2-40B4-BE49-F238E27FC236}">
-                  <a16:creationId xmlns:a16="http://schemas.microsoft.com/office/drawing/2014/main" id="{FDBDE5E3-755C-9D46-BE61-87C18593F5FD}"/>
-                </a:ext>
-              </a:extLst>
-            </p:cNvPr>
-            <p:cNvPicPr>
-              <a:picLocks noChangeAspect="1"/>
-            </p:cNvPicPr>
-            <p:nvPr/>
-          </p:nvPicPr>
-          <p:blipFill>
-            <a:blip r:embed="rId3">
-              <a:alphaModFix amt="90000"/>
-            </a:blip>
-            <a:stretch>
-              <a:fillRect/>
-            </a:stretch>
-          </p:blipFill>
-          <p:spPr>
-            <a:xfrm>
-              <a:off x="9010396" y="5618048"/>
-              <a:ext cx="1803400" cy="792719"/>
-            </a:xfrm>
-            <a:prstGeom prst="rect">
-              <a:avLst/>
-            </a:prstGeom>
-          </p:spPr>
-        </p:pic>
+          </a:ln>
+        </p:spPr>
+        <p:style>
+          <a:lnRef idx="2">
+            <a:schemeClr val="accent6"/>
+          </a:lnRef>
+          <a:fillRef idx="1">
+            <a:schemeClr val="lt1"/>
+          </a:fillRef>
+          <a:effectRef idx="0">
+            <a:schemeClr val="accent6"/>
+          </a:effectRef>
+          <a:fontRef idx="minor">
+            <a:schemeClr val="dk1"/>
+          </a:fontRef>
+        </p:style>
+        <p:txBody>
+          <a:bodyPr rtlCol="0" anchor="ctr"/>
+          <a:lstStyle/>
+          <a:p>
+            <a:pPr algn="ctr"/>
+            <a:r>
+              <a:rPr kumimoji="1" lang="en-US" altLang="ko-Kore-KR" sz="1600" dirty="0"/>
+              <a:t>Simulation Execution Provenance Data</a:t>
+            </a:r>
+            <a:endParaRPr kumimoji="1" lang="ko-Kore-KR" altLang="en-US" sz="1600" dirty="0"/>
+          </a:p>
+        </p:txBody>
+      </p:sp>
+      <p:pic>
+        <p:nvPicPr>
+          <p:cNvPr id="24" name="그림 23">
+            <a:extLst>
+              <a:ext uri="{FF2B5EF4-FFF2-40B4-BE49-F238E27FC236}">
+                <a16:creationId xmlns:a16="http://schemas.microsoft.com/office/drawing/2014/main" id="{FDBDE5E3-755C-9D46-BE61-87C18593F5FD}"/>
+              </a:ext>
+            </a:extLst>
+          </p:cNvPr>
+          <p:cNvPicPr>
+            <a:picLocks noChangeAspect="1"/>
+          </p:cNvPicPr>
+          <p:nvPr/>
+        </p:nvPicPr>
+        <p:blipFill>
+          <a:blip r:embed="rId3">
+            <a:alphaModFix amt="90000"/>
+          </a:blip>
+          <a:stretch>
+            <a:fillRect/>
+          </a:stretch>
+        </p:blipFill>
+        <p:spPr>
+          <a:xfrm>
+            <a:off x="11416229" y="10907395"/>
+            <a:ext cx="1803400" cy="792719"/>
+          </a:xfrm>
+          <a:prstGeom prst="rect">
+            <a:avLst/>
+          </a:prstGeom>
+        </p:spPr>
+      </p:pic>
+      <p:grpSp>
+        <p:nvGrpSpPr>
+          <p:cNvPr id="28" name="그룹 27">
+            <a:extLst>
+              <a:ext uri="{FF2B5EF4-FFF2-40B4-BE49-F238E27FC236}">
+                <a16:creationId xmlns:a16="http://schemas.microsoft.com/office/drawing/2014/main" id="{FD8AE825-D6A5-9942-BE9F-9886BFE09986}"/>
+              </a:ext>
+            </a:extLst>
+          </p:cNvPr>
+          <p:cNvGrpSpPr/>
+          <p:nvPr/>
+        </p:nvGrpSpPr>
+        <p:grpSpPr>
+          <a:xfrm>
+            <a:off x="9285056" y="8863322"/>
+            <a:ext cx="3409996" cy="1432020"/>
+            <a:chOff x="9636868" y="8945218"/>
+            <a:chExt cx="3409996" cy="1432020"/>
+          </a:xfrm>
+        </p:grpSpPr>
         <p:sp>
           <p:nvSpPr>
             <p:cNvPr id="25" name="모서리가 둥근 직사각형 24">
@@ -4510,7 +4150,7 @@
           </p:nvSpPr>
           <p:spPr>
             <a:xfrm>
-              <a:off x="2791983" y="3713732"/>
+              <a:off x="10136133" y="9313092"/>
               <a:ext cx="2417446" cy="317952"/>
             </a:xfrm>
             <a:prstGeom prst="roundRect">
@@ -4549,7 +4189,7 @@
               <a:pPr algn="ctr"/>
               <a:r>
                 <a:rPr kumimoji="1" lang="en-US" altLang="ko-Kore-KR" sz="1600" dirty="0"/>
-                <a:t>Row Data</a:t>
+                <a:t>App List Data</a:t>
               </a:r>
               <a:endParaRPr kumimoji="1" lang="ko-Kore-KR" altLang="en-US" sz="1600" dirty="0"/>
             </a:p>
@@ -4569,7 +4209,7 @@
           </p:nvSpPr>
           <p:spPr>
             <a:xfrm>
-              <a:off x="2791983" y="4056923"/>
+              <a:off x="10136133" y="9656283"/>
               <a:ext cx="2417446" cy="317952"/>
             </a:xfrm>
             <a:prstGeom prst="roundRect">
@@ -4608,7 +4248,7 @@
               <a:pPr algn="ctr"/>
               <a:r>
                 <a:rPr kumimoji="1" lang="en-US" altLang="ko-Kore-KR" sz="1600" dirty="0"/>
-                <a:t>Job Data</a:t>
+                <a:t>Parameter Data</a:t>
               </a:r>
               <a:endParaRPr kumimoji="1" lang="ko-Kore-KR" altLang="en-US" sz="1600" dirty="0"/>
             </a:p>
@@ -4628,7 +4268,7 @@
           </p:nvSpPr>
           <p:spPr>
             <a:xfrm>
-              <a:off x="2791983" y="4394355"/>
+              <a:off x="10136133" y="9993715"/>
               <a:ext cx="2417446" cy="317952"/>
             </a:xfrm>
             <a:prstGeom prst="roundRect">
@@ -4667,66 +4307,7 @@
               <a:pPr algn="ctr"/>
               <a:r>
                 <a:rPr kumimoji="1" lang="en-US" altLang="ko-Kore-KR" sz="1600" dirty="0"/>
-                <a:t>Refined Data</a:t>
-              </a:r>
-              <a:endParaRPr kumimoji="1" lang="ko-Kore-KR" altLang="en-US" sz="1600" dirty="0"/>
-            </a:p>
-          </p:txBody>
-        </p:sp>
-        <p:sp>
-          <p:nvSpPr>
-            <p:cNvPr id="32" name="모서리가 둥근 직사각형 31">
-              <a:extLst>
-                <a:ext uri="{FF2B5EF4-FFF2-40B4-BE49-F238E27FC236}">
-                  <a16:creationId xmlns:a16="http://schemas.microsoft.com/office/drawing/2014/main" id="{247F12B9-47FA-E04A-A034-35D2EC5F5664}"/>
-                </a:ext>
-              </a:extLst>
-            </p:cNvPr>
-            <p:cNvSpPr/>
-            <p:nvPr/>
-          </p:nvSpPr>
-          <p:spPr>
-            <a:xfrm>
-              <a:off x="2791983" y="4732249"/>
-              <a:ext cx="2417446" cy="317952"/>
-            </a:xfrm>
-            <a:prstGeom prst="roundRect">
-              <a:avLst/>
-            </a:prstGeom>
-            <a:solidFill>
-              <a:schemeClr val="accent1">
-                <a:lumMod val="20000"/>
-                <a:lumOff val="80000"/>
-              </a:schemeClr>
-            </a:solidFill>
-            <a:ln w="25400">
-              <a:solidFill>
-                <a:schemeClr val="bg1"/>
-              </a:solidFill>
-            </a:ln>
-          </p:spPr>
-          <p:style>
-            <a:lnRef idx="2">
-              <a:schemeClr val="accent6"/>
-            </a:lnRef>
-            <a:fillRef idx="1">
-              <a:schemeClr val="lt1"/>
-            </a:fillRef>
-            <a:effectRef idx="0">
-              <a:schemeClr val="accent6"/>
-            </a:effectRef>
-            <a:fontRef idx="minor">
-              <a:schemeClr val="dk1"/>
-            </a:fontRef>
-          </p:style>
-          <p:txBody>
-            <a:bodyPr rtlCol="0" anchor="ctr"/>
-            <a:lstStyle/>
-            <a:p>
-              <a:pPr algn="ctr"/>
-              <a:r>
-                <a:rPr kumimoji="1" lang="en-US" altLang="ko-Kore-KR" sz="1600" dirty="0"/>
-                <a:t>Master Data</a:t>
+                <a:t>Runtime Data</a:t>
               </a:r>
               <a:endParaRPr kumimoji="1" lang="ko-Kore-KR" altLang="en-US" sz="1600" dirty="0"/>
             </a:p>
@@ -4746,11 +4327,13 @@
           </p:nvSpPr>
           <p:spPr>
             <a:xfrm>
-              <a:off x="2298697" y="3325564"/>
-              <a:ext cx="3404018" cy="1800010"/>
+              <a:off x="9636868" y="8945218"/>
+              <a:ext cx="3404018" cy="1432020"/>
             </a:xfrm>
             <a:prstGeom prst="roundRect">
-              <a:avLst/>
+              <a:avLst>
+                <a:gd name="adj" fmla="val 11325"/>
+              </a:avLst>
             </a:prstGeom>
             <a:solidFill>
               <a:schemeClr val="accent1">
@@ -4802,8 +4385,8 @@
           </p:nvSpPr>
           <p:spPr>
             <a:xfrm>
-              <a:off x="2889954" y="3346818"/>
-              <a:ext cx="2333788" cy="369332"/>
+              <a:off x="9642847" y="8945218"/>
+              <a:ext cx="3404017" cy="369332"/>
             </a:xfrm>
             <a:prstGeom prst="rect">
               <a:avLst/>
@@ -4819,18 +4402,98 @@
               <a:pPr algn="ctr"/>
               <a:r>
                 <a:rPr kumimoji="1" lang="en-US" altLang="ko-Kore-KR" dirty="0"/>
-                <a:t>Simulation Database</a:t>
+                <a:t>Simulation Provenance Database</a:t>
               </a:r>
               <a:endParaRPr kumimoji="1" lang="ko-Kore-KR" altLang="en-US" dirty="0"/>
             </a:p>
           </p:txBody>
         </p:sp>
+      </p:grpSp>
+      <p:sp>
+        <p:nvSpPr>
+          <p:cNvPr id="34" name="모서리가 둥근 직사각형 33">
+            <a:extLst>
+              <a:ext uri="{FF2B5EF4-FFF2-40B4-BE49-F238E27FC236}">
+                <a16:creationId xmlns:a16="http://schemas.microsoft.com/office/drawing/2014/main" id="{CA34E75E-0ACC-8140-82CE-AF4EBFC0525F}"/>
+              </a:ext>
+            </a:extLst>
+          </p:cNvPr>
+          <p:cNvSpPr/>
+          <p:nvPr/>
+        </p:nvSpPr>
+        <p:spPr>
+          <a:xfrm>
+            <a:off x="6740762" y="4717473"/>
+            <a:ext cx="3349642" cy="300489"/>
+          </a:xfrm>
+          <a:prstGeom prst="roundRect">
+            <a:avLst/>
+          </a:prstGeom>
+          <a:solidFill>
+            <a:schemeClr val="accent1">
+              <a:lumMod val="20000"/>
+              <a:lumOff val="80000"/>
+            </a:schemeClr>
+          </a:solidFill>
+          <a:ln w="25400">
+            <a:solidFill>
+              <a:schemeClr val="bg1"/>
+            </a:solidFill>
+          </a:ln>
+        </p:spPr>
+        <p:style>
+          <a:lnRef idx="2">
+            <a:schemeClr val="accent6"/>
+          </a:lnRef>
+          <a:fillRef idx="1">
+            <a:schemeClr val="lt1"/>
+          </a:fillRef>
+          <a:effectRef idx="0">
+            <a:schemeClr val="accent6"/>
+          </a:effectRef>
+          <a:fontRef idx="minor">
+            <a:schemeClr val="dk1"/>
+          </a:fontRef>
+        </p:style>
+        <p:txBody>
+          <a:bodyPr rtlCol="0" anchor="ctr"/>
+          <a:lstStyle/>
+          <a:p>
+            <a:pPr algn="ctr"/>
+            <a:r>
+              <a:rPr kumimoji="1" lang="en-US" altLang="ko-Kore-KR" sz="1600" dirty="0"/>
+              <a:t>SCE Area List API</a:t>
+            </a:r>
+            <a:endParaRPr kumimoji="1" lang="ko-Kore-KR" altLang="en-US" sz="1600" dirty="0"/>
+          </a:p>
+        </p:txBody>
+      </p:sp>
+      <p:grpSp>
+        <p:nvGrpSpPr>
+          <p:cNvPr id="37" name="그룹 36">
+            <a:extLst>
+              <a:ext uri="{FF2B5EF4-FFF2-40B4-BE49-F238E27FC236}">
+                <a16:creationId xmlns:a16="http://schemas.microsoft.com/office/drawing/2014/main" id="{B22A9CE3-3DE6-CF46-B5F3-BF9999E87D9A}"/>
+              </a:ext>
+            </a:extLst>
+          </p:cNvPr>
+          <p:cNvGrpSpPr/>
+          <p:nvPr/>
+        </p:nvGrpSpPr>
+        <p:grpSpPr>
+          <a:xfrm>
+            <a:off x="6401880" y="4290057"/>
+            <a:ext cx="3937470" cy="2111150"/>
+            <a:chOff x="2988857" y="1789726"/>
+            <a:chExt cx="3937470" cy="2111150"/>
+          </a:xfrm>
+        </p:grpSpPr>
         <p:sp>
           <p:nvSpPr>
-            <p:cNvPr id="34" name="모서리가 둥근 직사각형 33">
+            <p:cNvPr id="38" name="모서리가 둥근 직사각형 37">
               <a:extLst>
                 <a:ext uri="{FF2B5EF4-FFF2-40B4-BE49-F238E27FC236}">
-                  <a16:creationId xmlns:a16="http://schemas.microsoft.com/office/drawing/2014/main" id="{CA34E75E-0ACC-8140-82CE-AF4EBFC0525F}"/>
+                  <a16:creationId xmlns:a16="http://schemas.microsoft.com/office/drawing/2014/main" id="{D05F46A4-C4BD-844B-A885-6C8320CFA580}"/>
                 </a:ext>
               </a:extLst>
             </p:cNvPr>
@@ -4839,299 +4502,8 @@
           </p:nvSpPr>
           <p:spPr>
             <a:xfrm>
-              <a:off x="6937356" y="2179577"/>
-              <a:ext cx="3349642" cy="300489"/>
-            </a:xfrm>
-            <a:prstGeom prst="roundRect">
-              <a:avLst/>
-            </a:prstGeom>
-            <a:solidFill>
-              <a:schemeClr val="accent1">
-                <a:lumMod val="20000"/>
-                <a:lumOff val="80000"/>
-              </a:schemeClr>
-            </a:solidFill>
-            <a:ln w="25400">
-              <a:solidFill>
-                <a:schemeClr val="bg1"/>
-              </a:solidFill>
-            </a:ln>
-          </p:spPr>
-          <p:style>
-            <a:lnRef idx="2">
-              <a:schemeClr val="accent6"/>
-            </a:lnRef>
-            <a:fillRef idx="1">
-              <a:schemeClr val="lt1"/>
-            </a:fillRef>
-            <a:effectRef idx="0">
-              <a:schemeClr val="accent6"/>
-            </a:effectRef>
-            <a:fontRef idx="minor">
-              <a:schemeClr val="dk1"/>
-            </a:fontRef>
-          </p:style>
-          <p:txBody>
-            <a:bodyPr rtlCol="0" anchor="ctr"/>
-            <a:lstStyle/>
-            <a:p>
-              <a:pPr algn="ctr"/>
-              <a:r>
-                <a:rPr kumimoji="1" lang="en-US" altLang="ko-Kore-KR" sz="1600" dirty="0"/>
-                <a:t>Science and Engineering Area List API</a:t>
-              </a:r>
-              <a:endParaRPr kumimoji="1" lang="ko-Kore-KR" altLang="en-US" sz="1600" dirty="0"/>
-            </a:p>
-          </p:txBody>
-        </p:sp>
-        <p:grpSp>
-          <p:nvGrpSpPr>
-            <p:cNvPr id="37" name="그룹 36">
-              <a:extLst>
-                <a:ext uri="{FF2B5EF4-FFF2-40B4-BE49-F238E27FC236}">
-                  <a16:creationId xmlns:a16="http://schemas.microsoft.com/office/drawing/2014/main" id="{B22A9CE3-3DE6-CF46-B5F3-BF9999E87D9A}"/>
-                </a:ext>
-              </a:extLst>
-            </p:cNvPr>
-            <p:cNvGrpSpPr/>
-            <p:nvPr/>
-          </p:nvGrpSpPr>
-          <p:grpSpPr>
-            <a:xfrm>
-              <a:off x="6643442" y="1752163"/>
+              <a:off x="2988857" y="1789726"/>
               <a:ext cx="3937470" cy="2111150"/>
-              <a:chOff x="2988857" y="1789726"/>
-              <a:chExt cx="3937470" cy="2111150"/>
-            </a:xfrm>
-          </p:grpSpPr>
-          <p:sp>
-            <p:nvSpPr>
-              <p:cNvPr id="38" name="모서리가 둥근 직사각형 37">
-                <a:extLst>
-                  <a:ext uri="{FF2B5EF4-FFF2-40B4-BE49-F238E27FC236}">
-                    <a16:creationId xmlns:a16="http://schemas.microsoft.com/office/drawing/2014/main" id="{D05F46A4-C4BD-844B-A885-6C8320CFA580}"/>
-                  </a:ext>
-                </a:extLst>
-              </p:cNvPr>
-              <p:cNvSpPr/>
-              <p:nvPr/>
-            </p:nvSpPr>
-            <p:spPr>
-              <a:xfrm>
-                <a:off x="2988857" y="1789726"/>
-                <a:ext cx="3937470" cy="2111150"/>
-              </a:xfrm>
-              <a:prstGeom prst="roundRect">
-                <a:avLst/>
-              </a:prstGeom>
-              <a:solidFill>
-                <a:schemeClr val="accent1">
-                  <a:lumMod val="20000"/>
-                  <a:lumOff val="80000"/>
-                  <a:alpha val="47000"/>
-                </a:schemeClr>
-              </a:solidFill>
-              <a:ln w="25400">
-                <a:solidFill>
-                  <a:schemeClr val="bg1"/>
-                </a:solidFill>
-              </a:ln>
-            </p:spPr>
-            <p:style>
-              <a:lnRef idx="2">
-                <a:schemeClr val="accent6"/>
-              </a:lnRef>
-              <a:fillRef idx="1">
-                <a:schemeClr val="lt1"/>
-              </a:fillRef>
-              <a:effectRef idx="0">
-                <a:schemeClr val="accent6"/>
-              </a:effectRef>
-              <a:fontRef idx="minor">
-                <a:schemeClr val="dk1"/>
-              </a:fontRef>
-            </p:style>
-            <p:txBody>
-              <a:bodyPr rtlCol="0" anchor="ctr"/>
-              <a:lstStyle/>
-              <a:p>
-                <a:pPr algn="ctr"/>
-                <a:endParaRPr kumimoji="1" lang="ko-Kore-KR" altLang="en-US" dirty="0"/>
-              </a:p>
-            </p:txBody>
-          </p:sp>
-          <p:sp>
-            <p:nvSpPr>
-              <p:cNvPr id="39" name="TextBox 38">
-                <a:extLst>
-                  <a:ext uri="{FF2B5EF4-FFF2-40B4-BE49-F238E27FC236}">
-                    <a16:creationId xmlns:a16="http://schemas.microsoft.com/office/drawing/2014/main" id="{503495E3-742B-EE4B-ADA5-63FF22985A14}"/>
-                  </a:ext>
-                </a:extLst>
-              </p:cNvPr>
-              <p:cNvSpPr txBox="1"/>
-              <p:nvPr/>
-            </p:nvSpPr>
-            <p:spPr>
-              <a:xfrm>
-                <a:off x="3715657" y="1800318"/>
-                <a:ext cx="2601070" cy="369332"/>
-              </a:xfrm>
-              <a:prstGeom prst="rect">
-                <a:avLst/>
-              </a:prstGeom>
-              <a:noFill/>
-            </p:spPr>
-            <p:txBody>
-              <a:bodyPr wrap="square" rtlCol="0">
-                <a:spAutoFit/>
-              </a:bodyPr>
-              <a:lstStyle/>
-              <a:p>
-                <a:pPr algn="ctr"/>
-                <a:r>
-                  <a:rPr kumimoji="1" lang="en-US" altLang="ko-Kore-KR" dirty="0"/>
-                  <a:t>REST API Table</a:t>
-                </a:r>
-                <a:endParaRPr kumimoji="1" lang="ko-Kore-KR" altLang="en-US" dirty="0"/>
-              </a:p>
-            </p:txBody>
-          </p:sp>
-        </p:grpSp>
-        <p:sp>
-          <p:nvSpPr>
-            <p:cNvPr id="44" name="모서리가 둥근 직사각형 43">
-              <a:extLst>
-                <a:ext uri="{FF2B5EF4-FFF2-40B4-BE49-F238E27FC236}">
-                  <a16:creationId xmlns:a16="http://schemas.microsoft.com/office/drawing/2014/main" id="{86B6D583-0B27-B34E-9A8A-6E36ECA4EEEB}"/>
-                </a:ext>
-              </a:extLst>
-            </p:cNvPr>
-            <p:cNvSpPr/>
-            <p:nvPr/>
-          </p:nvSpPr>
-          <p:spPr>
-            <a:xfrm>
-              <a:off x="7433064" y="4417523"/>
-              <a:ext cx="2417446" cy="317952"/>
-            </a:xfrm>
-            <a:prstGeom prst="roundRect">
-              <a:avLst/>
-            </a:prstGeom>
-            <a:solidFill>
-              <a:schemeClr val="accent1">
-                <a:lumMod val="20000"/>
-                <a:lumOff val="80000"/>
-              </a:schemeClr>
-            </a:solidFill>
-            <a:ln w="25400">
-              <a:solidFill>
-                <a:schemeClr val="bg1"/>
-              </a:solidFill>
-            </a:ln>
-          </p:spPr>
-          <p:style>
-            <a:lnRef idx="2">
-              <a:schemeClr val="accent6"/>
-            </a:lnRef>
-            <a:fillRef idx="1">
-              <a:schemeClr val="lt1"/>
-            </a:fillRef>
-            <a:effectRef idx="0">
-              <a:schemeClr val="accent6"/>
-            </a:effectRef>
-            <a:fontRef idx="minor">
-              <a:schemeClr val="dk1"/>
-            </a:fontRef>
-          </p:style>
-          <p:txBody>
-            <a:bodyPr rtlCol="0" anchor="ctr"/>
-            <a:lstStyle/>
-            <a:p>
-              <a:pPr algn="ctr"/>
-              <a:r>
-                <a:rPr kumimoji="1" lang="en-US" altLang="ko-Kore-KR" sz="1600" dirty="0"/>
-                <a:t>R Language Wrapper</a:t>
-              </a:r>
-              <a:endParaRPr kumimoji="1" lang="ko-Kore-KR" altLang="en-US" sz="1600" dirty="0"/>
-            </a:p>
-          </p:txBody>
-        </p:sp>
-        <p:sp>
-          <p:nvSpPr>
-            <p:cNvPr id="45" name="모서리가 둥근 직사각형 44">
-              <a:extLst>
-                <a:ext uri="{FF2B5EF4-FFF2-40B4-BE49-F238E27FC236}">
-                  <a16:creationId xmlns:a16="http://schemas.microsoft.com/office/drawing/2014/main" id="{CDF9ED22-F9E6-7F4B-AE08-1B0865FF98F2}"/>
-                </a:ext>
-              </a:extLst>
-            </p:cNvPr>
-            <p:cNvSpPr/>
-            <p:nvPr/>
-          </p:nvSpPr>
-          <p:spPr>
-            <a:xfrm>
-              <a:off x="7433064" y="4760714"/>
-              <a:ext cx="2417446" cy="317952"/>
-            </a:xfrm>
-            <a:prstGeom prst="roundRect">
-              <a:avLst/>
-            </a:prstGeom>
-            <a:solidFill>
-              <a:schemeClr val="accent1">
-                <a:lumMod val="20000"/>
-                <a:lumOff val="80000"/>
-              </a:schemeClr>
-            </a:solidFill>
-            <a:ln w="25400">
-              <a:solidFill>
-                <a:schemeClr val="bg1"/>
-              </a:solidFill>
-            </a:ln>
-          </p:spPr>
-          <p:style>
-            <a:lnRef idx="2">
-              <a:schemeClr val="accent6"/>
-            </a:lnRef>
-            <a:fillRef idx="1">
-              <a:schemeClr val="lt1"/>
-            </a:fillRef>
-            <a:effectRef idx="0">
-              <a:schemeClr val="accent6"/>
-            </a:effectRef>
-            <a:fontRef idx="minor">
-              <a:schemeClr val="dk1"/>
-            </a:fontRef>
-          </p:style>
-          <p:txBody>
-            <a:bodyPr rtlCol="0" anchor="ctr"/>
-            <a:lstStyle/>
-            <a:p>
-              <a:pPr algn="ctr"/>
-              <a:r>
-                <a:rPr kumimoji="1" lang="en-US" altLang="ko-Kore-KR" sz="1600" dirty="0"/>
-                <a:t>R Executer</a:t>
-              </a:r>
-              <a:endParaRPr kumimoji="1" lang="ko-Kore-KR" altLang="en-US" sz="1600" dirty="0"/>
-            </a:p>
-          </p:txBody>
-        </p:sp>
-        <p:sp>
-          <p:nvSpPr>
-            <p:cNvPr id="48" name="모서리가 둥근 직사각형 47">
-              <a:extLst>
-                <a:ext uri="{FF2B5EF4-FFF2-40B4-BE49-F238E27FC236}">
-                  <a16:creationId xmlns:a16="http://schemas.microsoft.com/office/drawing/2014/main" id="{4A029A68-CE87-9144-BE2E-BA0A7364ACEF}"/>
-                </a:ext>
-              </a:extLst>
-            </p:cNvPr>
-            <p:cNvSpPr/>
-            <p:nvPr/>
-          </p:nvSpPr>
-          <p:spPr>
-            <a:xfrm>
-              <a:off x="7232992" y="3990782"/>
-              <a:ext cx="2810617" cy="1194574"/>
             </a:xfrm>
             <a:prstGeom prst="roundRect">
               <a:avLst/>
@@ -5174,10 +4546,10 @@
         </p:sp>
         <p:sp>
           <p:nvSpPr>
-            <p:cNvPr id="49" name="TextBox 48">
+            <p:cNvPr id="39" name="TextBox 38">
               <a:extLst>
                 <a:ext uri="{FF2B5EF4-FFF2-40B4-BE49-F238E27FC236}">
-                  <a16:creationId xmlns:a16="http://schemas.microsoft.com/office/drawing/2014/main" id="{C7EFF470-1C82-6A47-85C1-71693CE5B4A3}"/>
+                  <a16:creationId xmlns:a16="http://schemas.microsoft.com/office/drawing/2014/main" id="{503495E3-742B-EE4B-ADA5-63FF22985A14}"/>
                 </a:ext>
               </a:extLst>
             </p:cNvPr>
@@ -5186,8 +4558,8 @@
           </p:nvSpPr>
           <p:spPr>
             <a:xfrm>
-              <a:off x="7531035" y="4050609"/>
-              <a:ext cx="2333788" cy="369332"/>
+              <a:off x="3715657" y="1800318"/>
+              <a:ext cx="2601070" cy="369332"/>
             </a:xfrm>
             <a:prstGeom prst="rect">
               <a:avLst/>
@@ -5203,108 +4575,393 @@
               <a:pPr algn="ctr"/>
               <a:r>
                 <a:rPr kumimoji="1" lang="en-US" altLang="ko-Kore-KR" dirty="0"/>
-                <a:t>Simulation Estimator</a:t>
+                <a:t>REST API List</a:t>
               </a:r>
               <a:endParaRPr kumimoji="1" lang="ko-Kore-KR" altLang="en-US" dirty="0"/>
             </a:p>
           </p:txBody>
         </p:sp>
-        <p:pic>
-          <p:nvPicPr>
-            <p:cNvPr id="51" name="그림 50">
+      </p:grpSp>
+      <p:sp>
+        <p:nvSpPr>
+          <p:cNvPr id="44" name="모서리가 둥근 직사각형 43">
+            <a:extLst>
+              <a:ext uri="{FF2B5EF4-FFF2-40B4-BE49-F238E27FC236}">
+                <a16:creationId xmlns:a16="http://schemas.microsoft.com/office/drawing/2014/main" id="{86B6D583-0B27-B34E-9A8A-6E36ECA4EEEB}"/>
+              </a:ext>
+            </a:extLst>
+          </p:cNvPr>
+          <p:cNvSpPr/>
+          <p:nvPr/>
+        </p:nvSpPr>
+        <p:spPr>
+          <a:xfrm>
+            <a:off x="6740762" y="7267454"/>
+            <a:ext cx="984735" cy="635724"/>
+          </a:xfrm>
+          <a:prstGeom prst="roundRect">
+            <a:avLst/>
+          </a:prstGeom>
+          <a:solidFill>
+            <a:schemeClr val="accent1">
+              <a:lumMod val="20000"/>
+              <a:lumOff val="80000"/>
+            </a:schemeClr>
+          </a:solidFill>
+          <a:ln w="25400">
+            <a:solidFill>
+              <a:schemeClr val="bg1"/>
+            </a:solidFill>
+          </a:ln>
+        </p:spPr>
+        <p:style>
+          <a:lnRef idx="2">
+            <a:schemeClr val="accent6"/>
+          </a:lnRef>
+          <a:fillRef idx="1">
+            <a:schemeClr val="lt1"/>
+          </a:fillRef>
+          <a:effectRef idx="0">
+            <a:schemeClr val="accent6"/>
+          </a:effectRef>
+          <a:fontRef idx="minor">
+            <a:schemeClr val="dk1"/>
+          </a:fontRef>
+        </p:style>
+        <p:txBody>
+          <a:bodyPr rtlCol="0" anchor="ctr"/>
+          <a:lstStyle/>
+          <a:p>
+            <a:pPr algn="ctr"/>
+            <a:r>
+              <a:rPr kumimoji="1" lang="en-US" altLang="ko-Kore-KR" sz="1600" dirty="0"/>
+              <a:t>Training</a:t>
+            </a:r>
+            <a:endParaRPr kumimoji="1" lang="ko-Kore-KR" altLang="en-US" sz="1600" dirty="0"/>
+          </a:p>
+        </p:txBody>
+      </p:sp>
+      <p:sp>
+        <p:nvSpPr>
+          <p:cNvPr id="48" name="모서리가 둥근 직사각형 47">
+            <a:extLst>
+              <a:ext uri="{FF2B5EF4-FFF2-40B4-BE49-F238E27FC236}">
+                <a16:creationId xmlns:a16="http://schemas.microsoft.com/office/drawing/2014/main" id="{4A029A68-CE87-9144-BE2E-BA0A7364ACEF}"/>
+              </a:ext>
+            </a:extLst>
+          </p:cNvPr>
+          <p:cNvSpPr/>
+          <p:nvPr/>
+        </p:nvSpPr>
+        <p:spPr>
+          <a:xfrm>
+            <a:off x="6600981" y="6865375"/>
+            <a:ext cx="3813557" cy="1169910"/>
+          </a:xfrm>
+          <a:prstGeom prst="roundRect">
+            <a:avLst/>
+          </a:prstGeom>
+          <a:solidFill>
+            <a:schemeClr val="accent1">
+              <a:lumMod val="20000"/>
+              <a:lumOff val="80000"/>
+              <a:alpha val="47000"/>
+            </a:schemeClr>
+          </a:solidFill>
+          <a:ln w="25400">
+            <a:solidFill>
+              <a:schemeClr val="bg1"/>
+            </a:solidFill>
+          </a:ln>
+        </p:spPr>
+        <p:style>
+          <a:lnRef idx="2">
+            <a:schemeClr val="accent6"/>
+          </a:lnRef>
+          <a:fillRef idx="1">
+            <a:schemeClr val="lt1"/>
+          </a:fillRef>
+          <a:effectRef idx="0">
+            <a:schemeClr val="accent6"/>
+          </a:effectRef>
+          <a:fontRef idx="minor">
+            <a:schemeClr val="dk1"/>
+          </a:fontRef>
+        </p:style>
+        <p:txBody>
+          <a:bodyPr rtlCol="0" anchor="ctr"/>
+          <a:lstStyle/>
+          <a:p>
+            <a:pPr algn="ctr"/>
+            <a:endParaRPr kumimoji="1" lang="ko-Kore-KR" altLang="en-US" dirty="0"/>
+          </a:p>
+        </p:txBody>
+      </p:sp>
+      <p:sp>
+        <p:nvSpPr>
+          <p:cNvPr id="49" name="TextBox 48">
+            <a:extLst>
+              <a:ext uri="{FF2B5EF4-FFF2-40B4-BE49-F238E27FC236}">
+                <a16:creationId xmlns:a16="http://schemas.microsoft.com/office/drawing/2014/main" id="{C7EFF470-1C82-6A47-85C1-71693CE5B4A3}"/>
+              </a:ext>
+            </a:extLst>
+          </p:cNvPr>
+          <p:cNvSpPr txBox="1"/>
+          <p:nvPr/>
+        </p:nvSpPr>
+        <p:spPr>
+          <a:xfrm>
+            <a:off x="6649454" y="6900540"/>
+            <a:ext cx="3689896" cy="369332"/>
+          </a:xfrm>
+          <a:prstGeom prst="rect">
+            <a:avLst/>
+          </a:prstGeom>
+          <a:noFill/>
+        </p:spPr>
+        <p:txBody>
+          <a:bodyPr wrap="square" rtlCol="0">
+            <a:spAutoFit/>
+          </a:bodyPr>
+          <a:lstStyle/>
+          <a:p>
+            <a:pPr algn="ctr"/>
+            <a:r>
+              <a:rPr kumimoji="1" lang="en-US" altLang="ko-Kore-KR" dirty="0"/>
+              <a:t>Simulation Execution Time Estimator</a:t>
+            </a:r>
+            <a:endParaRPr kumimoji="1" lang="ko-Kore-KR" altLang="en-US" dirty="0"/>
+          </a:p>
+        </p:txBody>
+      </p:sp>
+      <p:pic>
+        <p:nvPicPr>
+          <p:cNvPr id="51" name="그림 50">
+            <a:extLst>
+              <a:ext uri="{FF2B5EF4-FFF2-40B4-BE49-F238E27FC236}">
+                <a16:creationId xmlns:a16="http://schemas.microsoft.com/office/drawing/2014/main" id="{C41B09DC-0E87-5647-9279-41F8CC50278E}"/>
+              </a:ext>
+            </a:extLst>
+          </p:cNvPr>
+          <p:cNvPicPr>
+            <a:picLocks noChangeAspect="1"/>
+          </p:cNvPicPr>
+          <p:nvPr/>
+        </p:nvPicPr>
+        <p:blipFill>
+          <a:blip r:embed="rId4"/>
+          <a:stretch>
+            <a:fillRect/>
+          </a:stretch>
+        </p:blipFill>
+        <p:spPr>
+          <a:xfrm>
+            <a:off x="5585475" y="6598997"/>
+            <a:ext cx="973084" cy="885236"/>
+          </a:xfrm>
+          <a:prstGeom prst="rect">
+            <a:avLst/>
+          </a:prstGeom>
+        </p:spPr>
+      </p:pic>
+      <p:pic>
+        <p:nvPicPr>
+          <p:cNvPr id="52" name="그림 51">
+            <a:extLst>
+              <a:ext uri="{FF2B5EF4-FFF2-40B4-BE49-F238E27FC236}">
+                <a16:creationId xmlns:a16="http://schemas.microsoft.com/office/drawing/2014/main" id="{08D9CBA4-89A8-6843-B68F-4DFB26ED6118}"/>
+              </a:ext>
+            </a:extLst>
+          </p:cNvPr>
+          <p:cNvPicPr>
+            <a:picLocks noChangeAspect="1"/>
+          </p:cNvPicPr>
+          <p:nvPr/>
+        </p:nvPicPr>
+        <p:blipFill>
+          <a:blip r:embed="rId5"/>
+          <a:stretch>
+            <a:fillRect/>
+          </a:stretch>
+        </p:blipFill>
+        <p:spPr>
+          <a:xfrm>
+            <a:off x="11894488" y="8338106"/>
+            <a:ext cx="1233999" cy="484915"/>
+          </a:xfrm>
+          <a:prstGeom prst="rect">
+            <a:avLst/>
+          </a:prstGeom>
+        </p:spPr>
+      </p:pic>
+      <p:pic>
+        <p:nvPicPr>
+          <p:cNvPr id="53" name="그림 52">
+            <a:extLst>
+              <a:ext uri="{FF2B5EF4-FFF2-40B4-BE49-F238E27FC236}">
+                <a16:creationId xmlns:a16="http://schemas.microsoft.com/office/drawing/2014/main" id="{4C4495EB-BA86-7041-B7A9-9AA789FD2632}"/>
+              </a:ext>
+            </a:extLst>
+          </p:cNvPr>
+          <p:cNvPicPr>
+            <a:picLocks noChangeAspect="1"/>
+          </p:cNvPicPr>
+          <p:nvPr/>
+        </p:nvPicPr>
+        <p:blipFill>
+          <a:blip r:embed="rId6"/>
+          <a:stretch>
+            <a:fillRect/>
+          </a:stretch>
+        </p:blipFill>
+        <p:spPr>
+          <a:xfrm>
+            <a:off x="10384320" y="4300649"/>
+            <a:ext cx="1085781" cy="752736"/>
+          </a:xfrm>
+          <a:prstGeom prst="rect">
+            <a:avLst/>
+          </a:prstGeom>
+        </p:spPr>
+      </p:pic>
+      <p:sp>
+        <p:nvSpPr>
+          <p:cNvPr id="55" name="아래쪽 화살표[D] 54">
+            <a:extLst>
+              <a:ext uri="{FF2B5EF4-FFF2-40B4-BE49-F238E27FC236}">
+                <a16:creationId xmlns:a16="http://schemas.microsoft.com/office/drawing/2014/main" id="{BEB02197-12CD-1748-82E2-E58F7265822C}"/>
+              </a:ext>
+            </a:extLst>
+          </p:cNvPr>
+          <p:cNvSpPr/>
+          <p:nvPr/>
+        </p:nvSpPr>
+        <p:spPr>
+          <a:xfrm rot="10800000">
+            <a:off x="7992989" y="10130182"/>
+            <a:ext cx="193557" cy="618689"/>
+          </a:xfrm>
+          <a:prstGeom prst="downArrow">
+            <a:avLst/>
+          </a:prstGeom>
+          <a:solidFill>
+            <a:srgbClr val="696DBC"/>
+          </a:solidFill>
+          <a:ln w="19050">
+            <a:solidFill>
+              <a:schemeClr val="accent1">
+                <a:lumMod val="50000"/>
+              </a:schemeClr>
+            </a:solidFill>
+          </a:ln>
+        </p:spPr>
+        <p:style>
+          <a:lnRef idx="2">
+            <a:schemeClr val="accent1">
+              <a:shade val="50000"/>
+            </a:schemeClr>
+          </a:lnRef>
+          <a:fillRef idx="1">
+            <a:schemeClr val="accent1"/>
+          </a:fillRef>
+          <a:effectRef idx="0">
+            <a:schemeClr val="accent1"/>
+          </a:effectRef>
+          <a:fontRef idx="minor">
+            <a:schemeClr val="lt1"/>
+          </a:fontRef>
+        </p:style>
+        <p:txBody>
+          <a:bodyPr rtlCol="0" anchor="ctr"/>
+          <a:lstStyle/>
+          <a:p>
+            <a:pPr algn="ctr"/>
+            <a:endParaRPr kumimoji="1" lang="ko-Kore-KR" altLang="en-US" dirty="0"/>
+          </a:p>
+        </p:txBody>
+      </p:sp>
+      <p:sp>
+        <p:nvSpPr>
+          <p:cNvPr id="58" name="아래쪽 화살표[D] 57">
+            <a:extLst>
+              <a:ext uri="{FF2B5EF4-FFF2-40B4-BE49-F238E27FC236}">
+                <a16:creationId xmlns:a16="http://schemas.microsoft.com/office/drawing/2014/main" id="{3C8401BB-B51F-E148-B844-6E4C09A68058}"/>
+              </a:ext>
+            </a:extLst>
+          </p:cNvPr>
+          <p:cNvSpPr/>
+          <p:nvPr/>
+        </p:nvSpPr>
+        <p:spPr>
+          <a:xfrm rot="16200000">
+            <a:off x="8919713" y="9307152"/>
+            <a:ext cx="203110" cy="718405"/>
+          </a:xfrm>
+          <a:prstGeom prst="downArrow">
+            <a:avLst/>
+          </a:prstGeom>
+          <a:solidFill>
+            <a:srgbClr val="696DBC"/>
+          </a:solidFill>
+          <a:ln w="19050">
+            <a:solidFill>
+              <a:schemeClr val="accent1">
+                <a:lumMod val="50000"/>
+              </a:schemeClr>
+            </a:solidFill>
+          </a:ln>
+        </p:spPr>
+        <p:style>
+          <a:lnRef idx="2">
+            <a:schemeClr val="accent1">
+              <a:shade val="50000"/>
+            </a:schemeClr>
+          </a:lnRef>
+          <a:fillRef idx="1">
+            <a:schemeClr val="accent1"/>
+          </a:fillRef>
+          <a:effectRef idx="0">
+            <a:schemeClr val="accent1"/>
+          </a:effectRef>
+          <a:fontRef idx="minor">
+            <a:schemeClr val="lt1"/>
+          </a:fontRef>
+        </p:style>
+        <p:txBody>
+          <a:bodyPr rtlCol="0" anchor="ctr"/>
+          <a:lstStyle/>
+          <a:p>
+            <a:pPr algn="ctr"/>
+            <a:endParaRPr kumimoji="1" lang="ko-Kore-KR" altLang="en-US" dirty="0"/>
+          </a:p>
+        </p:txBody>
+      </p:sp>
+      <p:grpSp>
+        <p:nvGrpSpPr>
+          <p:cNvPr id="7" name="그룹 6">
+            <a:extLst>
+              <a:ext uri="{FF2B5EF4-FFF2-40B4-BE49-F238E27FC236}">
+                <a16:creationId xmlns:a16="http://schemas.microsoft.com/office/drawing/2014/main" id="{885D05BA-EEDD-3A4D-9B32-2BAB95DED88E}"/>
+              </a:ext>
+            </a:extLst>
+          </p:cNvPr>
+          <p:cNvGrpSpPr/>
+          <p:nvPr/>
+        </p:nvGrpSpPr>
+        <p:grpSpPr>
+          <a:xfrm>
+            <a:off x="6284907" y="11241273"/>
+            <a:ext cx="4122747" cy="859667"/>
+            <a:chOff x="6274113" y="11303753"/>
+            <a:chExt cx="4122747" cy="859667"/>
+          </a:xfrm>
+        </p:grpSpPr>
+        <p:sp>
+          <p:nvSpPr>
+            <p:cNvPr id="23" name="모서리가 둥근 직사각형 22">
               <a:extLst>
                 <a:ext uri="{FF2B5EF4-FFF2-40B4-BE49-F238E27FC236}">
-                  <a16:creationId xmlns:a16="http://schemas.microsoft.com/office/drawing/2014/main" id="{C41B09DC-0E87-5647-9279-41F8CC50278E}"/>
-                </a:ext>
-              </a:extLst>
-            </p:cNvPr>
-            <p:cNvPicPr>
-              <a:picLocks noChangeAspect="1"/>
-            </p:cNvPicPr>
-            <p:nvPr/>
-          </p:nvPicPr>
-          <p:blipFill>
-            <a:blip r:embed="rId4"/>
-            <a:stretch>
-              <a:fillRect/>
-            </a:stretch>
-          </p:blipFill>
-          <p:spPr>
-            <a:xfrm>
-              <a:off x="10043609" y="4085434"/>
-              <a:ext cx="1189040" cy="1081696"/>
-            </a:xfrm>
-            <a:prstGeom prst="rect">
-              <a:avLst/>
-            </a:prstGeom>
-          </p:spPr>
-        </p:pic>
-        <p:pic>
-          <p:nvPicPr>
-            <p:cNvPr id="52" name="그림 51">
-              <a:extLst>
-                <a:ext uri="{FF2B5EF4-FFF2-40B4-BE49-F238E27FC236}">
-                  <a16:creationId xmlns:a16="http://schemas.microsoft.com/office/drawing/2014/main" id="{08D9CBA4-89A8-6843-B68F-4DFB26ED6118}"/>
-                </a:ext>
-              </a:extLst>
-            </p:cNvPr>
-            <p:cNvPicPr>
-              <a:picLocks noChangeAspect="1"/>
-            </p:cNvPicPr>
-            <p:nvPr/>
-          </p:nvPicPr>
-          <p:blipFill>
-            <a:blip r:embed="rId5"/>
-            <a:stretch>
-              <a:fillRect/>
-            </a:stretch>
-          </p:blipFill>
-          <p:spPr>
-            <a:xfrm>
-              <a:off x="405601" y="4443813"/>
-              <a:ext cx="1893096" cy="743915"/>
-            </a:xfrm>
-            <a:prstGeom prst="rect">
-              <a:avLst/>
-            </a:prstGeom>
-          </p:spPr>
-        </p:pic>
-        <p:pic>
-          <p:nvPicPr>
-            <p:cNvPr id="53" name="그림 52">
-              <a:extLst>
-                <a:ext uri="{FF2B5EF4-FFF2-40B4-BE49-F238E27FC236}">
-                  <a16:creationId xmlns:a16="http://schemas.microsoft.com/office/drawing/2014/main" id="{4C4495EB-BA86-7041-B7A9-9AA789FD2632}"/>
-                </a:ext>
-              </a:extLst>
-            </p:cNvPr>
-            <p:cNvPicPr>
-              <a:picLocks noChangeAspect="1"/>
-            </p:cNvPicPr>
-            <p:nvPr/>
-          </p:nvPicPr>
-          <p:blipFill>
-            <a:blip r:embed="rId6"/>
-            <a:stretch>
-              <a:fillRect/>
-            </a:stretch>
-          </p:blipFill>
-          <p:spPr>
-            <a:xfrm>
-              <a:off x="10580912" y="1762755"/>
-              <a:ext cx="1085781" cy="752736"/>
-            </a:xfrm>
-            <a:prstGeom prst="rect">
-              <a:avLst/>
-            </a:prstGeom>
-          </p:spPr>
-        </p:pic>
-        <p:sp>
-          <p:nvSpPr>
-            <p:cNvPr id="54" name="위쪽/아래쪽 화살표[U] 53">
-              <a:extLst>
-                <a:ext uri="{FF2B5EF4-FFF2-40B4-BE49-F238E27FC236}">
-                  <a16:creationId xmlns:a16="http://schemas.microsoft.com/office/drawing/2014/main" id="{BE999DE3-85AF-174C-A46D-EE093617A450}"/>
+                  <a16:creationId xmlns:a16="http://schemas.microsoft.com/office/drawing/2014/main" id="{9FFC19BC-D650-1345-BB8A-C0FCFF6A846C}"/>
                 </a:ext>
               </a:extLst>
             </p:cNvPr>
@@ -5313,54 +4970,58 @@
           </p:nvSpPr>
           <p:spPr>
             <a:xfrm>
-              <a:off x="6033842" y="1335611"/>
-              <a:ext cx="222252" cy="510369"/>
+              <a:off x="6274113" y="11303753"/>
+              <a:ext cx="4122747" cy="859667"/>
             </a:xfrm>
-            <a:prstGeom prst="upDownArrow">
+            <a:prstGeom prst="roundRect">
               <a:avLst/>
             </a:prstGeom>
             <a:solidFill>
-              <a:srgbClr val="696DBC"/>
+              <a:schemeClr val="accent1">
+                <a:lumMod val="20000"/>
+                <a:lumOff val="80000"/>
+                <a:alpha val="47000"/>
+              </a:schemeClr>
             </a:solidFill>
-            <a:ln w="19050">
+            <a:ln w="25400">
               <a:solidFill>
-                <a:schemeClr val="tx2">
-                  <a:lumMod val="50000"/>
-                </a:schemeClr>
+                <a:schemeClr val="bg1"/>
               </a:solidFill>
             </a:ln>
           </p:spPr>
           <p:style>
             <a:lnRef idx="2">
-              <a:schemeClr val="accent1">
-                <a:shade val="50000"/>
-              </a:schemeClr>
+              <a:schemeClr val="accent6"/>
             </a:lnRef>
             <a:fillRef idx="1">
-              <a:schemeClr val="accent1"/>
+              <a:schemeClr val="lt1"/>
             </a:fillRef>
             <a:effectRef idx="0">
-              <a:schemeClr val="accent1"/>
+              <a:schemeClr val="accent6"/>
             </a:effectRef>
             <a:fontRef idx="minor">
-              <a:schemeClr val="lt1"/>
+              <a:schemeClr val="dk1"/>
             </a:fontRef>
           </p:style>
           <p:txBody>
-            <a:bodyPr rtlCol="0" anchor="ctr"/>
+            <a:bodyPr rtlCol="0" anchor="t" anchorCtr="0"/>
             <a:lstStyle/>
             <a:p>
               <a:pPr algn="ctr"/>
-              <a:endParaRPr kumimoji="1" lang="ko-Kore-KR" altLang="en-US" dirty="0"/>
+              <a:r>
+                <a:rPr kumimoji="1" lang="en-US" altLang="ko-Kore-KR" sz="1600" dirty="0"/>
+                <a:t>Science Apps</a:t>
+              </a:r>
+              <a:endParaRPr kumimoji="1" lang="ko-Kore-KR" altLang="en-US" sz="1600" dirty="0"/>
             </a:p>
           </p:txBody>
         </p:sp>
         <p:sp>
           <p:nvSpPr>
-            <p:cNvPr id="55" name="아래쪽 화살표[D] 54">
+            <p:cNvPr id="61" name="모서리가 둥근 직사각형 60">
               <a:extLst>
                 <a:ext uri="{FF2B5EF4-FFF2-40B4-BE49-F238E27FC236}">
-                  <a16:creationId xmlns:a16="http://schemas.microsoft.com/office/drawing/2014/main" id="{BEB02197-12CD-1748-82E2-E58F7265822C}"/>
+                  <a16:creationId xmlns:a16="http://schemas.microsoft.com/office/drawing/2014/main" id="{C1C46AE7-FD64-F64B-A4A0-6EF808825BC1}"/>
                 </a:ext>
               </a:extLst>
             </p:cNvPr>
@@ -5369,37 +5030,34 @@
           </p:nvSpPr>
           <p:spPr>
             <a:xfrm>
-              <a:off x="3820886" y="3055226"/>
-              <a:ext cx="223363" cy="369332"/>
+              <a:off x="7513238" y="11685046"/>
+              <a:ext cx="775092" cy="364685"/>
             </a:xfrm>
-            <a:prstGeom prst="downArrow">
+            <a:prstGeom prst="roundRect">
               <a:avLst/>
             </a:prstGeom>
             <a:solidFill>
-              <a:srgbClr val="696DBC"/>
+              <a:schemeClr val="accent1">
+                <a:lumMod val="20000"/>
+                <a:lumOff val="80000"/>
+              </a:schemeClr>
             </a:solidFill>
-            <a:ln w="19050">
-              <a:solidFill>
-                <a:schemeClr val="accent1">
-                  <a:lumMod val="50000"/>
-                </a:schemeClr>
-              </a:solidFill>
+            <a:ln w="25400">
+              <a:noFill/>
             </a:ln>
           </p:spPr>
           <p:style>
             <a:lnRef idx="2">
-              <a:schemeClr val="accent1">
-                <a:shade val="50000"/>
-              </a:schemeClr>
+              <a:schemeClr val="accent6"/>
             </a:lnRef>
             <a:fillRef idx="1">
-              <a:schemeClr val="accent1"/>
+              <a:schemeClr val="lt1"/>
             </a:fillRef>
             <a:effectRef idx="0">
-              <a:schemeClr val="accent1"/>
+              <a:schemeClr val="accent6"/>
             </a:effectRef>
             <a:fontRef idx="minor">
-              <a:schemeClr val="lt1"/>
+              <a:schemeClr val="dk1"/>
             </a:fontRef>
           </p:style>
           <p:txBody>
@@ -5407,72 +5065,28 @@
             <a:lstStyle/>
             <a:p>
               <a:pPr algn="ctr"/>
-              <a:endParaRPr kumimoji="1" lang="ko-Kore-KR" altLang="en-US" dirty="0"/>
+              <a:r>
+                <a:rPr kumimoji="1" lang="en-US" altLang="ko-Kore-KR" sz="1600" dirty="0">
+                  <a:solidFill>
+                    <a:srgbClr val="666363"/>
+                  </a:solidFill>
+                </a:rPr>
+                <a:t>NANO</a:t>
+              </a:r>
+              <a:endParaRPr kumimoji="1" lang="ko-Kore-KR" altLang="en-US" sz="1600" dirty="0">
+                <a:solidFill>
+                  <a:srgbClr val="666363"/>
+                </a:solidFill>
+              </a:endParaRPr>
             </a:p>
           </p:txBody>
         </p:sp>
         <p:sp>
           <p:nvSpPr>
-            <p:cNvPr id="56" name="아래쪽 화살표[D] 55">
+            <p:cNvPr id="62" name="모서리가 둥근 직사각형 61">
               <a:extLst>
                 <a:ext uri="{FF2B5EF4-FFF2-40B4-BE49-F238E27FC236}">
-                  <a16:creationId xmlns:a16="http://schemas.microsoft.com/office/drawing/2014/main" id="{37602E8C-31C7-4443-B22B-81C479A1A9D8}"/>
-                </a:ext>
-              </a:extLst>
-            </p:cNvPr>
-            <p:cNvSpPr/>
-            <p:nvPr/>
-          </p:nvSpPr>
-          <p:spPr>
-            <a:xfrm rot="10800000">
-              <a:off x="6057404" y="3055225"/>
-              <a:ext cx="219173" cy="2467164"/>
-            </a:xfrm>
-            <a:prstGeom prst="downArrow">
-              <a:avLst/>
-            </a:prstGeom>
-            <a:solidFill>
-              <a:srgbClr val="696DBC"/>
-            </a:solidFill>
-            <a:ln w="19050">
-              <a:solidFill>
-                <a:schemeClr val="accent1">
-                  <a:lumMod val="50000"/>
-                </a:schemeClr>
-              </a:solidFill>
-            </a:ln>
-          </p:spPr>
-          <p:style>
-            <a:lnRef idx="2">
-              <a:schemeClr val="accent1">
-                <a:shade val="50000"/>
-              </a:schemeClr>
-            </a:lnRef>
-            <a:fillRef idx="1">
-              <a:schemeClr val="accent1"/>
-            </a:fillRef>
-            <a:effectRef idx="0">
-              <a:schemeClr val="accent1"/>
-            </a:effectRef>
-            <a:fontRef idx="minor">
-              <a:schemeClr val="lt1"/>
-            </a:fontRef>
-          </p:style>
-          <p:txBody>
-            <a:bodyPr rtlCol="0" anchor="ctr"/>
-            <a:lstStyle/>
-            <a:p>
-              <a:pPr algn="ctr"/>
-              <a:endParaRPr kumimoji="1" lang="ko-Kore-KR" altLang="en-US" dirty="0"/>
-            </a:p>
-          </p:txBody>
-        </p:sp>
-        <p:sp>
-          <p:nvSpPr>
-            <p:cNvPr id="57" name="위쪽/아래쪽 화살표[U] 56">
-              <a:extLst>
-                <a:ext uri="{FF2B5EF4-FFF2-40B4-BE49-F238E27FC236}">
-                  <a16:creationId xmlns:a16="http://schemas.microsoft.com/office/drawing/2014/main" id="{D8B56C1E-FDA0-224E-ABC4-72202BE5CF22}"/>
+                  <a16:creationId xmlns:a16="http://schemas.microsoft.com/office/drawing/2014/main" id="{074BE66D-23D9-5D4B-8B63-6EE94FE6CE8E}"/>
                 </a:ext>
               </a:extLst>
             </p:cNvPr>
@@ -5481,37 +5095,34 @@
           </p:nvSpPr>
           <p:spPr>
             <a:xfrm>
-              <a:off x="8583871" y="3719655"/>
-              <a:ext cx="236568" cy="398438"/>
+              <a:off x="6590187" y="11693854"/>
+              <a:ext cx="775092" cy="364685"/>
             </a:xfrm>
-            <a:prstGeom prst="upDownArrow">
+            <a:prstGeom prst="roundRect">
               <a:avLst/>
             </a:prstGeom>
             <a:solidFill>
-              <a:srgbClr val="696DBC"/>
+              <a:schemeClr val="accent1">
+                <a:lumMod val="20000"/>
+                <a:lumOff val="80000"/>
+              </a:schemeClr>
             </a:solidFill>
-            <a:ln w="19050">
-              <a:solidFill>
-                <a:schemeClr val="tx2">
-                  <a:lumMod val="50000"/>
-                </a:schemeClr>
-              </a:solidFill>
+            <a:ln w="25400">
+              <a:noFill/>
             </a:ln>
           </p:spPr>
           <p:style>
             <a:lnRef idx="2">
-              <a:schemeClr val="accent1">
-                <a:shade val="50000"/>
-              </a:schemeClr>
+              <a:schemeClr val="accent6"/>
             </a:lnRef>
             <a:fillRef idx="1">
-              <a:schemeClr val="accent1"/>
+              <a:schemeClr val="lt1"/>
             </a:fillRef>
             <a:effectRef idx="0">
-              <a:schemeClr val="accent1"/>
+              <a:schemeClr val="accent6"/>
             </a:effectRef>
             <a:fontRef idx="minor">
-              <a:schemeClr val="lt1"/>
+              <a:schemeClr val="dk1"/>
             </a:fontRef>
           </p:style>
           <p:txBody>
@@ -5519,16 +5130,28 @@
             <a:lstStyle/>
             <a:p>
               <a:pPr algn="ctr"/>
-              <a:endParaRPr kumimoji="1" lang="ko-Kore-KR" altLang="en-US" dirty="0"/>
+              <a:r>
+                <a:rPr kumimoji="1" lang="en-US" altLang="ko-Kore-KR" sz="1600" dirty="0">
+                  <a:solidFill>
+                    <a:srgbClr val="666363"/>
+                  </a:solidFill>
+                </a:rPr>
+                <a:t>CFD</a:t>
+              </a:r>
+              <a:endParaRPr kumimoji="1" lang="ko-Kore-KR" altLang="en-US" sz="1600" dirty="0">
+                <a:solidFill>
+                  <a:srgbClr val="666363"/>
+                </a:solidFill>
+              </a:endParaRPr>
             </a:p>
           </p:txBody>
         </p:sp>
         <p:sp>
           <p:nvSpPr>
-            <p:cNvPr id="58" name="아래쪽 화살표[D] 57">
+            <p:cNvPr id="63" name="모서리가 둥근 직사각형 62">
               <a:extLst>
                 <a:ext uri="{FF2B5EF4-FFF2-40B4-BE49-F238E27FC236}">
-                  <a16:creationId xmlns:a16="http://schemas.microsoft.com/office/drawing/2014/main" id="{3C8401BB-B51F-E148-B844-6E4C09A68058}"/>
+                  <a16:creationId xmlns:a16="http://schemas.microsoft.com/office/drawing/2014/main" id="{8497436F-F526-1E44-8B57-731BDBCDBA7E}"/>
                 </a:ext>
               </a:extLst>
             </p:cNvPr>
@@ -5536,38 +5159,35 @@
             <p:nvPr/>
           </p:nvSpPr>
           <p:spPr>
-            <a:xfrm rot="16200000">
-              <a:off x="6007064" y="2984420"/>
-              <a:ext cx="216586" cy="1224029"/>
+            <a:xfrm>
+              <a:off x="9359340" y="11679275"/>
+              <a:ext cx="775092" cy="364685"/>
             </a:xfrm>
-            <a:prstGeom prst="downArrow">
+            <a:prstGeom prst="roundRect">
               <a:avLst/>
             </a:prstGeom>
             <a:solidFill>
-              <a:srgbClr val="696DBC"/>
+              <a:schemeClr val="accent1">
+                <a:lumMod val="20000"/>
+                <a:lumOff val="80000"/>
+              </a:schemeClr>
             </a:solidFill>
-            <a:ln w="19050">
-              <a:solidFill>
-                <a:schemeClr val="accent1">
-                  <a:lumMod val="50000"/>
-                </a:schemeClr>
-              </a:solidFill>
+            <a:ln w="25400">
+              <a:noFill/>
             </a:ln>
           </p:spPr>
           <p:style>
             <a:lnRef idx="2">
-              <a:schemeClr val="accent1">
-                <a:shade val="50000"/>
-              </a:schemeClr>
+              <a:schemeClr val="accent6"/>
             </a:lnRef>
             <a:fillRef idx="1">
-              <a:schemeClr val="accent1"/>
+              <a:schemeClr val="lt1"/>
             </a:fillRef>
             <a:effectRef idx="0">
-              <a:schemeClr val="accent1"/>
+              <a:schemeClr val="accent6"/>
             </a:effectRef>
             <a:fontRef idx="minor">
-              <a:schemeClr val="lt1"/>
+              <a:schemeClr val="dk1"/>
             </a:fontRef>
           </p:style>
           <p:txBody>
@@ -5575,16 +5195,28 @@
             <a:lstStyle/>
             <a:p>
               <a:pPr algn="ctr"/>
-              <a:endParaRPr kumimoji="1" lang="ko-Kore-KR" altLang="en-US" dirty="0"/>
+              <a:r>
+                <a:rPr kumimoji="1" lang="en-US" altLang="ko-Kore-KR" sz="1600" dirty="0">
+                  <a:solidFill>
+                    <a:srgbClr val="666363"/>
+                  </a:solidFill>
+                </a:rPr>
+                <a:t>CMED</a:t>
+              </a:r>
+              <a:endParaRPr kumimoji="1" lang="ko-Kore-KR" altLang="en-US" sz="1600" dirty="0">
+                <a:solidFill>
+                  <a:srgbClr val="666363"/>
+                </a:solidFill>
+              </a:endParaRPr>
             </a:p>
           </p:txBody>
         </p:sp>
         <p:sp>
           <p:nvSpPr>
-            <p:cNvPr id="59" name="아래쪽 화살표[D] 58">
+            <p:cNvPr id="64" name="모서리가 둥근 직사각형 63">
               <a:extLst>
                 <a:ext uri="{FF2B5EF4-FFF2-40B4-BE49-F238E27FC236}">
-                  <a16:creationId xmlns:a16="http://schemas.microsoft.com/office/drawing/2014/main" id="{F0658921-F902-9F46-ABBC-81BE12D7D1E7}"/>
+                  <a16:creationId xmlns:a16="http://schemas.microsoft.com/office/drawing/2014/main" id="{4C0C91B8-524F-8146-B4FF-8BB059C6AEC1}"/>
                 </a:ext>
               </a:extLst>
             </p:cNvPr>
@@ -5592,38 +5224,35 @@
             <p:nvPr/>
           </p:nvSpPr>
           <p:spPr>
-            <a:xfrm rot="16200000">
-              <a:off x="6279513" y="3692537"/>
-              <a:ext cx="238715" cy="1791052"/>
+            <a:xfrm>
+              <a:off x="8436289" y="11693854"/>
+              <a:ext cx="775092" cy="364685"/>
             </a:xfrm>
-            <a:prstGeom prst="downArrow">
+            <a:prstGeom prst="roundRect">
               <a:avLst/>
             </a:prstGeom>
             <a:solidFill>
-              <a:srgbClr val="696DBC"/>
+              <a:schemeClr val="accent1">
+                <a:lumMod val="20000"/>
+                <a:lumOff val="80000"/>
+              </a:schemeClr>
             </a:solidFill>
-            <a:ln w="19050">
-              <a:solidFill>
-                <a:schemeClr val="accent1">
-                  <a:lumMod val="50000"/>
-                </a:schemeClr>
-              </a:solidFill>
+            <a:ln w="25400">
+              <a:noFill/>
             </a:ln>
           </p:spPr>
           <p:style>
             <a:lnRef idx="2">
-              <a:schemeClr val="accent1">
-                <a:shade val="50000"/>
-              </a:schemeClr>
+              <a:schemeClr val="accent6"/>
             </a:lnRef>
             <a:fillRef idx="1">
-              <a:schemeClr val="accent1"/>
+              <a:schemeClr val="lt1"/>
             </a:fillRef>
             <a:effectRef idx="0">
-              <a:schemeClr val="accent1"/>
+              <a:schemeClr val="accent6"/>
             </a:effectRef>
             <a:fontRef idx="minor">
-              <a:schemeClr val="lt1"/>
+              <a:schemeClr val="dk1"/>
             </a:fontRef>
           </p:style>
           <p:txBody>
@@ -5631,11 +5260,486 @@
             <a:lstStyle/>
             <a:p>
               <a:pPr algn="ctr"/>
-              <a:endParaRPr kumimoji="1" lang="ko-Kore-KR" altLang="en-US" dirty="0"/>
+              <a:r>
+                <a:rPr kumimoji="1" lang="en-US" altLang="ko-Kore-KR" sz="1600" dirty="0">
+                  <a:solidFill>
+                    <a:srgbClr val="666363"/>
+                  </a:solidFill>
+                </a:rPr>
+                <a:t>CHEM</a:t>
+              </a:r>
+              <a:endParaRPr kumimoji="1" lang="ko-Kore-KR" altLang="en-US" sz="1600" dirty="0">
+                <a:solidFill>
+                  <a:srgbClr val="666363"/>
+                </a:solidFill>
+              </a:endParaRPr>
             </a:p>
           </p:txBody>
         </p:sp>
       </p:grpSp>
+      <p:sp>
+        <p:nvSpPr>
+          <p:cNvPr id="65" name="TextBox 64">
+            <a:extLst>
+              <a:ext uri="{FF2B5EF4-FFF2-40B4-BE49-F238E27FC236}">
+                <a16:creationId xmlns:a16="http://schemas.microsoft.com/office/drawing/2014/main" id="{FF6A5A05-FF17-3042-AE49-60BC0046A4EF}"/>
+              </a:ext>
+            </a:extLst>
+          </p:cNvPr>
+          <p:cNvSpPr txBox="1"/>
+          <p:nvPr/>
+        </p:nvSpPr>
+        <p:spPr>
+          <a:xfrm>
+            <a:off x="2360586" y="9131439"/>
+            <a:ext cx="1738084" cy="384721"/>
+          </a:xfrm>
+          <a:prstGeom prst="rect">
+            <a:avLst/>
+          </a:prstGeom>
+          <a:noFill/>
+        </p:spPr>
+        <p:txBody>
+          <a:bodyPr wrap="square" rtlCol="0">
+            <a:spAutoFit/>
+          </a:bodyPr>
+          <a:lstStyle/>
+          <a:p>
+            <a:pPr algn="ctr"/>
+            <a:r>
+              <a:rPr kumimoji="1" lang="en-US" altLang="ko-KR" sz="1900" dirty="0">
+                <a:solidFill>
+                  <a:schemeClr val="tx1">
+                    <a:lumMod val="75000"/>
+                    <a:lumOff val="25000"/>
+                  </a:schemeClr>
+                </a:solidFill>
+              </a:rPr>
+              <a:t>Storage Layer</a:t>
+            </a:r>
+            <a:endParaRPr kumimoji="1" lang="ko-Kore-KR" altLang="en-US" sz="1900" dirty="0">
+              <a:solidFill>
+                <a:schemeClr val="tx1">
+                  <a:lumMod val="75000"/>
+                  <a:lumOff val="25000"/>
+                </a:schemeClr>
+              </a:solidFill>
+            </a:endParaRPr>
+          </a:p>
+        </p:txBody>
+      </p:sp>
+      <p:cxnSp>
+        <p:nvCxnSpPr>
+          <p:cNvPr id="66" name="직선 연결선[R] 65">
+            <a:extLst>
+              <a:ext uri="{FF2B5EF4-FFF2-40B4-BE49-F238E27FC236}">
+                <a16:creationId xmlns:a16="http://schemas.microsoft.com/office/drawing/2014/main" id="{3007667E-E36D-D948-8026-54611CAD9724}"/>
+              </a:ext>
+            </a:extLst>
+          </p:cNvPr>
+          <p:cNvCxnSpPr>
+            <a:cxnSpLocks/>
+          </p:cNvCxnSpPr>
+          <p:nvPr/>
+        </p:nvCxnSpPr>
+        <p:spPr>
+          <a:xfrm>
+            <a:off x="2360586" y="8225931"/>
+            <a:ext cx="11119713" cy="0"/>
+          </a:xfrm>
+          <a:prstGeom prst="line">
+            <a:avLst/>
+          </a:prstGeom>
+          <a:ln w="38100">
+            <a:solidFill>
+              <a:schemeClr val="tx1">
+                <a:lumMod val="65000"/>
+                <a:lumOff val="35000"/>
+              </a:schemeClr>
+            </a:solidFill>
+          </a:ln>
+        </p:spPr>
+        <p:style>
+          <a:lnRef idx="1">
+            <a:schemeClr val="accent1"/>
+          </a:lnRef>
+          <a:fillRef idx="0">
+            <a:schemeClr val="accent1"/>
+          </a:fillRef>
+          <a:effectRef idx="0">
+            <a:schemeClr val="accent1"/>
+          </a:effectRef>
+          <a:fontRef idx="minor">
+            <a:schemeClr val="tx1"/>
+          </a:fontRef>
+        </p:style>
+      </p:cxnSp>
+      <p:sp>
+        <p:nvSpPr>
+          <p:cNvPr id="67" name="TextBox 66">
+            <a:extLst>
+              <a:ext uri="{FF2B5EF4-FFF2-40B4-BE49-F238E27FC236}">
+                <a16:creationId xmlns:a16="http://schemas.microsoft.com/office/drawing/2014/main" id="{2168257A-BD13-4047-B27D-863DE8DEA20E}"/>
+              </a:ext>
+            </a:extLst>
+          </p:cNvPr>
+          <p:cNvSpPr txBox="1"/>
+          <p:nvPr/>
+        </p:nvSpPr>
+        <p:spPr>
+          <a:xfrm>
+            <a:off x="2366290" y="7228473"/>
+            <a:ext cx="2063206" cy="384721"/>
+          </a:xfrm>
+          <a:prstGeom prst="rect">
+            <a:avLst/>
+          </a:prstGeom>
+          <a:noFill/>
+        </p:spPr>
+        <p:txBody>
+          <a:bodyPr wrap="square" rtlCol="0">
+            <a:spAutoFit/>
+          </a:bodyPr>
+          <a:lstStyle/>
+          <a:p>
+            <a:pPr algn="ctr"/>
+            <a:r>
+              <a:rPr kumimoji="1" lang="en-US" altLang="ko-KR" sz="1900" dirty="0">
+                <a:solidFill>
+                  <a:schemeClr val="tx1">
+                    <a:lumMod val="75000"/>
+                    <a:lumOff val="25000"/>
+                  </a:schemeClr>
+                </a:solidFill>
+              </a:rPr>
+              <a:t>Intelligence Layer</a:t>
+            </a:r>
+            <a:endParaRPr kumimoji="1" lang="ko-Kore-KR" altLang="en-US" sz="1900" dirty="0">
+              <a:solidFill>
+                <a:schemeClr val="tx1">
+                  <a:lumMod val="75000"/>
+                  <a:lumOff val="25000"/>
+                </a:schemeClr>
+              </a:solidFill>
+            </a:endParaRPr>
+          </a:p>
+        </p:txBody>
+      </p:sp>
+      <p:sp>
+        <p:nvSpPr>
+          <p:cNvPr id="33" name="위로 굽은 화살표[B] 32">
+            <a:extLst>
+              <a:ext uri="{FF2B5EF4-FFF2-40B4-BE49-F238E27FC236}">
+                <a16:creationId xmlns:a16="http://schemas.microsoft.com/office/drawing/2014/main" id="{0275C9C3-9F89-B647-97E1-B900EB4D2A54}"/>
+              </a:ext>
+            </a:extLst>
+          </p:cNvPr>
+          <p:cNvSpPr/>
+          <p:nvPr/>
+        </p:nvSpPr>
+        <p:spPr>
+          <a:xfrm rot="16200000">
+            <a:off x="9934235" y="7819450"/>
+            <a:ext cx="1556357" cy="680554"/>
+          </a:xfrm>
+          <a:prstGeom prst="bentUpArrow">
+            <a:avLst>
+              <a:gd name="adj1" fmla="val 15104"/>
+              <a:gd name="adj2" fmla="val 14553"/>
+              <a:gd name="adj3" fmla="val 16638"/>
+            </a:avLst>
+          </a:prstGeom>
+          <a:solidFill>
+            <a:srgbClr val="696DBC"/>
+          </a:solidFill>
+          <a:ln w="19050">
+            <a:solidFill>
+              <a:schemeClr val="accent1">
+                <a:lumMod val="50000"/>
+              </a:schemeClr>
+            </a:solidFill>
+          </a:ln>
+        </p:spPr>
+        <p:style>
+          <a:lnRef idx="2">
+            <a:schemeClr val="accent1">
+              <a:shade val="50000"/>
+            </a:schemeClr>
+          </a:lnRef>
+          <a:fillRef idx="1">
+            <a:schemeClr val="accent1"/>
+          </a:fillRef>
+          <a:effectRef idx="0">
+            <a:schemeClr val="accent1"/>
+          </a:effectRef>
+          <a:fontRef idx="minor">
+            <a:schemeClr val="lt1"/>
+          </a:fontRef>
+        </p:style>
+        <p:txBody>
+          <a:bodyPr rtlCol="0" anchor="ctr"/>
+          <a:lstStyle/>
+          <a:p>
+            <a:pPr algn="ctr"/>
+            <a:endParaRPr kumimoji="1" lang="ko-Kore-KR" altLang="en-US" dirty="0"/>
+          </a:p>
+        </p:txBody>
+      </p:sp>
+      <p:sp>
+        <p:nvSpPr>
+          <p:cNvPr id="71" name="TextBox 70">
+            <a:extLst>
+              <a:ext uri="{FF2B5EF4-FFF2-40B4-BE49-F238E27FC236}">
+                <a16:creationId xmlns:a16="http://schemas.microsoft.com/office/drawing/2014/main" id="{A886D303-A728-C745-989A-7133B7761A97}"/>
+              </a:ext>
+            </a:extLst>
+          </p:cNvPr>
+          <p:cNvSpPr txBox="1"/>
+          <p:nvPr/>
+        </p:nvSpPr>
+        <p:spPr>
+          <a:xfrm>
+            <a:off x="2366290" y="5153271"/>
+            <a:ext cx="2063206" cy="384721"/>
+          </a:xfrm>
+          <a:prstGeom prst="rect">
+            <a:avLst/>
+          </a:prstGeom>
+          <a:noFill/>
+        </p:spPr>
+        <p:txBody>
+          <a:bodyPr wrap="square" rtlCol="0">
+            <a:spAutoFit/>
+          </a:bodyPr>
+          <a:lstStyle/>
+          <a:p>
+            <a:pPr algn="ctr"/>
+            <a:r>
+              <a:rPr kumimoji="1" lang="en-US" altLang="ko-KR" sz="1900" dirty="0">
+                <a:solidFill>
+                  <a:schemeClr val="tx1">
+                    <a:lumMod val="75000"/>
+                    <a:lumOff val="25000"/>
+                  </a:schemeClr>
+                </a:solidFill>
+              </a:rPr>
+              <a:t>API Layer</a:t>
+            </a:r>
+            <a:endParaRPr kumimoji="1" lang="ko-Kore-KR" altLang="en-US" sz="1900" dirty="0">
+              <a:solidFill>
+                <a:schemeClr val="tx1">
+                  <a:lumMod val="75000"/>
+                  <a:lumOff val="25000"/>
+                </a:schemeClr>
+              </a:solidFill>
+            </a:endParaRPr>
+          </a:p>
+        </p:txBody>
+      </p:sp>
+      <p:cxnSp>
+        <p:nvCxnSpPr>
+          <p:cNvPr id="72" name="직선 연결선[R] 71">
+            <a:extLst>
+              <a:ext uri="{FF2B5EF4-FFF2-40B4-BE49-F238E27FC236}">
+                <a16:creationId xmlns:a16="http://schemas.microsoft.com/office/drawing/2014/main" id="{49B40158-3ABE-AF49-BA22-04C38DECE663}"/>
+              </a:ext>
+            </a:extLst>
+          </p:cNvPr>
+          <p:cNvCxnSpPr>
+            <a:cxnSpLocks/>
+          </p:cNvCxnSpPr>
+          <p:nvPr/>
+        </p:nvCxnSpPr>
+        <p:spPr>
+          <a:xfrm>
+            <a:off x="2360586" y="6588861"/>
+            <a:ext cx="11119713" cy="0"/>
+          </a:xfrm>
+          <a:prstGeom prst="line">
+            <a:avLst/>
+          </a:prstGeom>
+          <a:ln w="38100">
+            <a:solidFill>
+              <a:schemeClr val="tx1">
+                <a:lumMod val="65000"/>
+                <a:lumOff val="35000"/>
+              </a:schemeClr>
+            </a:solidFill>
+          </a:ln>
+        </p:spPr>
+        <p:style>
+          <a:lnRef idx="1">
+            <a:schemeClr val="accent1"/>
+          </a:lnRef>
+          <a:fillRef idx="0">
+            <a:schemeClr val="accent1"/>
+          </a:fillRef>
+          <a:effectRef idx="0">
+            <a:schemeClr val="accent1"/>
+          </a:effectRef>
+          <a:fontRef idx="minor">
+            <a:schemeClr val="tx1"/>
+          </a:fontRef>
+        </p:style>
+      </p:cxnSp>
+      <p:sp>
+        <p:nvSpPr>
+          <p:cNvPr id="57" name="위쪽/아래쪽 화살표[U] 56">
+            <a:extLst>
+              <a:ext uri="{FF2B5EF4-FFF2-40B4-BE49-F238E27FC236}">
+                <a16:creationId xmlns:a16="http://schemas.microsoft.com/office/drawing/2014/main" id="{D8B56C1E-FDA0-224E-ABC4-72202BE5CF22}"/>
+              </a:ext>
+            </a:extLst>
+          </p:cNvPr>
+          <p:cNvSpPr/>
+          <p:nvPr/>
+        </p:nvSpPr>
+        <p:spPr>
+          <a:xfrm>
+            <a:off x="8279605" y="6316086"/>
+            <a:ext cx="251337" cy="645583"/>
+          </a:xfrm>
+          <a:prstGeom prst="upDownArrow">
+            <a:avLst/>
+          </a:prstGeom>
+          <a:solidFill>
+            <a:srgbClr val="696DBC"/>
+          </a:solidFill>
+          <a:ln w="19050">
+            <a:solidFill>
+              <a:schemeClr val="tx2">
+                <a:lumMod val="50000"/>
+              </a:schemeClr>
+            </a:solidFill>
+          </a:ln>
+        </p:spPr>
+        <p:style>
+          <a:lnRef idx="2">
+            <a:schemeClr val="accent1">
+              <a:shade val="50000"/>
+            </a:schemeClr>
+          </a:lnRef>
+          <a:fillRef idx="1">
+            <a:schemeClr val="accent1"/>
+          </a:fillRef>
+          <a:effectRef idx="0">
+            <a:schemeClr val="accent1"/>
+          </a:effectRef>
+          <a:fontRef idx="minor">
+            <a:schemeClr val="lt1"/>
+          </a:fontRef>
+        </p:style>
+        <p:txBody>
+          <a:bodyPr rtlCol="0" anchor="ctr"/>
+          <a:lstStyle/>
+          <a:p>
+            <a:pPr algn="ctr"/>
+            <a:endParaRPr kumimoji="1" lang="ko-Kore-KR" altLang="en-US" dirty="0"/>
+          </a:p>
+        </p:txBody>
+      </p:sp>
+      <p:cxnSp>
+        <p:nvCxnSpPr>
+          <p:cNvPr id="73" name="직선 연결선[R] 72">
+            <a:extLst>
+              <a:ext uri="{FF2B5EF4-FFF2-40B4-BE49-F238E27FC236}">
+                <a16:creationId xmlns:a16="http://schemas.microsoft.com/office/drawing/2014/main" id="{C7B590F2-E406-2444-A036-E240742D1F96}"/>
+              </a:ext>
+            </a:extLst>
+          </p:cNvPr>
+          <p:cNvCxnSpPr>
+            <a:cxnSpLocks/>
+          </p:cNvCxnSpPr>
+          <p:nvPr/>
+        </p:nvCxnSpPr>
+        <p:spPr>
+          <a:xfrm>
+            <a:off x="2360586" y="4111132"/>
+            <a:ext cx="11119713" cy="0"/>
+          </a:xfrm>
+          <a:prstGeom prst="line">
+            <a:avLst/>
+          </a:prstGeom>
+          <a:ln w="38100">
+            <a:solidFill>
+              <a:schemeClr val="tx1">
+                <a:lumMod val="65000"/>
+                <a:lumOff val="35000"/>
+              </a:schemeClr>
+            </a:solidFill>
+          </a:ln>
+        </p:spPr>
+        <p:style>
+          <a:lnRef idx="1">
+            <a:schemeClr val="accent1"/>
+          </a:lnRef>
+          <a:fillRef idx="0">
+            <a:schemeClr val="accent1"/>
+          </a:fillRef>
+          <a:effectRef idx="0">
+            <a:schemeClr val="accent1"/>
+          </a:effectRef>
+          <a:fontRef idx="minor">
+            <a:schemeClr val="tx1"/>
+          </a:fontRef>
+        </p:style>
+      </p:cxnSp>
+      <p:sp>
+        <p:nvSpPr>
+          <p:cNvPr id="54" name="위쪽/아래쪽 화살표[U] 53">
+            <a:extLst>
+              <a:ext uri="{FF2B5EF4-FFF2-40B4-BE49-F238E27FC236}">
+                <a16:creationId xmlns:a16="http://schemas.microsoft.com/office/drawing/2014/main" id="{BE999DE3-85AF-174C-A46D-EE093617A450}"/>
+              </a:ext>
+            </a:extLst>
+          </p:cNvPr>
+          <p:cNvSpPr/>
+          <p:nvPr/>
+        </p:nvSpPr>
+        <p:spPr>
+          <a:xfrm>
+            <a:off x="8222950" y="3753661"/>
+            <a:ext cx="206265" cy="602354"/>
+          </a:xfrm>
+          <a:prstGeom prst="upDownArrow">
+            <a:avLst/>
+          </a:prstGeom>
+          <a:solidFill>
+            <a:srgbClr val="696DBC"/>
+          </a:solidFill>
+          <a:ln w="19050">
+            <a:solidFill>
+              <a:schemeClr val="tx2">
+                <a:lumMod val="50000"/>
+              </a:schemeClr>
+            </a:solidFill>
+          </a:ln>
+        </p:spPr>
+        <p:style>
+          <a:lnRef idx="2">
+            <a:schemeClr val="accent1">
+              <a:shade val="50000"/>
+            </a:schemeClr>
+          </a:lnRef>
+          <a:fillRef idx="1">
+            <a:schemeClr val="accent1"/>
+          </a:fillRef>
+          <a:effectRef idx="0">
+            <a:schemeClr val="accent1"/>
+          </a:effectRef>
+          <a:fontRef idx="minor">
+            <a:schemeClr val="lt1"/>
+          </a:fontRef>
+        </p:style>
+        <p:txBody>
+          <a:bodyPr rtlCol="0" anchor="ctr"/>
+          <a:lstStyle/>
+          <a:p>
+            <a:pPr algn="ctr"/>
+            <a:endParaRPr kumimoji="1" lang="ko-Kore-KR" altLang="en-US" dirty="0"/>
+          </a:p>
+        </p:txBody>
+      </p:sp>
     </p:spTree>
     <p:extLst>
       <p:ext uri="{BB962C8B-B14F-4D97-AF65-F5344CB8AC3E}">
@@ -5652,7 +5756,7 @@
 <file path=ppt/theme/theme1.xml><?xml version="1.0" encoding="utf-8"?>
 <a:theme xmlns:a="http://schemas.openxmlformats.org/drawingml/2006/main" name="Office 테마">
   <a:themeElements>
-    <a:clrScheme name="Office">
+    <a:clrScheme name="Office 테마">
       <a:dk1>
         <a:sysClr val="windowText" lastClr="000000"/>
       </a:dk1>
@@ -5690,7 +5794,7 @@
         <a:srgbClr val="954F72"/>
       </a:folHlink>
     </a:clrScheme>
-    <a:fontScheme name="Office">
+    <a:fontScheme name="Office 테마">
       <a:majorFont>
         <a:latin typeface="Calibri Light" panose="020F0302020204030204"/>
         <a:ea typeface=""/>
@@ -5725,23 +5829,6 @@
         <a:font script="Viet" typeface="Times New Roman"/>
         <a:font script="Uigh" typeface="Microsoft Uighur"/>
         <a:font script="Geor" typeface="Sylfaen"/>
-        <a:font script="Armn" typeface="Arial"/>
-        <a:font script="Bugi" typeface="Leelawadee UI"/>
-        <a:font script="Bopo" typeface="Microsoft JhengHei"/>
-        <a:font script="Java" typeface="Javanese Text"/>
-        <a:font script="Lisu" typeface="Segoe UI"/>
-        <a:font script="Mymr" typeface="Myanmar Text"/>
-        <a:font script="Nkoo" typeface="Ebrima"/>
-        <a:font script="Olck" typeface="Nirmala UI"/>
-        <a:font script="Osma" typeface="Ebrima"/>
-        <a:font script="Phag" typeface="Phagspa"/>
-        <a:font script="Syrn" typeface="Estrangelo Edessa"/>
-        <a:font script="Syrj" typeface="Estrangelo Edessa"/>
-        <a:font script="Syre" typeface="Estrangelo Edessa"/>
-        <a:font script="Sora" typeface="Nirmala UI"/>
-        <a:font script="Tale" typeface="Microsoft Tai Le"/>
-        <a:font script="Talu" typeface="Microsoft New Tai Lue"/>
-        <a:font script="Tfng" typeface="Ebrima"/>
       </a:majorFont>
       <a:minorFont>
         <a:latin typeface="Calibri" panose="020F0502020204030204"/>
@@ -5777,26 +5864,9 @@
         <a:font script="Viet" typeface="Arial"/>
         <a:font script="Uigh" typeface="Microsoft Uighur"/>
         <a:font script="Geor" typeface="Sylfaen"/>
-        <a:font script="Armn" typeface="Arial"/>
-        <a:font script="Bugi" typeface="Leelawadee UI"/>
-        <a:font script="Bopo" typeface="Microsoft JhengHei"/>
-        <a:font script="Java" typeface="Javanese Text"/>
-        <a:font script="Lisu" typeface="Segoe UI"/>
-        <a:font script="Mymr" typeface="Myanmar Text"/>
-        <a:font script="Nkoo" typeface="Ebrima"/>
-        <a:font script="Olck" typeface="Nirmala UI"/>
-        <a:font script="Osma" typeface="Ebrima"/>
-        <a:font script="Phag" typeface="Phagspa"/>
-        <a:font script="Syrn" typeface="Estrangelo Edessa"/>
-        <a:font script="Syrj" typeface="Estrangelo Edessa"/>
-        <a:font script="Syre" typeface="Estrangelo Edessa"/>
-        <a:font script="Sora" typeface="Nirmala UI"/>
-        <a:font script="Tale" typeface="Microsoft Tai Le"/>
-        <a:font script="Talu" typeface="Microsoft New Tai Lue"/>
-        <a:font script="Tfng" typeface="Ebrima"/>
       </a:minorFont>
     </a:fontScheme>
-    <a:fmtScheme name="Office">
+    <a:fmtScheme name="Office 테마">
       <a:fillStyleLst>
         <a:solidFill>
           <a:schemeClr val="phClr"/>

--- a/docs/SPA_Architecture.pptx
+++ b/docs/SPA_Architecture.pptx
@@ -252,7 +252,7 @@
           <a:p>
             <a:fld id="{EF0B41A4-A1A8-0441-83A3-17BC3F823C86}" type="datetimeFigureOut">
               <a:rPr kumimoji="1" lang="ko-Kore-KR" altLang="en-US" smtClean="0"/>
-              <a:t>2021. 4. 18.</a:t>
+              <a:t>2021. 4. 23.</a:t>
             </a:fld>
             <a:endParaRPr kumimoji="1" lang="ko-Kore-KR" altLang="en-US"/>
           </a:p>
@@ -422,7 +422,7 @@
           <a:p>
             <a:fld id="{EF0B41A4-A1A8-0441-83A3-17BC3F823C86}" type="datetimeFigureOut">
               <a:rPr kumimoji="1" lang="ko-Kore-KR" altLang="en-US" smtClean="0"/>
-              <a:t>2021. 4. 18.</a:t>
+              <a:t>2021. 4. 23.</a:t>
             </a:fld>
             <a:endParaRPr kumimoji="1" lang="ko-Kore-KR" altLang="en-US"/>
           </a:p>
@@ -602,7 +602,7 @@
           <a:p>
             <a:fld id="{EF0B41A4-A1A8-0441-83A3-17BC3F823C86}" type="datetimeFigureOut">
               <a:rPr kumimoji="1" lang="ko-Kore-KR" altLang="en-US" smtClean="0"/>
-              <a:t>2021. 4. 18.</a:t>
+              <a:t>2021. 4. 23.</a:t>
             </a:fld>
             <a:endParaRPr kumimoji="1" lang="ko-Kore-KR" altLang="en-US"/>
           </a:p>
@@ -772,7 +772,7 @@
           <a:p>
             <a:fld id="{EF0B41A4-A1A8-0441-83A3-17BC3F823C86}" type="datetimeFigureOut">
               <a:rPr kumimoji="1" lang="ko-Kore-KR" altLang="en-US" smtClean="0"/>
-              <a:t>2021. 4. 18.</a:t>
+              <a:t>2021. 4. 23.</a:t>
             </a:fld>
             <a:endParaRPr kumimoji="1" lang="ko-Kore-KR" altLang="en-US"/>
           </a:p>
@@ -1016,7 +1016,7 @@
           <a:p>
             <a:fld id="{EF0B41A4-A1A8-0441-83A3-17BC3F823C86}" type="datetimeFigureOut">
               <a:rPr kumimoji="1" lang="ko-Kore-KR" altLang="en-US" smtClean="0"/>
-              <a:t>2021. 4. 18.</a:t>
+              <a:t>2021. 4. 23.</a:t>
             </a:fld>
             <a:endParaRPr kumimoji="1" lang="ko-Kore-KR" altLang="en-US"/>
           </a:p>
@@ -1248,7 +1248,7 @@
           <a:p>
             <a:fld id="{EF0B41A4-A1A8-0441-83A3-17BC3F823C86}" type="datetimeFigureOut">
               <a:rPr kumimoji="1" lang="ko-Kore-KR" altLang="en-US" smtClean="0"/>
-              <a:t>2021. 4. 18.</a:t>
+              <a:t>2021. 4. 23.</a:t>
             </a:fld>
             <a:endParaRPr kumimoji="1" lang="ko-Kore-KR" altLang="en-US"/>
           </a:p>
@@ -1615,7 +1615,7 @@
           <a:p>
             <a:fld id="{EF0B41A4-A1A8-0441-83A3-17BC3F823C86}" type="datetimeFigureOut">
               <a:rPr kumimoji="1" lang="ko-Kore-KR" altLang="en-US" smtClean="0"/>
-              <a:t>2021. 4. 18.</a:t>
+              <a:t>2021. 4. 23.</a:t>
             </a:fld>
             <a:endParaRPr kumimoji="1" lang="ko-Kore-KR" altLang="en-US"/>
           </a:p>
@@ -1733,7 +1733,7 @@
           <a:p>
             <a:fld id="{EF0B41A4-A1A8-0441-83A3-17BC3F823C86}" type="datetimeFigureOut">
               <a:rPr kumimoji="1" lang="ko-Kore-KR" altLang="en-US" smtClean="0"/>
-              <a:t>2021. 4. 18.</a:t>
+              <a:t>2021. 4. 23.</a:t>
             </a:fld>
             <a:endParaRPr kumimoji="1" lang="ko-Kore-KR" altLang="en-US"/>
           </a:p>
@@ -1828,7 +1828,7 @@
           <a:p>
             <a:fld id="{EF0B41A4-A1A8-0441-83A3-17BC3F823C86}" type="datetimeFigureOut">
               <a:rPr kumimoji="1" lang="ko-Kore-KR" altLang="en-US" smtClean="0"/>
-              <a:t>2021. 4. 18.</a:t>
+              <a:t>2021. 4. 23.</a:t>
             </a:fld>
             <a:endParaRPr kumimoji="1" lang="ko-Kore-KR" altLang="en-US"/>
           </a:p>
@@ -2105,7 +2105,7 @@
           <a:p>
             <a:fld id="{EF0B41A4-A1A8-0441-83A3-17BC3F823C86}" type="datetimeFigureOut">
               <a:rPr kumimoji="1" lang="ko-Kore-KR" altLang="en-US" smtClean="0"/>
-              <a:t>2021. 4. 18.</a:t>
+              <a:t>2021. 4. 23.</a:t>
             </a:fld>
             <a:endParaRPr kumimoji="1" lang="ko-Kore-KR" altLang="en-US"/>
           </a:p>
@@ -2362,7 +2362,7 @@
           <a:p>
             <a:fld id="{EF0B41A4-A1A8-0441-83A3-17BC3F823C86}" type="datetimeFigureOut">
               <a:rPr kumimoji="1" lang="ko-Kore-KR" altLang="en-US" smtClean="0"/>
-              <a:t>2021. 4. 18.</a:t>
+              <a:t>2021. 4. 23.</a:t>
             </a:fld>
             <a:endParaRPr kumimoji="1" lang="ko-Kore-KR" altLang="en-US"/>
           </a:p>
@@ -2575,7 +2575,7 @@
           <a:p>
             <a:fld id="{EF0B41A4-A1A8-0441-83A3-17BC3F823C86}" type="datetimeFigureOut">
               <a:rPr kumimoji="1" lang="ko-Kore-KR" altLang="en-US" smtClean="0"/>
-              <a:t>2021. 4. 18.</a:t>
+              <a:t>2021. 4. 23.</a:t>
             </a:fld>
             <a:endParaRPr kumimoji="1" lang="ko-Kore-KR" altLang="en-US"/>
           </a:p>
@@ -2994,7 +2994,7 @@
         </p:nvSpPr>
         <p:spPr>
           <a:xfrm>
-            <a:off x="7767919" y="7284155"/>
+            <a:off x="8279606" y="7200106"/>
             <a:ext cx="1323390" cy="635724"/>
           </a:xfrm>
           <a:prstGeom prst="roundRect">
@@ -3053,7 +3053,7 @@
         </p:nvSpPr>
         <p:spPr>
           <a:xfrm>
-            <a:off x="9133731" y="7284155"/>
+            <a:off x="9645418" y="7200106"/>
             <a:ext cx="1153482" cy="635724"/>
           </a:xfrm>
           <a:prstGeom prst="roundRect">
@@ -3112,7 +3112,7 @@
         </p:nvSpPr>
         <p:spPr>
           <a:xfrm>
-            <a:off x="6740762" y="5015970"/>
+            <a:off x="7252449" y="4931921"/>
             <a:ext cx="3349642" cy="300489"/>
           </a:xfrm>
           <a:prstGeom prst="roundRect">
@@ -3171,7 +3171,7 @@
         </p:nvSpPr>
         <p:spPr>
           <a:xfrm>
-            <a:off x="6740762" y="5320770"/>
+            <a:off x="7252449" y="5236721"/>
             <a:ext cx="3349642" cy="300489"/>
           </a:xfrm>
           <a:prstGeom prst="roundRect">
@@ -3230,7 +3230,7 @@
         </p:nvSpPr>
         <p:spPr>
           <a:xfrm>
-            <a:off x="6740762" y="5614684"/>
+            <a:off x="7252449" y="5530635"/>
             <a:ext cx="3349642" cy="300489"/>
           </a:xfrm>
           <a:prstGeom prst="roundRect">
@@ -3269,7 +3269,7 @@
             <a:pPr algn="ctr"/>
             <a:r>
               <a:rPr kumimoji="1" lang="en-US" altLang="ko-Kore-KR" sz="1600" dirty="0"/>
-              <a:t>Time Estimation Result API</a:t>
+              <a:t>Estimated-Time Reporting API</a:t>
             </a:r>
             <a:endParaRPr kumimoji="1" lang="ko-Kore-KR" altLang="en-US" sz="1600" dirty="0"/>
           </a:p>
@@ -3289,7 +3289,7 @@
         </p:nvSpPr>
         <p:spPr>
           <a:xfrm>
-            <a:off x="6740762" y="5919484"/>
+            <a:off x="7252449" y="5835435"/>
             <a:ext cx="3349642" cy="300489"/>
           </a:xfrm>
           <a:prstGeom prst="roundRect">
@@ -3348,7 +3348,7 @@
         </p:nvSpPr>
         <p:spPr>
           <a:xfrm>
-            <a:off x="2382541" y="2875708"/>
+            <a:off x="2894228" y="2791659"/>
             <a:ext cx="2100943" cy="384721"/>
           </a:xfrm>
           <a:prstGeom prst="rect">
@@ -3399,8 +3399,8 @@
         </p:nvSpPr>
         <p:spPr>
           <a:xfrm>
-            <a:off x="2221895" y="10902719"/>
-            <a:ext cx="3247458" cy="677108"/>
+            <a:off x="2227790" y="11453056"/>
+            <a:ext cx="3363580" cy="384721"/>
           </a:xfrm>
           <a:prstGeom prst="rect">
             <a:avLst/>
@@ -3423,51 +3423,7 @@
                   </a:schemeClr>
                 </a:solidFill>
               </a:rPr>
-              <a:t>CSE(Computational Science and Engineering)</a:t>
-            </a:r>
-            <a:r>
-              <a:rPr kumimoji="1" lang="ko-KR" altLang="en-US" sz="1900" dirty="0">
-                <a:solidFill>
-                  <a:schemeClr val="tx1">
-                    <a:lumMod val="75000"/>
-                    <a:lumOff val="25000"/>
-                  </a:schemeClr>
-                </a:solidFill>
-              </a:rPr>
-              <a:t> </a:t>
-            </a:r>
-            <a:r>
-              <a:rPr kumimoji="1" lang="en-US" altLang="ko-KR" sz="1900" dirty="0">
-                <a:solidFill>
-                  <a:schemeClr val="tx1">
-                    <a:lumMod val="75000"/>
-                    <a:lumOff val="25000"/>
-                  </a:schemeClr>
-                </a:solidFill>
-              </a:rPr>
-              <a:t>Area</a:t>
-            </a:r>
-            <a:r>
-              <a:rPr kumimoji="1" lang="ko-KR" altLang="en-US" sz="1900" dirty="0">
-                <a:solidFill>
-                  <a:schemeClr val="tx1">
-                    <a:lumMod val="75000"/>
-                    <a:lumOff val="25000"/>
-                  </a:schemeClr>
-                </a:solidFill>
-              </a:rPr>
-              <a:t> </a:t>
-            </a:r>
-            <a:r>
-              <a:rPr kumimoji="1" lang="en-US" altLang="ko-KR" sz="1900" dirty="0">
-                <a:solidFill>
-                  <a:schemeClr val="tx1">
-                    <a:lumMod val="75000"/>
-                    <a:lumOff val="25000"/>
-                  </a:schemeClr>
-                </a:solidFill>
-              </a:rPr>
-              <a:t>Layer</a:t>
+              <a:t>HPC Simulation Execution Layer</a:t>
             </a:r>
             <a:endParaRPr kumimoji="1" lang="ko-Kore-KR" altLang="en-US" sz="1900" dirty="0">
               <a:solidFill>
@@ -3496,8 +3452,8 @@
         </p:nvCxnSpPr>
         <p:spPr>
           <a:xfrm>
-            <a:off x="2360586" y="10494117"/>
-            <a:ext cx="11119713" cy="0"/>
+            <a:off x="2495762" y="10410068"/>
+            <a:ext cx="11496224" cy="0"/>
           </a:xfrm>
           <a:prstGeom prst="line">
             <a:avLst/>
@@ -3548,7 +3504,7 @@
         </p:blipFill>
         <p:spPr>
           <a:xfrm>
-            <a:off x="10298155" y="2366433"/>
+            <a:off x="10809842" y="2282384"/>
             <a:ext cx="897567" cy="1042336"/>
           </a:xfrm>
           <a:prstGeom prst="rect">
@@ -3570,7 +3526,7 @@
         </p:nvSpPr>
         <p:spPr>
           <a:xfrm>
-            <a:off x="6401881" y="2532023"/>
+            <a:off x="6913568" y="2447974"/>
             <a:ext cx="3885333" cy="395541"/>
           </a:xfrm>
           <a:prstGeom prst="roundRect">
@@ -3629,7 +3585,7 @@
         </p:nvSpPr>
         <p:spPr>
           <a:xfrm>
-            <a:off x="6401880" y="2963134"/>
+            <a:off x="6913567" y="2879085"/>
             <a:ext cx="3885333" cy="395541"/>
           </a:xfrm>
           <a:prstGeom prst="roundRect">
@@ -3688,7 +3644,7 @@
         </p:nvSpPr>
         <p:spPr>
           <a:xfrm>
-            <a:off x="6401879" y="3397124"/>
+            <a:off x="6913566" y="3313075"/>
             <a:ext cx="3885333" cy="395541"/>
           </a:xfrm>
           <a:prstGeom prst="roundRect">
@@ -3747,7 +3703,7 @@
         </p:nvSpPr>
         <p:spPr>
           <a:xfrm>
-            <a:off x="4583143" y="9268919"/>
+            <a:off x="5094830" y="9184870"/>
             <a:ext cx="2417446" cy="384722"/>
           </a:xfrm>
           <a:prstGeom prst="roundRect">
@@ -3806,7 +3762,7 @@
         </p:nvSpPr>
         <p:spPr>
           <a:xfrm>
-            <a:off x="4583143" y="9698071"/>
+            <a:off x="5094830" y="9614022"/>
             <a:ext cx="2417446" cy="384722"/>
           </a:xfrm>
           <a:prstGeom prst="roundRect">
@@ -3865,7 +3821,7 @@
         </p:nvSpPr>
         <p:spPr>
           <a:xfrm>
-            <a:off x="7035451" y="9279784"/>
+            <a:off x="7547138" y="9195735"/>
             <a:ext cx="1710309" cy="803011"/>
           </a:xfrm>
           <a:prstGeom prst="roundRect">
@@ -3924,7 +3880,7 @@
         </p:nvGrpSpPr>
         <p:grpSpPr>
           <a:xfrm>
-            <a:off x="4463411" y="8859238"/>
+            <a:off x="4975098" y="8775189"/>
             <a:ext cx="4417794" cy="1329594"/>
             <a:chOff x="2704478" y="1764862"/>
             <a:chExt cx="4417794" cy="1329594"/>
@@ -4038,7 +3994,7 @@
         </p:nvSpPr>
         <p:spPr>
           <a:xfrm>
-            <a:off x="6284906" y="10689496"/>
+            <a:off x="6871543" y="10605447"/>
             <a:ext cx="4122747" cy="424463"/>
           </a:xfrm>
           <a:prstGeom prst="roundRect">
@@ -4108,8 +4064,8 @@
         </p:blipFill>
         <p:spPr>
           <a:xfrm>
-            <a:off x="11416229" y="10907395"/>
-            <a:ext cx="1803400" cy="792719"/>
+            <a:off x="4853714" y="10772898"/>
+            <a:ext cx="1475312" cy="648502"/>
           </a:xfrm>
           <a:prstGeom prst="rect">
             <a:avLst/>
@@ -4130,7 +4086,7 @@
         </p:nvGrpSpPr>
         <p:grpSpPr>
           <a:xfrm>
-            <a:off x="9285056" y="8863322"/>
+            <a:off x="9796743" y="8779273"/>
             <a:ext cx="3409996" cy="1432020"/>
             <a:chOff x="9636868" y="8945218"/>
             <a:chExt cx="3409996" cy="1432020"/>
@@ -4423,7 +4379,7 @@
         </p:nvSpPr>
         <p:spPr>
           <a:xfrm>
-            <a:off x="6740762" y="4717473"/>
+            <a:off x="7252449" y="4633424"/>
             <a:ext cx="3349642" cy="300489"/>
           </a:xfrm>
           <a:prstGeom prst="roundRect">
@@ -4462,7 +4418,7 @@
             <a:pPr algn="ctr"/>
             <a:r>
               <a:rPr kumimoji="1" lang="en-US" altLang="ko-Kore-KR" sz="1600" dirty="0"/>
-              <a:t>SCE Area List API</a:t>
+              <a:t>CSE Area List API</a:t>
             </a:r>
             <a:endParaRPr kumimoji="1" lang="ko-Kore-KR" altLang="en-US" sz="1600" dirty="0"/>
           </a:p>
@@ -4482,7 +4438,7 @@
         </p:nvGrpSpPr>
         <p:grpSpPr>
           <a:xfrm>
-            <a:off x="6401880" y="4290057"/>
+            <a:off x="6948225" y="4206008"/>
             <a:ext cx="3937470" cy="2111150"/>
             <a:chOff x="2988857" y="1789726"/>
             <a:chExt cx="3937470" cy="2111150"/>
@@ -4596,7 +4552,7 @@
         </p:nvSpPr>
         <p:spPr>
           <a:xfrm>
-            <a:off x="6740762" y="7267454"/>
+            <a:off x="7252449" y="7183405"/>
             <a:ext cx="984735" cy="635724"/>
           </a:xfrm>
           <a:prstGeom prst="roundRect">
@@ -4655,7 +4611,7 @@
         </p:nvSpPr>
         <p:spPr>
           <a:xfrm>
-            <a:off x="6600981" y="6865375"/>
+            <a:off x="7112668" y="6781326"/>
             <a:ext cx="3813557" cy="1169910"/>
           </a:xfrm>
           <a:prstGeom prst="roundRect">
@@ -4711,7 +4667,7 @@
         </p:nvSpPr>
         <p:spPr>
           <a:xfrm>
-            <a:off x="6649454" y="6900540"/>
+            <a:off x="7161141" y="6816491"/>
             <a:ext cx="3689896" cy="369332"/>
           </a:xfrm>
           <a:prstGeom prst="rect">
@@ -4756,7 +4712,7 @@
         </p:blipFill>
         <p:spPr>
           <a:xfrm>
-            <a:off x="5585475" y="6598997"/>
+            <a:off x="6097162" y="6514948"/>
             <a:ext cx="973084" cy="885236"/>
           </a:xfrm>
           <a:prstGeom prst="rect">
@@ -4786,7 +4742,7 @@
         </p:blipFill>
         <p:spPr>
           <a:xfrm>
-            <a:off x="11894488" y="8338106"/>
+            <a:off x="12406175" y="8254057"/>
             <a:ext cx="1233999" cy="484915"/>
           </a:xfrm>
           <a:prstGeom prst="rect">
@@ -4816,7 +4772,7 @@
         </p:blipFill>
         <p:spPr>
           <a:xfrm>
-            <a:off x="10384320" y="4300649"/>
+            <a:off x="10896007" y="4216600"/>
             <a:ext cx="1085781" cy="752736"/>
           </a:xfrm>
           <a:prstGeom prst="rect">
@@ -4838,7 +4794,7 @@
         </p:nvSpPr>
         <p:spPr>
           <a:xfrm rot="10800000">
-            <a:off x="7992989" y="10130182"/>
+            <a:off x="8579626" y="10046133"/>
             <a:ext cx="193557" cy="618689"/>
           </a:xfrm>
           <a:prstGeom prst="downArrow">
@@ -4894,7 +4850,7 @@
         </p:nvSpPr>
         <p:spPr>
           <a:xfrm rot="16200000">
-            <a:off x="8919713" y="9307152"/>
+            <a:off x="9431400" y="9223103"/>
             <a:ext cx="203110" cy="718405"/>
           </a:xfrm>
           <a:prstGeom prst="downArrow">
@@ -4950,8 +4906,8 @@
         </p:nvGrpSpPr>
         <p:grpSpPr>
           <a:xfrm>
-            <a:off x="6284907" y="11241273"/>
-            <a:ext cx="4122747" cy="859667"/>
+            <a:off x="6871544" y="11157224"/>
+            <a:ext cx="4122747" cy="1521018"/>
             <a:chOff x="6274113" y="11303753"/>
             <a:chExt cx="4122747" cy="859667"/>
           </a:xfrm>
@@ -5030,8 +4986,8 @@
           </p:nvSpPr>
           <p:spPr>
             <a:xfrm>
-              <a:off x="7513238" y="11685046"/>
-              <a:ext cx="775092" cy="364685"/>
+              <a:off x="7513238" y="11543758"/>
+              <a:ext cx="775092" cy="562605"/>
             </a:xfrm>
             <a:prstGeom prst="roundRect">
               <a:avLst/>
@@ -5061,7 +5017,7 @@
             </a:fontRef>
           </p:style>
           <p:txBody>
-            <a:bodyPr rtlCol="0" anchor="ctr"/>
+            <a:bodyPr rtlCol="0" anchor="t"/>
             <a:lstStyle/>
             <a:p>
               <a:pPr algn="ctr"/>
@@ -5095,8 +5051,8 @@
           </p:nvSpPr>
           <p:spPr>
             <a:xfrm>
-              <a:off x="6590187" y="11693854"/>
-              <a:ext cx="775092" cy="364685"/>
+              <a:off x="6590187" y="11552566"/>
+              <a:ext cx="775092" cy="562605"/>
             </a:xfrm>
             <a:prstGeom prst="roundRect">
               <a:avLst/>
@@ -5126,7 +5082,7 @@
             </a:fontRef>
           </p:style>
           <p:txBody>
-            <a:bodyPr rtlCol="0" anchor="ctr"/>
+            <a:bodyPr rtlCol="0" anchor="t"/>
             <a:lstStyle/>
             <a:p>
               <a:pPr algn="ctr"/>
@@ -5160,8 +5116,8 @@
           </p:nvSpPr>
           <p:spPr>
             <a:xfrm>
-              <a:off x="9359340" y="11679275"/>
-              <a:ext cx="775092" cy="364685"/>
+              <a:off x="9359340" y="11537987"/>
+              <a:ext cx="775092" cy="562605"/>
             </a:xfrm>
             <a:prstGeom prst="roundRect">
               <a:avLst/>
@@ -5191,7 +5147,7 @@
             </a:fontRef>
           </p:style>
           <p:txBody>
-            <a:bodyPr rtlCol="0" anchor="ctr"/>
+            <a:bodyPr rtlCol="0" anchor="t"/>
             <a:lstStyle/>
             <a:p>
               <a:pPr algn="ctr"/>
@@ -5225,8 +5181,8 @@
           </p:nvSpPr>
           <p:spPr>
             <a:xfrm>
-              <a:off x="8436289" y="11693854"/>
-              <a:ext cx="775092" cy="364685"/>
+              <a:off x="8436289" y="11552566"/>
+              <a:ext cx="775092" cy="562605"/>
             </a:xfrm>
             <a:prstGeom prst="roundRect">
               <a:avLst/>
@@ -5256,7 +5212,7 @@
             </a:fontRef>
           </p:style>
           <p:txBody>
-            <a:bodyPr rtlCol="0" anchor="ctr"/>
+            <a:bodyPr rtlCol="0" anchor="t"/>
             <a:lstStyle/>
             <a:p>
               <a:pPr algn="ctr"/>
@@ -5291,7 +5247,7 @@
         </p:nvSpPr>
         <p:spPr>
           <a:xfrm>
-            <a:off x="2360586" y="9131439"/>
+            <a:off x="2872273" y="9047390"/>
             <a:ext cx="1738084" cy="384721"/>
           </a:xfrm>
           <a:prstGeom prst="rect">
@@ -5344,7 +5300,7 @@
         </p:nvCxnSpPr>
         <p:spPr>
           <a:xfrm>
-            <a:off x="2360586" y="8225931"/>
+            <a:off x="2872273" y="8141882"/>
             <a:ext cx="11119713" cy="0"/>
           </a:xfrm>
           <a:prstGeom prst="line">
@@ -5388,7 +5344,7 @@
         </p:nvSpPr>
         <p:spPr>
           <a:xfrm>
-            <a:off x="2366290" y="7228473"/>
+            <a:off x="2877977" y="7144424"/>
             <a:ext cx="2063206" cy="384721"/>
           </a:xfrm>
           <a:prstGeom prst="rect">
@@ -5439,7 +5395,7 @@
         </p:nvSpPr>
         <p:spPr>
           <a:xfrm rot="16200000">
-            <a:off x="9934235" y="7819450"/>
+            <a:off x="10445922" y="7735401"/>
             <a:ext cx="1556357" cy="680554"/>
           </a:xfrm>
           <a:prstGeom prst="bentUpArrow">
@@ -5499,7 +5455,7 @@
         </p:nvSpPr>
         <p:spPr>
           <a:xfrm>
-            <a:off x="2366290" y="5153271"/>
+            <a:off x="2877977" y="5069222"/>
             <a:ext cx="2063206" cy="384721"/>
           </a:xfrm>
           <a:prstGeom prst="rect">
@@ -5552,7 +5508,7 @@
         </p:nvCxnSpPr>
         <p:spPr>
           <a:xfrm>
-            <a:off x="2360586" y="6588861"/>
+            <a:off x="2872273" y="6504812"/>
             <a:ext cx="11119713" cy="0"/>
           </a:xfrm>
           <a:prstGeom prst="line">
@@ -5596,7 +5552,7 @@
         </p:nvSpPr>
         <p:spPr>
           <a:xfrm>
-            <a:off x="8279605" y="6316086"/>
+            <a:off x="8791292" y="6232037"/>
             <a:ext cx="251337" cy="645583"/>
           </a:xfrm>
           <a:prstGeom prst="upDownArrow">
@@ -5638,52 +5594,6 @@
           </a:p>
         </p:txBody>
       </p:sp>
-      <p:cxnSp>
-        <p:nvCxnSpPr>
-          <p:cNvPr id="73" name="직선 연결선[R] 72">
-            <a:extLst>
-              <a:ext uri="{FF2B5EF4-FFF2-40B4-BE49-F238E27FC236}">
-                <a16:creationId xmlns:a16="http://schemas.microsoft.com/office/drawing/2014/main" id="{C7B590F2-E406-2444-A036-E240742D1F96}"/>
-              </a:ext>
-            </a:extLst>
-          </p:cNvPr>
-          <p:cNvCxnSpPr>
-            <a:cxnSpLocks/>
-          </p:cNvCxnSpPr>
-          <p:nvPr/>
-        </p:nvCxnSpPr>
-        <p:spPr>
-          <a:xfrm>
-            <a:off x="2360586" y="4111132"/>
-            <a:ext cx="11119713" cy="0"/>
-          </a:xfrm>
-          <a:prstGeom prst="line">
-            <a:avLst/>
-          </a:prstGeom>
-          <a:ln w="38100">
-            <a:solidFill>
-              <a:schemeClr val="tx1">
-                <a:lumMod val="65000"/>
-                <a:lumOff val="35000"/>
-              </a:schemeClr>
-            </a:solidFill>
-          </a:ln>
-        </p:spPr>
-        <p:style>
-          <a:lnRef idx="1">
-            <a:schemeClr val="accent1"/>
-          </a:lnRef>
-          <a:fillRef idx="0">
-            <a:schemeClr val="accent1"/>
-          </a:fillRef>
-          <a:effectRef idx="0">
-            <a:schemeClr val="accent1"/>
-          </a:effectRef>
-          <a:fontRef idx="minor">
-            <a:schemeClr val="tx1"/>
-          </a:fontRef>
-        </p:style>
-      </p:cxnSp>
       <p:sp>
         <p:nvSpPr>
           <p:cNvPr id="54" name="위쪽/아래쪽 화살표[U] 53">
@@ -5698,7 +5608,7 @@
         </p:nvSpPr>
         <p:spPr>
           <a:xfrm>
-            <a:off x="8222950" y="3753661"/>
+            <a:off x="8734637" y="3669612"/>
             <a:ext cx="206265" cy="602354"/>
           </a:xfrm>
           <a:prstGeom prst="upDownArrow">
@@ -5740,6 +5650,264 @@
           </a:p>
         </p:txBody>
       </p:sp>
+      <p:pic>
+        <p:nvPicPr>
+          <p:cNvPr id="3" name="그림 2">
+            <a:extLst>
+              <a:ext uri="{FF2B5EF4-FFF2-40B4-BE49-F238E27FC236}">
+                <a16:creationId xmlns:a16="http://schemas.microsoft.com/office/drawing/2014/main" id="{4DCC6C80-E636-EF4E-9777-6C97C52405B5}"/>
+              </a:ext>
+            </a:extLst>
+          </p:cNvPr>
+          <p:cNvPicPr>
+            <a:picLocks noChangeAspect="1"/>
+          </p:cNvPicPr>
+          <p:nvPr/>
+        </p:nvPicPr>
+        <p:blipFill>
+          <a:blip r:embed="rId7"/>
+          <a:stretch>
+            <a:fillRect/>
+          </a:stretch>
+        </p:blipFill>
+        <p:spPr>
+          <a:xfrm>
+            <a:off x="10084644" y="11912036"/>
+            <a:ext cx="525600" cy="495849"/>
+          </a:xfrm>
+          <a:prstGeom prst="rect">
+            <a:avLst/>
+          </a:prstGeom>
+        </p:spPr>
+      </p:pic>
+      <p:pic>
+        <p:nvPicPr>
+          <p:cNvPr id="5" name="그림 4">
+            <a:extLst>
+              <a:ext uri="{FF2B5EF4-FFF2-40B4-BE49-F238E27FC236}">
+                <a16:creationId xmlns:a16="http://schemas.microsoft.com/office/drawing/2014/main" id="{E795C7EE-6FC5-2947-89A2-609E401EE5C7}"/>
+              </a:ext>
+            </a:extLst>
+          </p:cNvPr>
+          <p:cNvPicPr>
+            <a:picLocks noChangeAspect="1"/>
+          </p:cNvPicPr>
+          <p:nvPr/>
+        </p:nvPicPr>
+        <p:blipFill>
+          <a:blip r:embed="rId8"/>
+          <a:stretch>
+            <a:fillRect/>
+          </a:stretch>
+        </p:blipFill>
+        <p:spPr>
+          <a:xfrm>
+            <a:off x="9164554" y="11940448"/>
+            <a:ext cx="525600" cy="503234"/>
+          </a:xfrm>
+          <a:prstGeom prst="rect">
+            <a:avLst/>
+          </a:prstGeom>
+        </p:spPr>
+      </p:pic>
+      <p:pic>
+        <p:nvPicPr>
+          <p:cNvPr id="6" name="그림 5">
+            <a:extLst>
+              <a:ext uri="{FF2B5EF4-FFF2-40B4-BE49-F238E27FC236}">
+                <a16:creationId xmlns:a16="http://schemas.microsoft.com/office/drawing/2014/main" id="{108DA0D1-7F70-834D-BB9D-E727CBDE7DA4}"/>
+              </a:ext>
+            </a:extLst>
+          </p:cNvPr>
+          <p:cNvPicPr>
+            <a:picLocks noChangeAspect="1"/>
+          </p:cNvPicPr>
+          <p:nvPr/>
+        </p:nvPicPr>
+        <p:blipFill>
+          <a:blip r:embed="rId9"/>
+          <a:stretch>
+            <a:fillRect/>
+          </a:stretch>
+        </p:blipFill>
+        <p:spPr>
+          <a:xfrm>
+            <a:off x="8234067" y="11937861"/>
+            <a:ext cx="525600" cy="514873"/>
+          </a:xfrm>
+          <a:prstGeom prst="rect">
+            <a:avLst/>
+          </a:prstGeom>
+        </p:spPr>
+      </p:pic>
+      <p:pic>
+        <p:nvPicPr>
+          <p:cNvPr id="8" name="그림 7">
+            <a:extLst>
+              <a:ext uri="{FF2B5EF4-FFF2-40B4-BE49-F238E27FC236}">
+                <a16:creationId xmlns:a16="http://schemas.microsoft.com/office/drawing/2014/main" id="{801F2422-84A2-EB46-95B5-8A13FA15B25F}"/>
+              </a:ext>
+            </a:extLst>
+          </p:cNvPr>
+          <p:cNvPicPr>
+            <a:picLocks noChangeAspect="1"/>
+          </p:cNvPicPr>
+          <p:nvPr/>
+        </p:nvPicPr>
+        <p:blipFill>
+          <a:blip r:embed="rId10"/>
+          <a:stretch>
+            <a:fillRect/>
+          </a:stretch>
+        </p:blipFill>
+        <p:spPr>
+          <a:xfrm>
+            <a:off x="7317099" y="11956230"/>
+            <a:ext cx="525600" cy="482518"/>
+          </a:xfrm>
+          <a:prstGeom prst="rect">
+            <a:avLst/>
+          </a:prstGeom>
+        </p:spPr>
+      </p:pic>
+      <p:cxnSp>
+        <p:nvCxnSpPr>
+          <p:cNvPr id="74" name="직선 연결선[R] 73">
+            <a:extLst>
+              <a:ext uri="{FF2B5EF4-FFF2-40B4-BE49-F238E27FC236}">
+                <a16:creationId xmlns:a16="http://schemas.microsoft.com/office/drawing/2014/main" id="{02696A68-6C3D-5A4B-8A13-A6B13ADA6E9B}"/>
+              </a:ext>
+            </a:extLst>
+          </p:cNvPr>
+          <p:cNvCxnSpPr>
+            <a:cxnSpLocks/>
+          </p:cNvCxnSpPr>
+          <p:nvPr/>
+        </p:nvCxnSpPr>
+        <p:spPr>
+          <a:xfrm>
+            <a:off x="2495762" y="8146278"/>
+            <a:ext cx="11496224" cy="0"/>
+          </a:xfrm>
+          <a:prstGeom prst="line">
+            <a:avLst/>
+          </a:prstGeom>
+          <a:ln w="38100">
+            <a:solidFill>
+              <a:schemeClr val="tx1">
+                <a:lumMod val="65000"/>
+                <a:lumOff val="35000"/>
+              </a:schemeClr>
+            </a:solidFill>
+          </a:ln>
+        </p:spPr>
+        <p:style>
+          <a:lnRef idx="1">
+            <a:schemeClr val="accent1"/>
+          </a:lnRef>
+          <a:fillRef idx="0">
+            <a:schemeClr val="accent1"/>
+          </a:fillRef>
+          <a:effectRef idx="0">
+            <a:schemeClr val="accent1"/>
+          </a:effectRef>
+          <a:fontRef idx="minor">
+            <a:schemeClr val="tx1"/>
+          </a:fontRef>
+        </p:style>
+      </p:cxnSp>
+      <p:cxnSp>
+        <p:nvCxnSpPr>
+          <p:cNvPr id="75" name="직선 연결선[R] 74">
+            <a:extLst>
+              <a:ext uri="{FF2B5EF4-FFF2-40B4-BE49-F238E27FC236}">
+                <a16:creationId xmlns:a16="http://schemas.microsoft.com/office/drawing/2014/main" id="{16E39120-A865-4346-A7A0-167EB0D0BD5C}"/>
+              </a:ext>
+            </a:extLst>
+          </p:cNvPr>
+          <p:cNvCxnSpPr>
+            <a:cxnSpLocks/>
+          </p:cNvCxnSpPr>
+          <p:nvPr/>
+        </p:nvCxnSpPr>
+        <p:spPr>
+          <a:xfrm>
+            <a:off x="2495762" y="6504812"/>
+            <a:ext cx="11496224" cy="0"/>
+          </a:xfrm>
+          <a:prstGeom prst="line">
+            <a:avLst/>
+          </a:prstGeom>
+          <a:ln w="38100">
+            <a:solidFill>
+              <a:schemeClr val="tx1">
+                <a:lumMod val="65000"/>
+                <a:lumOff val="35000"/>
+              </a:schemeClr>
+            </a:solidFill>
+          </a:ln>
+        </p:spPr>
+        <p:style>
+          <a:lnRef idx="1">
+            <a:schemeClr val="accent1"/>
+          </a:lnRef>
+          <a:fillRef idx="0">
+            <a:schemeClr val="accent1"/>
+          </a:fillRef>
+          <a:effectRef idx="0">
+            <a:schemeClr val="accent1"/>
+          </a:effectRef>
+          <a:fontRef idx="minor">
+            <a:schemeClr val="tx1"/>
+          </a:fontRef>
+        </p:style>
+      </p:cxnSp>
+      <p:cxnSp>
+        <p:nvCxnSpPr>
+          <p:cNvPr id="76" name="직선 연결선[R] 75">
+            <a:extLst>
+              <a:ext uri="{FF2B5EF4-FFF2-40B4-BE49-F238E27FC236}">
+                <a16:creationId xmlns:a16="http://schemas.microsoft.com/office/drawing/2014/main" id="{AB1F650C-86E4-6C41-BE38-23D9ED1AF0B1}"/>
+              </a:ext>
+            </a:extLst>
+          </p:cNvPr>
+          <p:cNvCxnSpPr>
+            <a:cxnSpLocks/>
+          </p:cNvCxnSpPr>
+          <p:nvPr/>
+        </p:nvCxnSpPr>
+        <p:spPr>
+          <a:xfrm>
+            <a:off x="2495762" y="4020827"/>
+            <a:ext cx="11496224" cy="0"/>
+          </a:xfrm>
+          <a:prstGeom prst="line">
+            <a:avLst/>
+          </a:prstGeom>
+          <a:ln w="38100">
+            <a:solidFill>
+              <a:schemeClr val="tx1">
+                <a:lumMod val="65000"/>
+                <a:lumOff val="35000"/>
+              </a:schemeClr>
+            </a:solidFill>
+          </a:ln>
+        </p:spPr>
+        <p:style>
+          <a:lnRef idx="1">
+            <a:schemeClr val="accent1"/>
+          </a:lnRef>
+          <a:fillRef idx="0">
+            <a:schemeClr val="accent1"/>
+          </a:fillRef>
+          <a:effectRef idx="0">
+            <a:schemeClr val="accent1"/>
+          </a:effectRef>
+          <a:fontRef idx="minor">
+            <a:schemeClr val="tx1"/>
+          </a:fontRef>
+        </p:style>
+      </p:cxnSp>
     </p:spTree>
     <p:extLst>
       <p:ext uri="{BB962C8B-B14F-4D97-AF65-F5344CB8AC3E}">
